--- a/lectures/KR-6.pptx
+++ b/lectures/KR-6.pptx
@@ -42,8 +42,9 @@
     <p:sldId id="319" r:id="rId36"/>
     <p:sldId id="320" r:id="rId37"/>
     <p:sldId id="321" r:id="rId38"/>
-    <p:sldId id="284" r:id="rId39"/>
-    <p:sldId id="285" r:id="rId40"/>
+    <p:sldId id="325" r:id="rId39"/>
+    <p:sldId id="284" r:id="rId40"/>
+    <p:sldId id="285" r:id="rId41"/>
   </p:sldIdLst>
   <p:sldSz cx="12192000" cy="6858000"/>
   <p:notesSz cx="6858000" cy="9144000"/>
@@ -33713,7 +33714,7 @@
                 </a:solidFill>
                 <a:latin typeface="Menlo" panose="020B0609030804020204" pitchFamily="49" charset="0"/>
               </a:rPr>
-              <a:t>kr_06_06.c</a:t>
+              <a:t>kr_06_08.c</a:t>
             </a:r>
           </a:p>
         </p:txBody>
@@ -34009,7 +34010,7 @@
                 </a:solidFill>
                 <a:latin typeface="Menlo" panose="020B0609030804020204" pitchFamily="49" charset="0"/>
               </a:rPr>
-              <a:t>kr_06_06.c</a:t>
+              <a:t>kr_06_08.c</a:t>
             </a:r>
           </a:p>
         </p:txBody>
@@ -35882,7 +35883,7 @@
                 </a:solidFill>
                 <a:latin typeface="Menlo" panose="020B0609030804020204" pitchFamily="49" charset="0"/>
               </a:rPr>
-              <a:t>kr_06_06.c</a:t>
+              <a:t>kr_06_08.c</a:t>
             </a:r>
           </a:p>
         </p:txBody>
@@ -37758,7 +37759,7 @@
                 </a:solidFill>
                 <a:latin typeface="Menlo" panose="020B0609030804020204" pitchFamily="49" charset="0"/>
               </a:rPr>
-              <a:t>kr_06_06.c</a:t>
+              <a:t>kr_06_08.c</a:t>
             </a:r>
           </a:p>
         </p:txBody>
@@ -39634,7 +39635,7 @@
                 </a:solidFill>
                 <a:latin typeface="Menlo" panose="020B0609030804020204" pitchFamily="49" charset="0"/>
               </a:rPr>
-              <a:t>kr_06_06.c</a:t>
+              <a:t>kr_06_08.c</a:t>
             </a:r>
           </a:p>
         </p:txBody>
@@ -41271,6 +41272,1002 @@
 </file>
 
 <file path=ppt/slides/slide38.xml><?xml version="1.0" encoding="utf-8"?>
+<p:sld xmlns:a="http://schemas.openxmlformats.org/drawingml/2006/main" xmlns:r="http://schemas.openxmlformats.org/officeDocument/2006/relationships" xmlns:p="http://schemas.openxmlformats.org/presentationml/2006/main">
+  <p:cSld>
+    <p:spTree>
+      <p:nvGrpSpPr>
+        <p:cNvPr id="1" name=""/>
+        <p:cNvGrpSpPr/>
+        <p:nvPr/>
+      </p:nvGrpSpPr>
+      <p:grpSpPr>
+        <a:xfrm>
+          <a:off x="0" y="0"/>
+          <a:ext cx="0" cy="0"/>
+          <a:chOff x="0" y="0"/>
+          <a:chExt cx="0" cy="0"/>
+        </a:xfrm>
+      </p:grpSpPr>
+      <p:sp>
+        <p:nvSpPr>
+          <p:cNvPr id="4" name="TextBox 3">
+            <a:extLst>
+              <a:ext uri="{FF2B5EF4-FFF2-40B4-BE49-F238E27FC236}">
+                <a16:creationId xmlns:a16="http://schemas.microsoft.com/office/drawing/2014/main" id="{F6F9B66A-1D44-FAE1-6AA5-057FB5821065}"/>
+              </a:ext>
+            </a:extLst>
+          </p:cNvPr>
+          <p:cNvSpPr txBox="1"/>
+          <p:nvPr/>
+        </p:nvSpPr>
+        <p:spPr>
+          <a:xfrm>
+            <a:off x="501952" y="414281"/>
+            <a:ext cx="4687502" cy="5509200"/>
+          </a:xfrm>
+          <a:prstGeom prst="rect">
+            <a:avLst/>
+          </a:prstGeom>
+          <a:noFill/>
+        </p:spPr>
+        <p:txBody>
+          <a:bodyPr wrap="none" rtlCol="0">
+            <a:spAutoFit/>
+          </a:bodyPr>
+          <a:lstStyle/>
+          <a:p>
+            <a:r>
+              <a:rPr lang="en-US" sz="1100" b="1" dirty="0">
+                <a:latin typeface="Courier New" panose="02070309020205020404" pitchFamily="49" charset="0"/>
+                <a:cs typeface="Courier New" panose="02070309020205020404" pitchFamily="49" charset="0"/>
+              </a:rPr>
+              <a:t>#include &lt;</a:t>
+            </a:r>
+            <a:r>
+              <a:rPr lang="en-US" sz="1100" b="1" dirty="0" err="1">
+                <a:latin typeface="Courier New" panose="02070309020205020404" pitchFamily="49" charset="0"/>
+                <a:cs typeface="Courier New" panose="02070309020205020404" pitchFamily="49" charset="0"/>
+              </a:rPr>
+              <a:t>stdio.h</a:t>
+            </a:r>
+            <a:r>
+              <a:rPr lang="en-US" sz="1100" b="1" dirty="0">
+                <a:latin typeface="Courier New" panose="02070309020205020404" pitchFamily="49" charset="0"/>
+                <a:cs typeface="Courier New" panose="02070309020205020404" pitchFamily="49" charset="0"/>
+              </a:rPr>
+              <a:t>&gt;</a:t>
+            </a:r>
+          </a:p>
+          <a:p>
+            <a:r>
+              <a:rPr lang="en-US" sz="1100" b="1" dirty="0">
+                <a:latin typeface="Courier New" panose="02070309020205020404" pitchFamily="49" charset="0"/>
+                <a:cs typeface="Courier New" panose="02070309020205020404" pitchFamily="49" charset="0"/>
+              </a:rPr>
+              <a:t>#include &lt;</a:t>
+            </a:r>
+            <a:r>
+              <a:rPr lang="en-US" sz="1100" b="1" dirty="0" err="1">
+                <a:latin typeface="Courier New" panose="02070309020205020404" pitchFamily="49" charset="0"/>
+                <a:cs typeface="Courier New" panose="02070309020205020404" pitchFamily="49" charset="0"/>
+              </a:rPr>
+              <a:t>stdlib.h</a:t>
+            </a:r>
+            <a:r>
+              <a:rPr lang="en-US" sz="1100" b="1" dirty="0">
+                <a:latin typeface="Courier New" panose="02070309020205020404" pitchFamily="49" charset="0"/>
+                <a:cs typeface="Courier New" panose="02070309020205020404" pitchFamily="49" charset="0"/>
+              </a:rPr>
+              <a:t>&gt;</a:t>
+            </a:r>
+          </a:p>
+          <a:p>
+            <a:r>
+              <a:rPr lang="en-US" sz="1100" b="1" dirty="0">
+                <a:latin typeface="Courier New" panose="02070309020205020404" pitchFamily="49" charset="0"/>
+                <a:cs typeface="Courier New" panose="02070309020205020404" pitchFamily="49" charset="0"/>
+              </a:rPr>
+              <a:t>#include &lt;</a:t>
+            </a:r>
+            <a:r>
+              <a:rPr lang="en-US" sz="1100" b="1" dirty="0" err="1">
+                <a:latin typeface="Courier New" panose="02070309020205020404" pitchFamily="49" charset="0"/>
+                <a:cs typeface="Courier New" panose="02070309020205020404" pitchFamily="49" charset="0"/>
+              </a:rPr>
+              <a:t>string.h</a:t>
+            </a:r>
+            <a:r>
+              <a:rPr lang="en-US" sz="1100" b="1" dirty="0">
+                <a:latin typeface="Courier New" panose="02070309020205020404" pitchFamily="49" charset="0"/>
+                <a:cs typeface="Courier New" panose="02070309020205020404" pitchFamily="49" charset="0"/>
+              </a:rPr>
+              <a:t>&gt;</a:t>
+            </a:r>
+          </a:p>
+          <a:p>
+            <a:endParaRPr lang="en-US" sz="1100" b="1" dirty="0">
+              <a:latin typeface="Courier New" panose="02070309020205020404" pitchFamily="49" charset="0"/>
+              <a:cs typeface="Courier New" panose="02070309020205020404" pitchFamily="49" charset="0"/>
+            </a:endParaRPr>
+          </a:p>
+          <a:p>
+            <a:r>
+              <a:rPr lang="en-US" sz="1100" b="1" dirty="0">
+                <a:latin typeface="Courier New" panose="02070309020205020404" pitchFamily="49" charset="0"/>
+                <a:cs typeface="Courier New" panose="02070309020205020404" pitchFamily="49" charset="0"/>
+              </a:rPr>
+              <a:t>#define MAXLINE 1000</a:t>
+            </a:r>
+          </a:p>
+          <a:p>
+            <a:endParaRPr lang="en-US" sz="1100" b="1" dirty="0">
+              <a:latin typeface="Courier New" panose="02070309020205020404" pitchFamily="49" charset="0"/>
+              <a:cs typeface="Courier New" panose="02070309020205020404" pitchFamily="49" charset="0"/>
+            </a:endParaRPr>
+          </a:p>
+          <a:p>
+            <a:r>
+              <a:rPr lang="en-US" sz="1100" b="1" dirty="0">
+                <a:latin typeface="Courier New" panose="02070309020205020404" pitchFamily="49" charset="0"/>
+                <a:cs typeface="Courier New" panose="02070309020205020404" pitchFamily="49" charset="0"/>
+              </a:rPr>
+              <a:t>struct </a:t>
+            </a:r>
+            <a:r>
+              <a:rPr lang="en-US" sz="1100" b="1" dirty="0" err="1">
+                <a:latin typeface="Courier New" panose="02070309020205020404" pitchFamily="49" charset="0"/>
+                <a:cs typeface="Courier New" panose="02070309020205020404" pitchFamily="49" charset="0"/>
+              </a:rPr>
+              <a:t>lnode</a:t>
+            </a:r>
+            <a:r>
+              <a:rPr lang="en-US" sz="1100" b="1" dirty="0">
+                <a:latin typeface="Courier New" panose="02070309020205020404" pitchFamily="49" charset="0"/>
+                <a:cs typeface="Courier New" panose="02070309020205020404" pitchFamily="49" charset="0"/>
+              </a:rPr>
+              <a:t> {</a:t>
+            </a:r>
+          </a:p>
+          <a:p>
+            <a:r>
+              <a:rPr lang="en-US" sz="1100" b="1" dirty="0">
+                <a:latin typeface="Courier New" panose="02070309020205020404" pitchFamily="49" charset="0"/>
+                <a:cs typeface="Courier New" panose="02070309020205020404" pitchFamily="49" charset="0"/>
+              </a:rPr>
+              <a:t>    char *text;</a:t>
+            </a:r>
+          </a:p>
+          <a:p>
+            <a:r>
+              <a:rPr lang="en-US" sz="1100" b="1" dirty="0">
+                <a:latin typeface="Courier New" panose="02070309020205020404" pitchFamily="49" charset="0"/>
+                <a:cs typeface="Courier New" panose="02070309020205020404" pitchFamily="49" charset="0"/>
+              </a:rPr>
+              <a:t>    struct </a:t>
+            </a:r>
+            <a:r>
+              <a:rPr lang="en-US" sz="1100" b="1" dirty="0" err="1">
+                <a:latin typeface="Courier New" panose="02070309020205020404" pitchFamily="49" charset="0"/>
+                <a:cs typeface="Courier New" panose="02070309020205020404" pitchFamily="49" charset="0"/>
+              </a:rPr>
+              <a:t>lnode</a:t>
+            </a:r>
+            <a:r>
+              <a:rPr lang="en-US" sz="1100" b="1" dirty="0">
+                <a:latin typeface="Courier New" panose="02070309020205020404" pitchFamily="49" charset="0"/>
+                <a:cs typeface="Courier New" panose="02070309020205020404" pitchFamily="49" charset="0"/>
+              </a:rPr>
+              <a:t> *next;</a:t>
+            </a:r>
+          </a:p>
+          <a:p>
+            <a:r>
+              <a:rPr lang="en-US" sz="1100" b="1" dirty="0">
+                <a:latin typeface="Courier New" panose="02070309020205020404" pitchFamily="49" charset="0"/>
+                <a:cs typeface="Courier New" panose="02070309020205020404" pitchFamily="49" charset="0"/>
+              </a:rPr>
+              <a:t>};</a:t>
+            </a:r>
+          </a:p>
+          <a:p>
+            <a:endParaRPr lang="en-US" sz="1100" b="1" dirty="0">
+              <a:latin typeface="Courier New" panose="02070309020205020404" pitchFamily="49" charset="0"/>
+              <a:cs typeface="Courier New" panose="02070309020205020404" pitchFamily="49" charset="0"/>
+            </a:endParaRPr>
+          </a:p>
+          <a:p>
+            <a:r>
+              <a:rPr lang="en-US" sz="1100" b="1" dirty="0">
+                <a:latin typeface="Courier New" panose="02070309020205020404" pitchFamily="49" charset="0"/>
+                <a:cs typeface="Courier New" panose="02070309020205020404" pitchFamily="49" charset="0"/>
+              </a:rPr>
+              <a:t>struct list {</a:t>
+            </a:r>
+          </a:p>
+          <a:p>
+            <a:r>
+              <a:rPr lang="en-US" sz="1100" b="1" dirty="0">
+                <a:latin typeface="Courier New" panose="02070309020205020404" pitchFamily="49" charset="0"/>
+                <a:cs typeface="Courier New" panose="02070309020205020404" pitchFamily="49" charset="0"/>
+              </a:rPr>
+              <a:t>  struct </a:t>
+            </a:r>
+            <a:r>
+              <a:rPr lang="en-US" sz="1100" b="1" dirty="0" err="1">
+                <a:latin typeface="Courier New" panose="02070309020205020404" pitchFamily="49" charset="0"/>
+                <a:cs typeface="Courier New" panose="02070309020205020404" pitchFamily="49" charset="0"/>
+              </a:rPr>
+              <a:t>lnode</a:t>
+            </a:r>
+            <a:r>
+              <a:rPr lang="en-US" sz="1100" b="1" dirty="0">
+                <a:latin typeface="Courier New" panose="02070309020205020404" pitchFamily="49" charset="0"/>
+                <a:cs typeface="Courier New" panose="02070309020205020404" pitchFamily="49" charset="0"/>
+              </a:rPr>
+              <a:t> *head;</a:t>
+            </a:r>
+          </a:p>
+          <a:p>
+            <a:r>
+              <a:rPr lang="en-US" sz="1100" b="1" dirty="0">
+                <a:latin typeface="Courier New" panose="02070309020205020404" pitchFamily="49" charset="0"/>
+                <a:cs typeface="Courier New" panose="02070309020205020404" pitchFamily="49" charset="0"/>
+              </a:rPr>
+              <a:t>  struct </a:t>
+            </a:r>
+            <a:r>
+              <a:rPr lang="en-US" sz="1100" b="1" dirty="0" err="1">
+                <a:latin typeface="Courier New" panose="02070309020205020404" pitchFamily="49" charset="0"/>
+                <a:cs typeface="Courier New" panose="02070309020205020404" pitchFamily="49" charset="0"/>
+              </a:rPr>
+              <a:t>lnode</a:t>
+            </a:r>
+            <a:r>
+              <a:rPr lang="en-US" sz="1100" b="1" dirty="0">
+                <a:latin typeface="Courier New" panose="02070309020205020404" pitchFamily="49" charset="0"/>
+                <a:cs typeface="Courier New" panose="02070309020205020404" pitchFamily="49" charset="0"/>
+              </a:rPr>
+              <a:t> *tail;</a:t>
+            </a:r>
+          </a:p>
+          <a:p>
+            <a:r>
+              <a:rPr lang="en-US" sz="1100" b="1" dirty="0">
+                <a:latin typeface="Courier New" panose="02070309020205020404" pitchFamily="49" charset="0"/>
+                <a:cs typeface="Courier New" panose="02070309020205020404" pitchFamily="49" charset="0"/>
+              </a:rPr>
+              <a:t>};</a:t>
+            </a:r>
+          </a:p>
+          <a:p>
+            <a:endParaRPr lang="en-US" sz="1100" b="1" dirty="0">
+              <a:latin typeface="Courier New" panose="02070309020205020404" pitchFamily="49" charset="0"/>
+              <a:cs typeface="Courier New" panose="02070309020205020404" pitchFamily="49" charset="0"/>
+            </a:endParaRPr>
+          </a:p>
+          <a:p>
+            <a:r>
+              <a:rPr lang="en-US" sz="1100" b="1" dirty="0">
+                <a:latin typeface="Courier New" panose="02070309020205020404" pitchFamily="49" charset="0"/>
+                <a:cs typeface="Courier New" panose="02070309020205020404" pitchFamily="49" charset="0"/>
+              </a:rPr>
+              <a:t>void </a:t>
+            </a:r>
+            <a:r>
+              <a:rPr lang="en-US" sz="1100" b="1" dirty="0" err="1">
+                <a:latin typeface="Courier New" panose="02070309020205020404" pitchFamily="49" charset="0"/>
+                <a:cs typeface="Courier New" panose="02070309020205020404" pitchFamily="49" charset="0"/>
+              </a:rPr>
+              <a:t>list_add</a:t>
+            </a:r>
+            <a:r>
+              <a:rPr lang="en-US" sz="1100" b="1" dirty="0">
+                <a:latin typeface="Courier New" panose="02070309020205020404" pitchFamily="49" charset="0"/>
+                <a:cs typeface="Courier New" panose="02070309020205020404" pitchFamily="49" charset="0"/>
+              </a:rPr>
+              <a:t>(</a:t>
+            </a:r>
+            <a:r>
+              <a:rPr lang="en-US" sz="1100" b="1" dirty="0" err="1">
+                <a:latin typeface="Courier New" panose="02070309020205020404" pitchFamily="49" charset="0"/>
+                <a:cs typeface="Courier New" panose="02070309020205020404" pitchFamily="49" charset="0"/>
+              </a:rPr>
+              <a:t>lst</a:t>
+            </a:r>
+            <a:r>
+              <a:rPr lang="en-US" sz="1100" b="1" dirty="0">
+                <a:latin typeface="Courier New" panose="02070309020205020404" pitchFamily="49" charset="0"/>
+                <a:cs typeface="Courier New" panose="02070309020205020404" pitchFamily="49" charset="0"/>
+              </a:rPr>
+              <a:t>, line)</a:t>
+            </a:r>
+          </a:p>
+          <a:p>
+            <a:r>
+              <a:rPr lang="en-US" sz="1100" b="1" dirty="0">
+                <a:latin typeface="Courier New" panose="02070309020205020404" pitchFamily="49" charset="0"/>
+                <a:cs typeface="Courier New" panose="02070309020205020404" pitchFamily="49" charset="0"/>
+              </a:rPr>
+              <a:t>    struct list *</a:t>
+            </a:r>
+            <a:r>
+              <a:rPr lang="en-US" sz="1100" b="1" dirty="0" err="1">
+                <a:latin typeface="Courier New" panose="02070309020205020404" pitchFamily="49" charset="0"/>
+                <a:cs typeface="Courier New" panose="02070309020205020404" pitchFamily="49" charset="0"/>
+              </a:rPr>
+              <a:t>lst</a:t>
+            </a:r>
+            <a:r>
+              <a:rPr lang="en-US" sz="1100" b="1" dirty="0">
+                <a:latin typeface="Courier New" panose="02070309020205020404" pitchFamily="49" charset="0"/>
+                <a:cs typeface="Courier New" panose="02070309020205020404" pitchFamily="49" charset="0"/>
+              </a:rPr>
+              <a:t>;</a:t>
+            </a:r>
+          </a:p>
+          <a:p>
+            <a:r>
+              <a:rPr lang="en-US" sz="1100" b="1" dirty="0">
+                <a:latin typeface="Courier New" panose="02070309020205020404" pitchFamily="49" charset="0"/>
+                <a:cs typeface="Courier New" panose="02070309020205020404" pitchFamily="49" charset="0"/>
+              </a:rPr>
+              <a:t>    char *line;</a:t>
+            </a:r>
+          </a:p>
+          <a:p>
+            <a:r>
+              <a:rPr lang="en-US" sz="1100" b="1" dirty="0">
+                <a:latin typeface="Courier New" panose="02070309020205020404" pitchFamily="49" charset="0"/>
+                <a:cs typeface="Courier New" panose="02070309020205020404" pitchFamily="49" charset="0"/>
+              </a:rPr>
+              <a:t>{</a:t>
+            </a:r>
+          </a:p>
+          <a:p>
+            <a:r>
+              <a:rPr lang="en-US" sz="1100" b="1" dirty="0">
+                <a:latin typeface="Courier New" panose="02070309020205020404" pitchFamily="49" charset="0"/>
+                <a:cs typeface="Courier New" panose="02070309020205020404" pitchFamily="49" charset="0"/>
+              </a:rPr>
+              <a:t>      char *save = (char *) malloc(</a:t>
+            </a:r>
+            <a:r>
+              <a:rPr lang="en-US" sz="1100" b="1" dirty="0" err="1">
+                <a:latin typeface="Courier New" panose="02070309020205020404" pitchFamily="49" charset="0"/>
+                <a:cs typeface="Courier New" panose="02070309020205020404" pitchFamily="49" charset="0"/>
+              </a:rPr>
+              <a:t>strlen</a:t>
+            </a:r>
+            <a:r>
+              <a:rPr lang="en-US" sz="1100" b="1" dirty="0">
+                <a:latin typeface="Courier New" panose="02070309020205020404" pitchFamily="49" charset="0"/>
+                <a:cs typeface="Courier New" panose="02070309020205020404" pitchFamily="49" charset="0"/>
+              </a:rPr>
+              <a:t>(line)+1);</a:t>
+            </a:r>
+          </a:p>
+          <a:p>
+            <a:r>
+              <a:rPr lang="en-US" sz="1100" b="1" dirty="0">
+                <a:latin typeface="Courier New" panose="02070309020205020404" pitchFamily="49" charset="0"/>
+                <a:cs typeface="Courier New" panose="02070309020205020404" pitchFamily="49" charset="0"/>
+              </a:rPr>
+              <a:t>      </a:t>
+            </a:r>
+            <a:r>
+              <a:rPr lang="en-US" sz="1100" b="1" dirty="0" err="1">
+                <a:latin typeface="Courier New" panose="02070309020205020404" pitchFamily="49" charset="0"/>
+                <a:cs typeface="Courier New" panose="02070309020205020404" pitchFamily="49" charset="0"/>
+              </a:rPr>
+              <a:t>strcpy</a:t>
+            </a:r>
+            <a:r>
+              <a:rPr lang="en-US" sz="1100" b="1" dirty="0">
+                <a:latin typeface="Courier New" panose="02070309020205020404" pitchFamily="49" charset="0"/>
+                <a:cs typeface="Courier New" panose="02070309020205020404" pitchFamily="49" charset="0"/>
+              </a:rPr>
+              <a:t>(save, line);</a:t>
+            </a:r>
+          </a:p>
+          <a:p>
+            <a:r>
+              <a:rPr lang="en-US" sz="1100" b="1" dirty="0">
+                <a:latin typeface="Courier New" panose="02070309020205020404" pitchFamily="49" charset="0"/>
+                <a:cs typeface="Courier New" panose="02070309020205020404" pitchFamily="49" charset="0"/>
+              </a:rPr>
+              <a:t>      struct </a:t>
+            </a:r>
+            <a:r>
+              <a:rPr lang="en-US" sz="1100" b="1" dirty="0" err="1">
+                <a:latin typeface="Courier New" panose="02070309020205020404" pitchFamily="49" charset="0"/>
+                <a:cs typeface="Courier New" panose="02070309020205020404" pitchFamily="49" charset="0"/>
+              </a:rPr>
+              <a:t>lnode</a:t>
+            </a:r>
+            <a:r>
+              <a:rPr lang="en-US" sz="1100" b="1" dirty="0">
+                <a:latin typeface="Courier New" panose="02070309020205020404" pitchFamily="49" charset="0"/>
+                <a:cs typeface="Courier New" panose="02070309020205020404" pitchFamily="49" charset="0"/>
+              </a:rPr>
+              <a:t> *new = (struct </a:t>
+            </a:r>
+            <a:r>
+              <a:rPr lang="en-US" sz="1100" b="1" dirty="0" err="1">
+                <a:latin typeface="Courier New" panose="02070309020205020404" pitchFamily="49" charset="0"/>
+                <a:cs typeface="Courier New" panose="02070309020205020404" pitchFamily="49" charset="0"/>
+              </a:rPr>
+              <a:t>lnode</a:t>
+            </a:r>
+            <a:r>
+              <a:rPr lang="en-US" sz="1100" b="1" dirty="0">
+                <a:latin typeface="Courier New" panose="02070309020205020404" pitchFamily="49" charset="0"/>
+                <a:cs typeface="Courier New" panose="02070309020205020404" pitchFamily="49" charset="0"/>
+              </a:rPr>
+              <a:t> *) </a:t>
+            </a:r>
+          </a:p>
+          <a:p>
+            <a:r>
+              <a:rPr lang="en-US" sz="1100" b="1" dirty="0">
+                <a:latin typeface="Courier New" panose="02070309020205020404" pitchFamily="49" charset="0"/>
+                <a:cs typeface="Courier New" panose="02070309020205020404" pitchFamily="49" charset="0"/>
+              </a:rPr>
+              <a:t>	malloc(</a:t>
+            </a:r>
+            <a:r>
+              <a:rPr lang="en-US" sz="1100" b="1" dirty="0" err="1">
+                <a:latin typeface="Courier New" panose="02070309020205020404" pitchFamily="49" charset="0"/>
+                <a:cs typeface="Courier New" panose="02070309020205020404" pitchFamily="49" charset="0"/>
+              </a:rPr>
+              <a:t>sizeof</a:t>
+            </a:r>
+            <a:r>
+              <a:rPr lang="en-US" sz="1100" b="1" dirty="0">
+                <a:latin typeface="Courier New" panose="02070309020205020404" pitchFamily="49" charset="0"/>
+                <a:cs typeface="Courier New" panose="02070309020205020404" pitchFamily="49" charset="0"/>
+              </a:rPr>
+              <a:t>(struct </a:t>
+            </a:r>
+            <a:r>
+              <a:rPr lang="en-US" sz="1100" b="1" dirty="0" err="1">
+                <a:latin typeface="Courier New" panose="02070309020205020404" pitchFamily="49" charset="0"/>
+                <a:cs typeface="Courier New" panose="02070309020205020404" pitchFamily="49" charset="0"/>
+              </a:rPr>
+              <a:t>lnode</a:t>
+            </a:r>
+            <a:r>
+              <a:rPr lang="en-US" sz="1100" b="1" dirty="0">
+                <a:latin typeface="Courier New" panose="02070309020205020404" pitchFamily="49" charset="0"/>
+                <a:cs typeface="Courier New" panose="02070309020205020404" pitchFamily="49" charset="0"/>
+              </a:rPr>
+              <a:t>));</a:t>
+            </a:r>
+          </a:p>
+          <a:p>
+            <a:r>
+              <a:rPr lang="en-US" sz="1100" b="1" dirty="0">
+                <a:latin typeface="Courier New" panose="02070309020205020404" pitchFamily="49" charset="0"/>
+                <a:cs typeface="Courier New" panose="02070309020205020404" pitchFamily="49" charset="0"/>
+              </a:rPr>
+              <a:t>      if ( </a:t>
+            </a:r>
+            <a:r>
+              <a:rPr lang="en-US" sz="1100" b="1" dirty="0" err="1">
+                <a:latin typeface="Courier New" panose="02070309020205020404" pitchFamily="49" charset="0"/>
+                <a:cs typeface="Courier New" panose="02070309020205020404" pitchFamily="49" charset="0"/>
+              </a:rPr>
+              <a:t>lst</a:t>
+            </a:r>
+            <a:r>
+              <a:rPr lang="en-US" sz="1100" b="1" dirty="0">
+                <a:latin typeface="Courier New" panose="02070309020205020404" pitchFamily="49" charset="0"/>
+                <a:cs typeface="Courier New" panose="02070309020205020404" pitchFamily="49" charset="0"/>
+              </a:rPr>
+              <a:t>-&gt;tail != NULL ) </a:t>
+            </a:r>
+            <a:r>
+              <a:rPr lang="en-US" sz="1100" b="1" dirty="0" err="1">
+                <a:latin typeface="Courier New" panose="02070309020205020404" pitchFamily="49" charset="0"/>
+                <a:cs typeface="Courier New" panose="02070309020205020404" pitchFamily="49" charset="0"/>
+              </a:rPr>
+              <a:t>lst</a:t>
+            </a:r>
+            <a:r>
+              <a:rPr lang="en-US" sz="1100" b="1" dirty="0">
+                <a:latin typeface="Courier New" panose="02070309020205020404" pitchFamily="49" charset="0"/>
+                <a:cs typeface="Courier New" panose="02070309020205020404" pitchFamily="49" charset="0"/>
+              </a:rPr>
+              <a:t>-&gt;tail-&gt;next = new;</a:t>
+            </a:r>
+          </a:p>
+          <a:p>
+            <a:r>
+              <a:rPr lang="en-US" sz="1100" b="1" dirty="0">
+                <a:latin typeface="Courier New" panose="02070309020205020404" pitchFamily="49" charset="0"/>
+                <a:cs typeface="Courier New" panose="02070309020205020404" pitchFamily="49" charset="0"/>
+              </a:rPr>
+              <a:t>      new-&gt;text = save;</a:t>
+            </a:r>
+          </a:p>
+          <a:p>
+            <a:r>
+              <a:rPr lang="en-US" sz="1100" b="1" dirty="0">
+                <a:latin typeface="Courier New" panose="02070309020205020404" pitchFamily="49" charset="0"/>
+                <a:cs typeface="Courier New" panose="02070309020205020404" pitchFamily="49" charset="0"/>
+              </a:rPr>
+              <a:t>      new-&gt;next = NULL;</a:t>
+            </a:r>
+          </a:p>
+          <a:p>
+            <a:r>
+              <a:rPr lang="en-US" sz="1100" b="1" dirty="0">
+                <a:latin typeface="Courier New" panose="02070309020205020404" pitchFamily="49" charset="0"/>
+                <a:cs typeface="Courier New" panose="02070309020205020404" pitchFamily="49" charset="0"/>
+              </a:rPr>
+              <a:t>      </a:t>
+            </a:r>
+            <a:r>
+              <a:rPr lang="en-US" sz="1100" b="1" dirty="0" err="1">
+                <a:latin typeface="Courier New" panose="02070309020205020404" pitchFamily="49" charset="0"/>
+                <a:cs typeface="Courier New" panose="02070309020205020404" pitchFamily="49" charset="0"/>
+              </a:rPr>
+              <a:t>lst</a:t>
+            </a:r>
+            <a:r>
+              <a:rPr lang="en-US" sz="1100" b="1" dirty="0">
+                <a:latin typeface="Courier New" panose="02070309020205020404" pitchFamily="49" charset="0"/>
+                <a:cs typeface="Courier New" panose="02070309020205020404" pitchFamily="49" charset="0"/>
+              </a:rPr>
+              <a:t>-&gt;tail = new;</a:t>
+            </a:r>
+          </a:p>
+          <a:p>
+            <a:endParaRPr lang="en-US" sz="1100" b="1" dirty="0">
+              <a:latin typeface="Courier New" panose="02070309020205020404" pitchFamily="49" charset="0"/>
+              <a:cs typeface="Courier New" panose="02070309020205020404" pitchFamily="49" charset="0"/>
+            </a:endParaRPr>
+          </a:p>
+          <a:p>
+            <a:r>
+              <a:rPr lang="en-US" sz="1100" b="1" dirty="0">
+                <a:latin typeface="Courier New" panose="02070309020205020404" pitchFamily="49" charset="0"/>
+                <a:cs typeface="Courier New" panose="02070309020205020404" pitchFamily="49" charset="0"/>
+              </a:rPr>
+              <a:t>      if ( </a:t>
+            </a:r>
+            <a:r>
+              <a:rPr lang="en-US" sz="1100" b="1" dirty="0" err="1">
+                <a:latin typeface="Courier New" panose="02070309020205020404" pitchFamily="49" charset="0"/>
+                <a:cs typeface="Courier New" panose="02070309020205020404" pitchFamily="49" charset="0"/>
+              </a:rPr>
+              <a:t>lst</a:t>
+            </a:r>
+            <a:r>
+              <a:rPr lang="en-US" sz="1100" b="1" dirty="0">
+                <a:latin typeface="Courier New" panose="02070309020205020404" pitchFamily="49" charset="0"/>
+                <a:cs typeface="Courier New" panose="02070309020205020404" pitchFamily="49" charset="0"/>
+              </a:rPr>
+              <a:t>-&gt;head == NULL ) </a:t>
+            </a:r>
+            <a:r>
+              <a:rPr lang="en-US" sz="1100" b="1" dirty="0" err="1">
+                <a:latin typeface="Courier New" panose="02070309020205020404" pitchFamily="49" charset="0"/>
+                <a:cs typeface="Courier New" panose="02070309020205020404" pitchFamily="49" charset="0"/>
+              </a:rPr>
+              <a:t>lst</a:t>
+            </a:r>
+            <a:r>
+              <a:rPr lang="en-US" sz="1100" b="1" dirty="0">
+                <a:latin typeface="Courier New" panose="02070309020205020404" pitchFamily="49" charset="0"/>
+                <a:cs typeface="Courier New" panose="02070309020205020404" pitchFamily="49" charset="0"/>
+              </a:rPr>
+              <a:t>-&gt;head = new;</a:t>
+            </a:r>
+          </a:p>
+          <a:p>
+            <a:r>
+              <a:rPr lang="en-US" sz="1100" b="1" dirty="0">
+                <a:latin typeface="Courier New" panose="02070309020205020404" pitchFamily="49" charset="0"/>
+                <a:cs typeface="Courier New" panose="02070309020205020404" pitchFamily="49" charset="0"/>
+              </a:rPr>
+              <a:t>}</a:t>
+            </a:r>
+          </a:p>
+        </p:txBody>
+      </p:sp>
+      <p:sp>
+        <p:nvSpPr>
+          <p:cNvPr id="12" name="TextBox 11">
+            <a:extLst>
+              <a:ext uri="{FF2B5EF4-FFF2-40B4-BE49-F238E27FC236}">
+                <a16:creationId xmlns:a16="http://schemas.microsoft.com/office/drawing/2014/main" id="{B9EAD357-5BE9-4485-B750-2498DF904973}"/>
+              </a:ext>
+            </a:extLst>
+          </p:cNvPr>
+          <p:cNvSpPr txBox="1"/>
+          <p:nvPr/>
+        </p:nvSpPr>
+        <p:spPr>
+          <a:xfrm>
+            <a:off x="10746560" y="6338986"/>
+            <a:ext cx="1382485" cy="307777"/>
+          </a:xfrm>
+          <a:prstGeom prst="rect">
+            <a:avLst/>
+          </a:prstGeom>
+          <a:noFill/>
+        </p:spPr>
+        <p:txBody>
+          <a:bodyPr wrap="square">
+            <a:spAutoFit/>
+          </a:bodyPr>
+          <a:lstStyle/>
+          <a:p>
+            <a:r>
+              <a:rPr lang="en-US" sz="1400" b="1" dirty="0">
+                <a:solidFill>
+                  <a:srgbClr val="000000"/>
+                </a:solidFill>
+                <a:latin typeface="Menlo" panose="020B0609030804020204" pitchFamily="49" charset="0"/>
+              </a:rPr>
+              <a:t>kr_06_10.c</a:t>
+            </a:r>
+          </a:p>
+        </p:txBody>
+      </p:sp>
+      <p:sp>
+        <p:nvSpPr>
+          <p:cNvPr id="2" name="TextBox 1">
+            <a:extLst>
+              <a:ext uri="{FF2B5EF4-FFF2-40B4-BE49-F238E27FC236}">
+                <a16:creationId xmlns:a16="http://schemas.microsoft.com/office/drawing/2014/main" id="{08B45539-F7CE-4BC6-B08F-6F46C2BF3445}"/>
+              </a:ext>
+            </a:extLst>
+          </p:cNvPr>
+          <p:cNvSpPr txBox="1"/>
+          <p:nvPr/>
+        </p:nvSpPr>
+        <p:spPr>
+          <a:xfrm>
+            <a:off x="5218405" y="297560"/>
+            <a:ext cx="6471643" cy="3139321"/>
+          </a:xfrm>
+          <a:prstGeom prst="rect">
+            <a:avLst/>
+          </a:prstGeom>
+          <a:noFill/>
+        </p:spPr>
+        <p:txBody>
+          <a:bodyPr wrap="none" rtlCol="0">
+            <a:spAutoFit/>
+          </a:bodyPr>
+          <a:lstStyle/>
+          <a:p>
+            <a:endParaRPr lang="en-US" sz="1100" b="1" dirty="0">
+              <a:latin typeface="Courier New" panose="02070309020205020404" pitchFamily="49" charset="0"/>
+              <a:cs typeface="Courier New" panose="02070309020205020404" pitchFamily="49" charset="0"/>
+            </a:endParaRPr>
+          </a:p>
+          <a:p>
+            <a:r>
+              <a:rPr lang="en-US" sz="1100" b="1" dirty="0">
+                <a:latin typeface="Courier New" panose="02070309020205020404" pitchFamily="49" charset="0"/>
+                <a:cs typeface="Courier New" panose="02070309020205020404" pitchFamily="49" charset="0"/>
+              </a:rPr>
+              <a:t>int main()</a:t>
+            </a:r>
+          </a:p>
+          <a:p>
+            <a:r>
+              <a:rPr lang="en-US" sz="1100" b="1" dirty="0">
+                <a:latin typeface="Courier New" panose="02070309020205020404" pitchFamily="49" charset="0"/>
+                <a:cs typeface="Courier New" panose="02070309020205020404" pitchFamily="49" charset="0"/>
+              </a:rPr>
+              <a:t>{</a:t>
+            </a:r>
+          </a:p>
+          <a:p>
+            <a:r>
+              <a:rPr lang="en-US" sz="1100" b="1" dirty="0">
+                <a:latin typeface="Courier New" panose="02070309020205020404" pitchFamily="49" charset="0"/>
+                <a:cs typeface="Courier New" panose="02070309020205020404" pitchFamily="49" charset="0"/>
+              </a:rPr>
+              <a:t>  char line[MAXLINE];</a:t>
+            </a:r>
+          </a:p>
+          <a:p>
+            <a:r>
+              <a:rPr lang="en-US" sz="1100" b="1" dirty="0">
+                <a:latin typeface="Courier New" panose="02070309020205020404" pitchFamily="49" charset="0"/>
+                <a:cs typeface="Courier New" panose="02070309020205020404" pitchFamily="49" charset="0"/>
+              </a:rPr>
+              <a:t>  struct list </a:t>
+            </a:r>
+            <a:r>
+              <a:rPr lang="en-US" sz="1100" b="1" dirty="0" err="1">
+                <a:latin typeface="Courier New" panose="02070309020205020404" pitchFamily="49" charset="0"/>
+                <a:cs typeface="Courier New" panose="02070309020205020404" pitchFamily="49" charset="0"/>
+              </a:rPr>
+              <a:t>mylist</a:t>
+            </a:r>
+            <a:r>
+              <a:rPr lang="en-US" sz="1100" b="1" dirty="0">
+                <a:latin typeface="Courier New" panose="02070309020205020404" pitchFamily="49" charset="0"/>
+                <a:cs typeface="Courier New" panose="02070309020205020404" pitchFamily="49" charset="0"/>
+              </a:rPr>
+              <a:t>;</a:t>
+            </a:r>
+          </a:p>
+          <a:p>
+            <a:r>
+              <a:rPr lang="en-US" sz="1100" b="1" dirty="0">
+                <a:latin typeface="Courier New" panose="02070309020205020404" pitchFamily="49" charset="0"/>
+                <a:cs typeface="Courier New" panose="02070309020205020404" pitchFamily="49" charset="0"/>
+              </a:rPr>
+              <a:t>  struct </a:t>
+            </a:r>
+            <a:r>
+              <a:rPr lang="en-US" sz="1100" b="1" dirty="0" err="1">
+                <a:latin typeface="Courier New" panose="02070309020205020404" pitchFamily="49" charset="0"/>
+                <a:cs typeface="Courier New" panose="02070309020205020404" pitchFamily="49" charset="0"/>
+              </a:rPr>
+              <a:t>lnode</a:t>
+            </a:r>
+            <a:r>
+              <a:rPr lang="en-US" sz="1100" b="1" dirty="0">
+                <a:latin typeface="Courier New" panose="02070309020205020404" pitchFamily="49" charset="0"/>
+                <a:cs typeface="Courier New" panose="02070309020205020404" pitchFamily="49" charset="0"/>
+              </a:rPr>
+              <a:t> *current;</a:t>
+            </a:r>
+          </a:p>
+          <a:p>
+            <a:endParaRPr lang="en-US" sz="1100" b="1" dirty="0">
+              <a:latin typeface="Courier New" panose="02070309020205020404" pitchFamily="49" charset="0"/>
+              <a:cs typeface="Courier New" panose="02070309020205020404" pitchFamily="49" charset="0"/>
+            </a:endParaRPr>
+          </a:p>
+          <a:p>
+            <a:r>
+              <a:rPr lang="en-US" sz="1100" b="1" dirty="0">
+                <a:latin typeface="Courier New" panose="02070309020205020404" pitchFamily="49" charset="0"/>
+                <a:cs typeface="Courier New" panose="02070309020205020404" pitchFamily="49" charset="0"/>
+              </a:rPr>
+              <a:t>  </a:t>
+            </a:r>
+            <a:r>
+              <a:rPr lang="en-US" sz="1100" b="1" dirty="0" err="1">
+                <a:latin typeface="Courier New" panose="02070309020205020404" pitchFamily="49" charset="0"/>
+                <a:cs typeface="Courier New" panose="02070309020205020404" pitchFamily="49" charset="0"/>
+              </a:rPr>
+              <a:t>mylist.head</a:t>
+            </a:r>
+            <a:r>
+              <a:rPr lang="en-US" sz="1100" b="1" dirty="0">
+                <a:latin typeface="Courier New" panose="02070309020205020404" pitchFamily="49" charset="0"/>
+                <a:cs typeface="Courier New" panose="02070309020205020404" pitchFamily="49" charset="0"/>
+              </a:rPr>
+              <a:t> = NULL;</a:t>
+            </a:r>
+          </a:p>
+          <a:p>
+            <a:r>
+              <a:rPr lang="en-US" sz="1100" b="1" dirty="0">
+                <a:latin typeface="Courier New" panose="02070309020205020404" pitchFamily="49" charset="0"/>
+                <a:cs typeface="Courier New" panose="02070309020205020404" pitchFamily="49" charset="0"/>
+              </a:rPr>
+              <a:t>  </a:t>
+            </a:r>
+            <a:r>
+              <a:rPr lang="en-US" sz="1100" b="1" dirty="0" err="1">
+                <a:latin typeface="Courier New" panose="02070309020205020404" pitchFamily="49" charset="0"/>
+                <a:cs typeface="Courier New" panose="02070309020205020404" pitchFamily="49" charset="0"/>
+              </a:rPr>
+              <a:t>mylist.tail</a:t>
+            </a:r>
+            <a:r>
+              <a:rPr lang="en-US" sz="1100" b="1" dirty="0">
+                <a:latin typeface="Courier New" panose="02070309020205020404" pitchFamily="49" charset="0"/>
+                <a:cs typeface="Courier New" panose="02070309020205020404" pitchFamily="49" charset="0"/>
+              </a:rPr>
+              <a:t> = NULL;</a:t>
+            </a:r>
+          </a:p>
+          <a:p>
+            <a:endParaRPr lang="en-US" sz="1100" b="1" dirty="0">
+              <a:latin typeface="Courier New" panose="02070309020205020404" pitchFamily="49" charset="0"/>
+              <a:cs typeface="Courier New" panose="02070309020205020404" pitchFamily="49" charset="0"/>
+            </a:endParaRPr>
+          </a:p>
+          <a:p>
+            <a:r>
+              <a:rPr lang="en-US" sz="1100" b="1" dirty="0">
+                <a:latin typeface="Courier New" panose="02070309020205020404" pitchFamily="49" charset="0"/>
+                <a:cs typeface="Courier New" panose="02070309020205020404" pitchFamily="49" charset="0"/>
+              </a:rPr>
+              <a:t>  while(</a:t>
+            </a:r>
+            <a:r>
+              <a:rPr lang="en-US" sz="1100" b="1" dirty="0" err="1">
+                <a:latin typeface="Courier New" panose="02070309020205020404" pitchFamily="49" charset="0"/>
+                <a:cs typeface="Courier New" panose="02070309020205020404" pitchFamily="49" charset="0"/>
+              </a:rPr>
+              <a:t>fgets</a:t>
+            </a:r>
+            <a:r>
+              <a:rPr lang="en-US" sz="1100" b="1" dirty="0">
+                <a:latin typeface="Courier New" panose="02070309020205020404" pitchFamily="49" charset="0"/>
+                <a:cs typeface="Courier New" panose="02070309020205020404" pitchFamily="49" charset="0"/>
+              </a:rPr>
+              <a:t>(line, MAXLINE, stdin) != NULL) {</a:t>
+            </a:r>
+          </a:p>
+          <a:p>
+            <a:r>
+              <a:rPr lang="en-US" sz="1100" b="1" dirty="0">
+                <a:latin typeface="Courier New" panose="02070309020205020404" pitchFamily="49" charset="0"/>
+                <a:cs typeface="Courier New" panose="02070309020205020404" pitchFamily="49" charset="0"/>
+              </a:rPr>
+              <a:t>      </a:t>
+            </a:r>
+            <a:r>
+              <a:rPr lang="en-US" sz="1100" b="1" dirty="0" err="1">
+                <a:latin typeface="Courier New" panose="02070309020205020404" pitchFamily="49" charset="0"/>
+                <a:cs typeface="Courier New" panose="02070309020205020404" pitchFamily="49" charset="0"/>
+              </a:rPr>
+              <a:t>list_add</a:t>
+            </a:r>
+            <a:r>
+              <a:rPr lang="en-US" sz="1100" b="1" dirty="0">
+                <a:latin typeface="Courier New" panose="02070309020205020404" pitchFamily="49" charset="0"/>
+                <a:cs typeface="Courier New" panose="02070309020205020404" pitchFamily="49" charset="0"/>
+              </a:rPr>
+              <a:t>(&amp;</a:t>
+            </a:r>
+            <a:r>
+              <a:rPr lang="en-US" sz="1100" b="1" dirty="0" err="1">
+                <a:latin typeface="Courier New" panose="02070309020205020404" pitchFamily="49" charset="0"/>
+                <a:cs typeface="Courier New" panose="02070309020205020404" pitchFamily="49" charset="0"/>
+              </a:rPr>
+              <a:t>mylist</a:t>
+            </a:r>
+            <a:r>
+              <a:rPr lang="en-US" sz="1100" b="1" dirty="0">
+                <a:latin typeface="Courier New" panose="02070309020205020404" pitchFamily="49" charset="0"/>
+                <a:cs typeface="Courier New" panose="02070309020205020404" pitchFamily="49" charset="0"/>
+              </a:rPr>
+              <a:t>, line);</a:t>
+            </a:r>
+          </a:p>
+          <a:p>
+            <a:r>
+              <a:rPr lang="en-US" sz="1100" b="1" dirty="0">
+                <a:latin typeface="Courier New" panose="02070309020205020404" pitchFamily="49" charset="0"/>
+                <a:cs typeface="Courier New" panose="02070309020205020404" pitchFamily="49" charset="0"/>
+              </a:rPr>
+              <a:t>  }</a:t>
+            </a:r>
+          </a:p>
+          <a:p>
+            <a:endParaRPr lang="en-US" sz="1100" b="1" dirty="0">
+              <a:latin typeface="Courier New" panose="02070309020205020404" pitchFamily="49" charset="0"/>
+              <a:cs typeface="Courier New" panose="02070309020205020404" pitchFamily="49" charset="0"/>
+            </a:endParaRPr>
+          </a:p>
+          <a:p>
+            <a:r>
+              <a:rPr lang="en-US" sz="1100" b="1" dirty="0">
+                <a:latin typeface="Courier New" panose="02070309020205020404" pitchFamily="49" charset="0"/>
+                <a:cs typeface="Courier New" panose="02070309020205020404" pitchFamily="49" charset="0"/>
+              </a:rPr>
+              <a:t>  for (current = </a:t>
+            </a:r>
+            <a:r>
+              <a:rPr lang="en-US" sz="1100" b="1" dirty="0" err="1">
+                <a:latin typeface="Courier New" panose="02070309020205020404" pitchFamily="49" charset="0"/>
+                <a:cs typeface="Courier New" panose="02070309020205020404" pitchFamily="49" charset="0"/>
+              </a:rPr>
+              <a:t>mylist.head</a:t>
+            </a:r>
+            <a:r>
+              <a:rPr lang="en-US" sz="1100" b="1" dirty="0">
+                <a:latin typeface="Courier New" panose="02070309020205020404" pitchFamily="49" charset="0"/>
+                <a:cs typeface="Courier New" panose="02070309020205020404" pitchFamily="49" charset="0"/>
+              </a:rPr>
+              <a:t>; current != NULL; current = current-&gt;next ) {</a:t>
+            </a:r>
+          </a:p>
+          <a:p>
+            <a:r>
+              <a:rPr lang="en-US" sz="1100" b="1" dirty="0">
+                <a:latin typeface="Courier New" panose="02070309020205020404" pitchFamily="49" charset="0"/>
+                <a:cs typeface="Courier New" panose="02070309020205020404" pitchFamily="49" charset="0"/>
+              </a:rPr>
+              <a:t>      </a:t>
+            </a:r>
+            <a:r>
+              <a:rPr lang="en-US" sz="1100" b="1" dirty="0" err="1">
+                <a:latin typeface="Courier New" panose="02070309020205020404" pitchFamily="49" charset="0"/>
+                <a:cs typeface="Courier New" panose="02070309020205020404" pitchFamily="49" charset="0"/>
+              </a:rPr>
+              <a:t>printf</a:t>
+            </a:r>
+            <a:r>
+              <a:rPr lang="en-US" sz="1100" b="1" dirty="0">
+                <a:latin typeface="Courier New" panose="02070309020205020404" pitchFamily="49" charset="0"/>
+                <a:cs typeface="Courier New" panose="02070309020205020404" pitchFamily="49" charset="0"/>
+              </a:rPr>
+              <a:t>("%s", current-&gt;text);</a:t>
+            </a:r>
+          </a:p>
+          <a:p>
+            <a:r>
+              <a:rPr lang="en-US" sz="1100" b="1" dirty="0">
+                <a:latin typeface="Courier New" panose="02070309020205020404" pitchFamily="49" charset="0"/>
+                <a:cs typeface="Courier New" panose="02070309020205020404" pitchFamily="49" charset="0"/>
+              </a:rPr>
+              <a:t>  }</a:t>
+            </a:r>
+          </a:p>
+          <a:p>
+            <a:r>
+              <a:rPr lang="en-US" sz="1100" b="1" dirty="0">
+                <a:latin typeface="Courier New" panose="02070309020205020404" pitchFamily="49" charset="0"/>
+                <a:cs typeface="Courier New" panose="02070309020205020404" pitchFamily="49" charset="0"/>
+              </a:rPr>
+              <a:t>}</a:t>
+            </a:r>
+          </a:p>
+        </p:txBody>
+      </p:sp>
+      <p:sp>
+        <p:nvSpPr>
+          <p:cNvPr id="5" name="Title 4">
+            <a:extLst>
+              <a:ext uri="{FF2B5EF4-FFF2-40B4-BE49-F238E27FC236}">
+                <a16:creationId xmlns:a16="http://schemas.microsoft.com/office/drawing/2014/main" id="{E73FD288-1F75-7C5A-20CA-14A77040505D}"/>
+              </a:ext>
+            </a:extLst>
+          </p:cNvPr>
+          <p:cNvSpPr>
+            <a:spLocks noGrp="1"/>
+          </p:cNvSpPr>
+          <p:nvPr>
+            <p:ph type="title"/>
+          </p:nvPr>
+        </p:nvSpPr>
+        <p:spPr>
+          <a:xfrm>
+            <a:off x="922202" y="4576164"/>
+            <a:ext cx="10515600" cy="1325563"/>
+          </a:xfrm>
+        </p:spPr>
+        <p:txBody>
+          <a:bodyPr/>
+          <a:lstStyle/>
+          <a:p>
+            <a:pPr algn="r"/>
+            <a:r>
+              <a:rPr lang="en-US" dirty="0"/>
+              <a:t>Linked List in a Function</a:t>
+            </a:r>
+          </a:p>
+        </p:txBody>
+      </p:sp>
+    </p:spTree>
+    <p:extLst>
+      <p:ext uri="{BB962C8B-B14F-4D97-AF65-F5344CB8AC3E}">
+        <p14:creationId xmlns:p14="http://schemas.microsoft.com/office/powerpoint/2010/main" val="2786955654"/>
+      </p:ext>
+    </p:extLst>
+  </p:cSld>
+  <p:clrMapOvr>
+    <a:masterClrMapping/>
+  </p:clrMapOvr>
+</p:sld>
+</file>
+
+<file path=ppt/slides/slide39.xml><?xml version="1.0" encoding="utf-8"?>
 <p:sld xmlns:a="http://schemas.openxmlformats.org/drawingml/2006/main" xmlns:r="http://schemas.openxmlformats.org/officeDocument/2006/relationships" xmlns:p="http://schemas.openxmlformats.org/presentationml/2006/main">
   <p:cSld>
     <p:bg>
@@ -41949,169 +42946,6 @@
 </p:sld>
 </file>
 
-<file path=ppt/slides/slide39.xml><?xml version="1.0" encoding="utf-8"?>
-<p:sld xmlns:a="http://schemas.openxmlformats.org/drawingml/2006/main" xmlns:r="http://schemas.openxmlformats.org/officeDocument/2006/relationships" xmlns:p="http://schemas.openxmlformats.org/presentationml/2006/main">
-  <p:cSld>
-    <p:spTree>
-      <p:nvGrpSpPr>
-        <p:cNvPr id="1" name=""/>
-        <p:cNvGrpSpPr/>
-        <p:nvPr/>
-      </p:nvGrpSpPr>
-      <p:grpSpPr>
-        <a:xfrm>
-          <a:off x="0" y="0"/>
-          <a:ext cx="0" cy="0"/>
-          <a:chOff x="0" y="0"/>
-          <a:chExt cx="0" cy="0"/>
-        </a:xfrm>
-      </p:grpSpPr>
-      <p:sp>
-        <p:nvSpPr>
-          <p:cNvPr id="2" name="Title 1">
-            <a:extLst>
-              <a:ext uri="{FF2B5EF4-FFF2-40B4-BE49-F238E27FC236}">
-                <a16:creationId xmlns:a16="http://schemas.microsoft.com/office/drawing/2014/main" id="{38E4AE3D-C70D-220E-82A8-C1D64A900A0F}"/>
-              </a:ext>
-            </a:extLst>
-          </p:cNvPr>
-          <p:cNvSpPr>
-            <a:spLocks noGrp="1"/>
-          </p:cNvSpPr>
-          <p:nvPr>
-            <p:ph type="title"/>
-          </p:nvPr>
-        </p:nvSpPr>
-        <p:spPr/>
-        <p:txBody>
-          <a:bodyPr/>
-          <a:lstStyle/>
-          <a:p>
-            <a:r>
-              <a:rPr lang="en-US" dirty="0"/>
-              <a:t>Acknowledgements / Contributions</a:t>
-            </a:r>
-          </a:p>
-        </p:txBody>
-      </p:sp>
-      <p:sp>
-        <p:nvSpPr>
-          <p:cNvPr id="7" name="TextBox 6">
-            <a:extLst>
-              <a:ext uri="{FF2B5EF4-FFF2-40B4-BE49-F238E27FC236}">
-                <a16:creationId xmlns:a16="http://schemas.microsoft.com/office/drawing/2014/main" id="{D1725F2C-A6DC-4096-AD36-A6A5AF1FFD40}"/>
-              </a:ext>
-            </a:extLst>
-          </p:cNvPr>
-          <p:cNvSpPr txBox="1"/>
-          <p:nvPr/>
-        </p:nvSpPr>
-        <p:spPr>
-          <a:xfrm>
-            <a:off x="838201" y="1502688"/>
-            <a:ext cx="5055704" cy="2492990"/>
-          </a:xfrm>
-          <a:prstGeom prst="rect">
-            <a:avLst/>
-          </a:prstGeom>
-          <a:noFill/>
-        </p:spPr>
-        <p:txBody>
-          <a:bodyPr wrap="square" rtlCol="0">
-            <a:spAutoFit/>
-          </a:bodyPr>
-          <a:lstStyle/>
-          <a:p>
-            <a:r>
-              <a:rPr lang="en-US" sz="1200" dirty="0"/>
-              <a:t>These slides are Copyright 2023-  Charles R. Severance (</a:t>
-            </a:r>
-            <a:r>
-              <a:rPr lang="en-US" sz="1200" dirty="0" err="1"/>
-              <a:t>online.dr-chuck.com</a:t>
-            </a:r>
-            <a:r>
-              <a:rPr lang="en-US" sz="1200" dirty="0"/>
-              <a:t>) as part of www.cc4e.com and made available under a Creative Commons Attribution 4.0 License.  Please maintain this last slide in all copies of the document to comply with the attribution requirements of the license.  If you make a change, feel free to add your name and organization to the list of contributors on this page as you republish the materials.</a:t>
-            </a:r>
-          </a:p>
-          <a:p>
-            <a:endParaRPr lang="en-US" sz="1200" dirty="0"/>
-          </a:p>
-          <a:p>
-            <a:r>
-              <a:rPr lang="en-US" sz="1200" dirty="0"/>
-              <a:t>Initial Development: Charles Severance, University of Michigan School of Information</a:t>
-            </a:r>
-          </a:p>
-          <a:p>
-            <a:endParaRPr lang="en-US" sz="1200" dirty="0"/>
-          </a:p>
-          <a:p>
-            <a:r>
-              <a:rPr lang="en-US" sz="1200" b="1" dirty="0"/>
-              <a:t>Insert new Contributors and Translators here including names and dates</a:t>
-            </a:r>
-          </a:p>
-          <a:p>
-            <a:endParaRPr lang="en-US" sz="1200" dirty="0"/>
-          </a:p>
-          <a:p>
-            <a:endParaRPr lang="en-US" sz="1200" dirty="0"/>
-          </a:p>
-        </p:txBody>
-      </p:sp>
-      <p:sp>
-        <p:nvSpPr>
-          <p:cNvPr id="8" name="TextBox 7">
-            <a:extLst>
-              <a:ext uri="{FF2B5EF4-FFF2-40B4-BE49-F238E27FC236}">
-                <a16:creationId xmlns:a16="http://schemas.microsoft.com/office/drawing/2014/main" id="{A5B0D5A1-502A-F6A1-76FD-6D954B37EE94}"/>
-              </a:ext>
-            </a:extLst>
-          </p:cNvPr>
-          <p:cNvSpPr txBox="1"/>
-          <p:nvPr/>
-        </p:nvSpPr>
-        <p:spPr>
-          <a:xfrm>
-            <a:off x="6298097" y="1502688"/>
-            <a:ext cx="5055704" cy="461665"/>
-          </a:xfrm>
-          <a:prstGeom prst="rect">
-            <a:avLst/>
-          </a:prstGeom>
-          <a:noFill/>
-        </p:spPr>
-        <p:txBody>
-          <a:bodyPr wrap="square" rtlCol="0">
-            <a:spAutoFit/>
-          </a:bodyPr>
-          <a:lstStyle/>
-          <a:p>
-            <a:r>
-              <a:rPr lang="en-US" sz="1200" b="1" dirty="0"/>
-              <a:t>Continue new Contributors and Translators here</a:t>
-            </a:r>
-          </a:p>
-          <a:p>
-            <a:endParaRPr lang="en-US" sz="1200" dirty="0"/>
-          </a:p>
-        </p:txBody>
-      </p:sp>
-    </p:spTree>
-    <p:extLst>
-      <p:ext uri="{BB962C8B-B14F-4D97-AF65-F5344CB8AC3E}">
-        <p14:creationId xmlns:p14="http://schemas.microsoft.com/office/powerpoint/2010/main" val="2963881526"/>
-      </p:ext>
-    </p:extLst>
-  </p:cSld>
-  <p:clrMapOvr>
-    <a:masterClrMapping/>
-  </p:clrMapOvr>
-</p:sld>
-</file>
-
 <file path=ppt/slides/slide4.xml><?xml version="1.0" encoding="utf-8"?>
 <p:sld xmlns:a="http://schemas.openxmlformats.org/drawingml/2006/main" xmlns:r="http://schemas.openxmlformats.org/officeDocument/2006/relationships" xmlns:p="http://schemas.openxmlformats.org/presentationml/2006/main">
   <p:cSld>
@@ -42378,6 +43212,169 @@
     <p:extLst>
       <p:ext uri="{BB962C8B-B14F-4D97-AF65-F5344CB8AC3E}">
         <p14:creationId xmlns:p14="http://schemas.microsoft.com/office/powerpoint/2010/main" val="2966333550"/>
+      </p:ext>
+    </p:extLst>
+  </p:cSld>
+  <p:clrMapOvr>
+    <a:masterClrMapping/>
+  </p:clrMapOvr>
+</p:sld>
+</file>
+
+<file path=ppt/slides/slide40.xml><?xml version="1.0" encoding="utf-8"?>
+<p:sld xmlns:a="http://schemas.openxmlformats.org/drawingml/2006/main" xmlns:r="http://schemas.openxmlformats.org/officeDocument/2006/relationships" xmlns:p="http://schemas.openxmlformats.org/presentationml/2006/main">
+  <p:cSld>
+    <p:spTree>
+      <p:nvGrpSpPr>
+        <p:cNvPr id="1" name=""/>
+        <p:cNvGrpSpPr/>
+        <p:nvPr/>
+      </p:nvGrpSpPr>
+      <p:grpSpPr>
+        <a:xfrm>
+          <a:off x="0" y="0"/>
+          <a:ext cx="0" cy="0"/>
+          <a:chOff x="0" y="0"/>
+          <a:chExt cx="0" cy="0"/>
+        </a:xfrm>
+      </p:grpSpPr>
+      <p:sp>
+        <p:nvSpPr>
+          <p:cNvPr id="2" name="Title 1">
+            <a:extLst>
+              <a:ext uri="{FF2B5EF4-FFF2-40B4-BE49-F238E27FC236}">
+                <a16:creationId xmlns:a16="http://schemas.microsoft.com/office/drawing/2014/main" id="{38E4AE3D-C70D-220E-82A8-C1D64A900A0F}"/>
+              </a:ext>
+            </a:extLst>
+          </p:cNvPr>
+          <p:cNvSpPr>
+            <a:spLocks noGrp="1"/>
+          </p:cNvSpPr>
+          <p:nvPr>
+            <p:ph type="title"/>
+          </p:nvPr>
+        </p:nvSpPr>
+        <p:spPr/>
+        <p:txBody>
+          <a:bodyPr/>
+          <a:lstStyle/>
+          <a:p>
+            <a:r>
+              <a:rPr lang="en-US" dirty="0"/>
+              <a:t>Acknowledgements / Contributions</a:t>
+            </a:r>
+          </a:p>
+        </p:txBody>
+      </p:sp>
+      <p:sp>
+        <p:nvSpPr>
+          <p:cNvPr id="7" name="TextBox 6">
+            <a:extLst>
+              <a:ext uri="{FF2B5EF4-FFF2-40B4-BE49-F238E27FC236}">
+                <a16:creationId xmlns:a16="http://schemas.microsoft.com/office/drawing/2014/main" id="{D1725F2C-A6DC-4096-AD36-A6A5AF1FFD40}"/>
+              </a:ext>
+            </a:extLst>
+          </p:cNvPr>
+          <p:cNvSpPr txBox="1"/>
+          <p:nvPr/>
+        </p:nvSpPr>
+        <p:spPr>
+          <a:xfrm>
+            <a:off x="838201" y="1502688"/>
+            <a:ext cx="5055704" cy="2492990"/>
+          </a:xfrm>
+          <a:prstGeom prst="rect">
+            <a:avLst/>
+          </a:prstGeom>
+          <a:noFill/>
+        </p:spPr>
+        <p:txBody>
+          <a:bodyPr wrap="square" rtlCol="0">
+            <a:spAutoFit/>
+          </a:bodyPr>
+          <a:lstStyle/>
+          <a:p>
+            <a:r>
+              <a:rPr lang="en-US" sz="1200" dirty="0"/>
+              <a:t>These slides are Copyright 2023-  Charles R. Severance (</a:t>
+            </a:r>
+            <a:r>
+              <a:rPr lang="en-US" sz="1200" dirty="0" err="1"/>
+              <a:t>online.dr-chuck.com</a:t>
+            </a:r>
+            <a:r>
+              <a:rPr lang="en-US" sz="1200" dirty="0"/>
+              <a:t>) as part of www.cc4e.com and made available under a Creative Commons Attribution 4.0 License.  Please maintain this last slide in all copies of the document to comply with the attribution requirements of the license.  If you make a change, feel free to add your name and organization to the list of contributors on this page as you republish the materials.</a:t>
+            </a:r>
+          </a:p>
+          <a:p>
+            <a:endParaRPr lang="en-US" sz="1200" dirty="0"/>
+          </a:p>
+          <a:p>
+            <a:r>
+              <a:rPr lang="en-US" sz="1200" dirty="0"/>
+              <a:t>Initial Development: Charles Severance, University of Michigan School of Information</a:t>
+            </a:r>
+          </a:p>
+          <a:p>
+            <a:endParaRPr lang="en-US" sz="1200" dirty="0"/>
+          </a:p>
+          <a:p>
+            <a:r>
+              <a:rPr lang="en-US" sz="1200" b="1" dirty="0"/>
+              <a:t>Insert new Contributors and Translators here including names and dates</a:t>
+            </a:r>
+          </a:p>
+          <a:p>
+            <a:endParaRPr lang="en-US" sz="1200" dirty="0"/>
+          </a:p>
+          <a:p>
+            <a:endParaRPr lang="en-US" sz="1200" dirty="0"/>
+          </a:p>
+        </p:txBody>
+      </p:sp>
+      <p:sp>
+        <p:nvSpPr>
+          <p:cNvPr id="8" name="TextBox 7">
+            <a:extLst>
+              <a:ext uri="{FF2B5EF4-FFF2-40B4-BE49-F238E27FC236}">
+                <a16:creationId xmlns:a16="http://schemas.microsoft.com/office/drawing/2014/main" id="{A5B0D5A1-502A-F6A1-76FD-6D954B37EE94}"/>
+              </a:ext>
+            </a:extLst>
+          </p:cNvPr>
+          <p:cNvSpPr txBox="1"/>
+          <p:nvPr/>
+        </p:nvSpPr>
+        <p:spPr>
+          <a:xfrm>
+            <a:off x="6298097" y="1502688"/>
+            <a:ext cx="5055704" cy="461665"/>
+          </a:xfrm>
+          <a:prstGeom prst="rect">
+            <a:avLst/>
+          </a:prstGeom>
+          <a:noFill/>
+        </p:spPr>
+        <p:txBody>
+          <a:bodyPr wrap="square" rtlCol="0">
+            <a:spAutoFit/>
+          </a:bodyPr>
+          <a:lstStyle/>
+          <a:p>
+            <a:r>
+              <a:rPr lang="en-US" sz="1200" b="1" dirty="0"/>
+              <a:t>Continue new Contributors and Translators here</a:t>
+            </a:r>
+          </a:p>
+          <a:p>
+            <a:endParaRPr lang="en-US" sz="1200" dirty="0"/>
+          </a:p>
+        </p:txBody>
+      </p:sp>
+    </p:spTree>
+    <p:extLst>
+      <p:ext uri="{BB962C8B-B14F-4D97-AF65-F5344CB8AC3E}">
+        <p14:creationId xmlns:p14="http://schemas.microsoft.com/office/powerpoint/2010/main" val="2963881526"/>
       </p:ext>
     </p:extLst>
   </p:cSld>

--- a/lectures/KR-6.pptx
+++ b/lectures/KR-6.pptx
@@ -41548,6 +41548,9 @@
           <a:p>
             <a:r>
               <a:rPr lang="en-US" sz="1100" b="1" dirty="0">
+                <a:solidFill>
+                  <a:schemeClr val="accent1"/>
+                </a:solidFill>
                 <a:latin typeface="Courier New" panose="02070309020205020404" pitchFamily="49" charset="0"/>
                 <a:cs typeface="Courier New" panose="02070309020205020404" pitchFamily="49" charset="0"/>
               </a:rPr>
@@ -41555,6 +41558,9 @@
             </a:r>
             <a:r>
               <a:rPr lang="en-US" sz="1100" b="1" dirty="0" err="1">
+                <a:solidFill>
+                  <a:schemeClr val="accent1"/>
+                </a:solidFill>
                 <a:latin typeface="Courier New" panose="02070309020205020404" pitchFamily="49" charset="0"/>
                 <a:cs typeface="Courier New" panose="02070309020205020404" pitchFamily="49" charset="0"/>
               </a:rPr>
@@ -41562,6 +41568,9 @@
             </a:r>
             <a:r>
               <a:rPr lang="en-US" sz="1100" b="1" dirty="0">
+                <a:solidFill>
+                  <a:schemeClr val="accent1"/>
+                </a:solidFill>
                 <a:latin typeface="Courier New" panose="02070309020205020404" pitchFamily="49" charset="0"/>
                 <a:cs typeface="Courier New" panose="02070309020205020404" pitchFamily="49" charset="0"/>
               </a:rPr>
@@ -41569,6 +41578,9 @@
             </a:r>
             <a:r>
               <a:rPr lang="en-US" sz="1100" b="1" dirty="0" err="1">
+                <a:solidFill>
+                  <a:schemeClr val="accent1"/>
+                </a:solidFill>
                 <a:latin typeface="Courier New" panose="02070309020205020404" pitchFamily="49" charset="0"/>
                 <a:cs typeface="Courier New" panose="02070309020205020404" pitchFamily="49" charset="0"/>
               </a:rPr>
@@ -41576,6 +41588,9 @@
             </a:r>
             <a:r>
               <a:rPr lang="en-US" sz="1100" b="1" dirty="0">
+                <a:solidFill>
+                  <a:schemeClr val="accent1"/>
+                </a:solidFill>
                 <a:latin typeface="Courier New" panose="02070309020205020404" pitchFamily="49" charset="0"/>
                 <a:cs typeface="Courier New" panose="02070309020205020404" pitchFamily="49" charset="0"/>
               </a:rPr>
@@ -41585,6 +41600,9 @@
           <a:p>
             <a:r>
               <a:rPr lang="en-US" sz="1100" b="1" dirty="0">
+                <a:solidFill>
+                  <a:schemeClr val="accent1"/>
+                </a:solidFill>
                 <a:latin typeface="Courier New" panose="02070309020205020404" pitchFamily="49" charset="0"/>
                 <a:cs typeface="Courier New" panose="02070309020205020404" pitchFamily="49" charset="0"/>
               </a:rPr>
@@ -41592,6 +41610,9 @@
             </a:r>
             <a:r>
               <a:rPr lang="en-US" sz="1100" b="1" dirty="0" err="1">
+                <a:solidFill>
+                  <a:schemeClr val="accent1"/>
+                </a:solidFill>
                 <a:latin typeface="Courier New" panose="02070309020205020404" pitchFamily="49" charset="0"/>
                 <a:cs typeface="Courier New" panose="02070309020205020404" pitchFamily="49" charset="0"/>
               </a:rPr>
@@ -41599,6 +41620,9 @@
             </a:r>
             <a:r>
               <a:rPr lang="en-US" sz="1100" b="1" dirty="0">
+                <a:solidFill>
+                  <a:schemeClr val="accent1"/>
+                </a:solidFill>
                 <a:latin typeface="Courier New" panose="02070309020205020404" pitchFamily="49" charset="0"/>
                 <a:cs typeface="Courier New" panose="02070309020205020404" pitchFamily="49" charset="0"/>
               </a:rPr>
@@ -41608,6 +41632,9 @@
           <a:p>
             <a:r>
               <a:rPr lang="en-US" sz="1100" b="1" dirty="0">
+                <a:solidFill>
+                  <a:schemeClr val="accent1"/>
+                </a:solidFill>
                 <a:latin typeface="Courier New" panose="02070309020205020404" pitchFamily="49" charset="0"/>
                 <a:cs typeface="Courier New" panose="02070309020205020404" pitchFamily="49" charset="0"/>
               </a:rPr>
@@ -41617,6 +41644,9 @@
           <a:p>
             <a:r>
               <a:rPr lang="en-US" sz="1100" b="1" dirty="0">
+                <a:solidFill>
+                  <a:schemeClr val="accent1"/>
+                </a:solidFill>
                 <a:latin typeface="Courier New" panose="02070309020205020404" pitchFamily="49" charset="0"/>
                 <a:cs typeface="Courier New" panose="02070309020205020404" pitchFamily="49" charset="0"/>
               </a:rPr>
@@ -41626,6 +41656,9 @@
           <a:p>
             <a:r>
               <a:rPr lang="en-US" sz="1100" b="1" dirty="0">
+                <a:solidFill>
+                  <a:schemeClr val="accent1"/>
+                </a:solidFill>
                 <a:latin typeface="Courier New" panose="02070309020205020404" pitchFamily="49" charset="0"/>
                 <a:cs typeface="Courier New" panose="02070309020205020404" pitchFamily="49" charset="0"/>
               </a:rPr>
@@ -41633,6 +41666,9 @@
             </a:r>
             <a:r>
               <a:rPr lang="en-US" sz="1100" b="1" dirty="0" err="1">
+                <a:solidFill>
+                  <a:schemeClr val="accent1"/>
+                </a:solidFill>
                 <a:latin typeface="Courier New" panose="02070309020205020404" pitchFamily="49" charset="0"/>
                 <a:cs typeface="Courier New" panose="02070309020205020404" pitchFamily="49" charset="0"/>
               </a:rPr>
@@ -41640,6 +41676,9 @@
             </a:r>
             <a:r>
               <a:rPr lang="en-US" sz="1100" b="1" dirty="0">
+                <a:solidFill>
+                  <a:schemeClr val="accent1"/>
+                </a:solidFill>
                 <a:latin typeface="Courier New" panose="02070309020205020404" pitchFamily="49" charset="0"/>
                 <a:cs typeface="Courier New" panose="02070309020205020404" pitchFamily="49" charset="0"/>
               </a:rPr>
@@ -41649,6 +41688,9 @@
           <a:p>
             <a:r>
               <a:rPr lang="en-US" sz="1100" b="1" dirty="0">
+                <a:solidFill>
+                  <a:schemeClr val="accent1"/>
+                </a:solidFill>
                 <a:latin typeface="Courier New" panose="02070309020205020404" pitchFamily="49" charset="0"/>
                 <a:cs typeface="Courier New" panose="02070309020205020404" pitchFamily="49" charset="0"/>
               </a:rPr>
@@ -41656,6 +41698,9 @@
             </a:r>
             <a:r>
               <a:rPr lang="en-US" sz="1100" b="1" dirty="0" err="1">
+                <a:solidFill>
+                  <a:schemeClr val="accent1"/>
+                </a:solidFill>
                 <a:latin typeface="Courier New" panose="02070309020205020404" pitchFamily="49" charset="0"/>
                 <a:cs typeface="Courier New" panose="02070309020205020404" pitchFamily="49" charset="0"/>
               </a:rPr>
@@ -41663,6 +41708,9 @@
             </a:r>
             <a:r>
               <a:rPr lang="en-US" sz="1100" b="1" dirty="0">
+                <a:solidFill>
+                  <a:schemeClr val="accent1"/>
+                </a:solidFill>
                 <a:latin typeface="Courier New" panose="02070309020205020404" pitchFamily="49" charset="0"/>
                 <a:cs typeface="Courier New" panose="02070309020205020404" pitchFamily="49" charset="0"/>
               </a:rPr>
@@ -41672,6 +41720,9 @@
           <a:p>
             <a:r>
               <a:rPr lang="en-US" sz="1100" b="1" dirty="0">
+                <a:solidFill>
+                  <a:schemeClr val="accent1"/>
+                </a:solidFill>
                 <a:latin typeface="Courier New" panose="02070309020205020404" pitchFamily="49" charset="0"/>
                 <a:cs typeface="Courier New" panose="02070309020205020404" pitchFamily="49" charset="0"/>
               </a:rPr>
@@ -41679,6 +41730,9 @@
             </a:r>
             <a:r>
               <a:rPr lang="en-US" sz="1100" b="1" dirty="0" err="1">
+                <a:solidFill>
+                  <a:schemeClr val="accent1"/>
+                </a:solidFill>
                 <a:latin typeface="Courier New" panose="02070309020205020404" pitchFamily="49" charset="0"/>
                 <a:cs typeface="Courier New" panose="02070309020205020404" pitchFamily="49" charset="0"/>
               </a:rPr>
@@ -41686,6 +41740,9 @@
             </a:r>
             <a:r>
               <a:rPr lang="en-US" sz="1100" b="1" dirty="0">
+                <a:solidFill>
+                  <a:schemeClr val="accent1"/>
+                </a:solidFill>
                 <a:latin typeface="Courier New" panose="02070309020205020404" pitchFamily="49" charset="0"/>
                 <a:cs typeface="Courier New" panose="02070309020205020404" pitchFamily="49" charset="0"/>
               </a:rPr>
@@ -41693,6 +41750,9 @@
             </a:r>
             <a:r>
               <a:rPr lang="en-US" sz="1100" b="1" dirty="0" err="1">
+                <a:solidFill>
+                  <a:schemeClr val="accent1"/>
+                </a:solidFill>
                 <a:latin typeface="Courier New" panose="02070309020205020404" pitchFamily="49" charset="0"/>
                 <a:cs typeface="Courier New" panose="02070309020205020404" pitchFamily="49" charset="0"/>
               </a:rPr>
@@ -41700,6 +41760,9 @@
             </a:r>
             <a:r>
               <a:rPr lang="en-US" sz="1100" b="1" dirty="0">
+                <a:solidFill>
+                  <a:schemeClr val="accent1"/>
+                </a:solidFill>
                 <a:latin typeface="Courier New" panose="02070309020205020404" pitchFamily="49" charset="0"/>
                 <a:cs typeface="Courier New" panose="02070309020205020404" pitchFamily="49" charset="0"/>
               </a:rPr>
@@ -41709,6 +41772,9 @@
           <a:p>
             <a:r>
               <a:rPr lang="en-US" sz="1100" b="1" dirty="0">
+                <a:solidFill>
+                  <a:schemeClr val="accent1"/>
+                </a:solidFill>
                 <a:latin typeface="Courier New" panose="02070309020205020404" pitchFamily="49" charset="0"/>
                 <a:cs typeface="Courier New" panose="02070309020205020404" pitchFamily="49" charset="0"/>
               </a:rPr>
@@ -41716,6 +41782,9 @@
             </a:r>
             <a:r>
               <a:rPr lang="en-US" sz="1100" b="1" dirty="0" err="1">
+                <a:solidFill>
+                  <a:schemeClr val="accent1"/>
+                </a:solidFill>
                 <a:latin typeface="Courier New" panose="02070309020205020404" pitchFamily="49" charset="0"/>
                 <a:cs typeface="Courier New" panose="02070309020205020404" pitchFamily="49" charset="0"/>
               </a:rPr>
@@ -41723,6 +41792,9 @@
             </a:r>
             <a:r>
               <a:rPr lang="en-US" sz="1100" b="1" dirty="0">
+                <a:solidFill>
+                  <a:schemeClr val="accent1"/>
+                </a:solidFill>
                 <a:latin typeface="Courier New" panose="02070309020205020404" pitchFamily="49" charset="0"/>
                 <a:cs typeface="Courier New" panose="02070309020205020404" pitchFamily="49" charset="0"/>
               </a:rPr>
@@ -41730,6 +41802,9 @@
             </a:r>
             <a:r>
               <a:rPr lang="en-US" sz="1100" b="1" dirty="0" err="1">
+                <a:solidFill>
+                  <a:schemeClr val="accent1"/>
+                </a:solidFill>
                 <a:latin typeface="Courier New" panose="02070309020205020404" pitchFamily="49" charset="0"/>
                 <a:cs typeface="Courier New" panose="02070309020205020404" pitchFamily="49" charset="0"/>
               </a:rPr>
@@ -41737,6 +41812,9 @@
             </a:r>
             <a:r>
               <a:rPr lang="en-US" sz="1100" b="1" dirty="0">
+                <a:solidFill>
+                  <a:schemeClr val="accent1"/>
+                </a:solidFill>
                 <a:latin typeface="Courier New" panose="02070309020205020404" pitchFamily="49" charset="0"/>
                 <a:cs typeface="Courier New" panose="02070309020205020404" pitchFamily="49" charset="0"/>
               </a:rPr>
@@ -41746,6 +41824,9 @@
           <a:p>
             <a:r>
               <a:rPr lang="en-US" sz="1100" b="1" dirty="0">
+                <a:solidFill>
+                  <a:schemeClr val="accent1"/>
+                </a:solidFill>
                 <a:latin typeface="Courier New" panose="02070309020205020404" pitchFamily="49" charset="0"/>
                 <a:cs typeface="Courier New" panose="02070309020205020404" pitchFamily="49" charset="0"/>
               </a:rPr>
@@ -41753,6 +41834,9 @@
             </a:r>
             <a:r>
               <a:rPr lang="en-US" sz="1100" b="1" dirty="0" err="1">
+                <a:solidFill>
+                  <a:schemeClr val="accent1"/>
+                </a:solidFill>
                 <a:latin typeface="Courier New" panose="02070309020205020404" pitchFamily="49" charset="0"/>
                 <a:cs typeface="Courier New" panose="02070309020205020404" pitchFamily="49" charset="0"/>
               </a:rPr>
@@ -41760,6 +41844,9 @@
             </a:r>
             <a:r>
               <a:rPr lang="en-US" sz="1100" b="1" dirty="0">
+                <a:solidFill>
+                  <a:schemeClr val="accent1"/>
+                </a:solidFill>
                 <a:latin typeface="Courier New" panose="02070309020205020404" pitchFamily="49" charset="0"/>
                 <a:cs typeface="Courier New" panose="02070309020205020404" pitchFamily="49" charset="0"/>
               </a:rPr>
@@ -41767,6 +41854,9 @@
             </a:r>
             <a:r>
               <a:rPr lang="en-US" sz="1100" b="1" dirty="0" err="1">
+                <a:solidFill>
+                  <a:schemeClr val="accent1"/>
+                </a:solidFill>
                 <a:latin typeface="Courier New" panose="02070309020205020404" pitchFamily="49" charset="0"/>
                 <a:cs typeface="Courier New" panose="02070309020205020404" pitchFamily="49" charset="0"/>
               </a:rPr>
@@ -41774,6 +41864,9 @@
             </a:r>
             <a:r>
               <a:rPr lang="en-US" sz="1100" b="1" dirty="0">
+                <a:solidFill>
+                  <a:schemeClr val="accent1"/>
+                </a:solidFill>
                 <a:latin typeface="Courier New" panose="02070309020205020404" pitchFamily="49" charset="0"/>
                 <a:cs typeface="Courier New" panose="02070309020205020404" pitchFamily="49" charset="0"/>
               </a:rPr>
@@ -41783,6 +41876,9 @@
           <a:p>
             <a:r>
               <a:rPr lang="en-US" sz="1100" b="1" dirty="0">
+                <a:solidFill>
+                  <a:schemeClr val="accent1"/>
+                </a:solidFill>
                 <a:latin typeface="Courier New" panose="02070309020205020404" pitchFamily="49" charset="0"/>
                 <a:cs typeface="Courier New" panose="02070309020205020404" pitchFamily="49" charset="0"/>
               </a:rPr>
@@ -41792,6 +41888,9 @@
           <a:p>
             <a:r>
               <a:rPr lang="en-US" sz="1100" b="1" dirty="0">
+                <a:solidFill>
+                  <a:schemeClr val="accent1"/>
+                </a:solidFill>
                 <a:latin typeface="Courier New" panose="02070309020205020404" pitchFamily="49" charset="0"/>
                 <a:cs typeface="Courier New" panose="02070309020205020404" pitchFamily="49" charset="0"/>
               </a:rPr>
@@ -41801,6 +41900,9 @@
           <a:p>
             <a:r>
               <a:rPr lang="en-US" sz="1100" b="1" dirty="0">
+                <a:solidFill>
+                  <a:schemeClr val="accent1"/>
+                </a:solidFill>
                 <a:latin typeface="Courier New" panose="02070309020205020404" pitchFamily="49" charset="0"/>
                 <a:cs typeface="Courier New" panose="02070309020205020404" pitchFamily="49" charset="0"/>
               </a:rPr>
@@ -41808,6 +41910,9 @@
             </a:r>
             <a:r>
               <a:rPr lang="en-US" sz="1100" b="1" dirty="0" err="1">
+                <a:solidFill>
+                  <a:schemeClr val="accent1"/>
+                </a:solidFill>
                 <a:latin typeface="Courier New" panose="02070309020205020404" pitchFamily="49" charset="0"/>
                 <a:cs typeface="Courier New" panose="02070309020205020404" pitchFamily="49" charset="0"/>
               </a:rPr>
@@ -41815,12 +41920,157 @@
             </a:r>
             <a:r>
               <a:rPr lang="en-US" sz="1100" b="1" dirty="0">
+                <a:solidFill>
+                  <a:schemeClr val="accent1"/>
+                </a:solidFill>
                 <a:latin typeface="Courier New" panose="02070309020205020404" pitchFamily="49" charset="0"/>
                 <a:cs typeface="Courier New" panose="02070309020205020404" pitchFamily="49" charset="0"/>
               </a:rPr>
               <a:t>-&gt;tail = new;</a:t>
             </a:r>
           </a:p>
+          <a:p>
+            <a:endParaRPr lang="en-US" sz="1100" b="1" dirty="0">
+              <a:solidFill>
+                <a:schemeClr val="accent1"/>
+              </a:solidFill>
+              <a:latin typeface="Courier New" panose="02070309020205020404" pitchFamily="49" charset="0"/>
+              <a:cs typeface="Courier New" panose="02070309020205020404" pitchFamily="49" charset="0"/>
+            </a:endParaRPr>
+          </a:p>
+          <a:p>
+            <a:r>
+              <a:rPr lang="en-US" sz="1100" b="1" dirty="0">
+                <a:solidFill>
+                  <a:schemeClr val="accent1"/>
+                </a:solidFill>
+                <a:latin typeface="Courier New" panose="02070309020205020404" pitchFamily="49" charset="0"/>
+                <a:cs typeface="Courier New" panose="02070309020205020404" pitchFamily="49" charset="0"/>
+              </a:rPr>
+              <a:t>      if ( </a:t>
+            </a:r>
+            <a:r>
+              <a:rPr lang="en-US" sz="1100" b="1" dirty="0" err="1">
+                <a:solidFill>
+                  <a:schemeClr val="accent1"/>
+                </a:solidFill>
+                <a:latin typeface="Courier New" panose="02070309020205020404" pitchFamily="49" charset="0"/>
+                <a:cs typeface="Courier New" panose="02070309020205020404" pitchFamily="49" charset="0"/>
+              </a:rPr>
+              <a:t>lst</a:t>
+            </a:r>
+            <a:r>
+              <a:rPr lang="en-US" sz="1100" b="1" dirty="0">
+                <a:solidFill>
+                  <a:schemeClr val="accent1"/>
+                </a:solidFill>
+                <a:latin typeface="Courier New" panose="02070309020205020404" pitchFamily="49" charset="0"/>
+                <a:cs typeface="Courier New" panose="02070309020205020404" pitchFamily="49" charset="0"/>
+              </a:rPr>
+              <a:t>-&gt;head == NULL ) </a:t>
+            </a:r>
+            <a:r>
+              <a:rPr lang="en-US" sz="1100" b="1" dirty="0" err="1">
+                <a:solidFill>
+                  <a:schemeClr val="accent1"/>
+                </a:solidFill>
+                <a:latin typeface="Courier New" panose="02070309020205020404" pitchFamily="49" charset="0"/>
+                <a:cs typeface="Courier New" panose="02070309020205020404" pitchFamily="49" charset="0"/>
+              </a:rPr>
+              <a:t>lst</a:t>
+            </a:r>
+            <a:r>
+              <a:rPr lang="en-US" sz="1100" b="1" dirty="0">
+                <a:solidFill>
+                  <a:schemeClr val="accent1"/>
+                </a:solidFill>
+                <a:latin typeface="Courier New" panose="02070309020205020404" pitchFamily="49" charset="0"/>
+                <a:cs typeface="Courier New" panose="02070309020205020404" pitchFamily="49" charset="0"/>
+              </a:rPr>
+              <a:t>-&gt;head = new;</a:t>
+            </a:r>
+          </a:p>
+          <a:p>
+            <a:r>
+              <a:rPr lang="en-US" sz="1100" b="1" dirty="0">
+                <a:solidFill>
+                  <a:schemeClr val="accent1"/>
+                </a:solidFill>
+                <a:latin typeface="Courier New" panose="02070309020205020404" pitchFamily="49" charset="0"/>
+                <a:cs typeface="Courier New" panose="02070309020205020404" pitchFamily="49" charset="0"/>
+              </a:rPr>
+              <a:t>}</a:t>
+            </a:r>
+          </a:p>
+        </p:txBody>
+      </p:sp>
+      <p:sp>
+        <p:nvSpPr>
+          <p:cNvPr id="12" name="TextBox 11">
+            <a:extLst>
+              <a:ext uri="{FF2B5EF4-FFF2-40B4-BE49-F238E27FC236}">
+                <a16:creationId xmlns:a16="http://schemas.microsoft.com/office/drawing/2014/main" id="{B9EAD357-5BE9-4485-B750-2498DF904973}"/>
+              </a:ext>
+            </a:extLst>
+          </p:cNvPr>
+          <p:cNvSpPr txBox="1"/>
+          <p:nvPr/>
+        </p:nvSpPr>
+        <p:spPr>
+          <a:xfrm>
+            <a:off x="10746560" y="6338986"/>
+            <a:ext cx="1382485" cy="307777"/>
+          </a:xfrm>
+          <a:prstGeom prst="rect">
+            <a:avLst/>
+          </a:prstGeom>
+          <a:noFill/>
+        </p:spPr>
+        <p:txBody>
+          <a:bodyPr wrap="square">
+            <a:spAutoFit/>
+          </a:bodyPr>
+          <a:lstStyle/>
+          <a:p>
+            <a:r>
+              <a:rPr lang="en-US" sz="1400" b="1" dirty="0">
+                <a:solidFill>
+                  <a:srgbClr val="000000"/>
+                </a:solidFill>
+                <a:latin typeface="Menlo" panose="020B0609030804020204" pitchFamily="49" charset="0"/>
+              </a:rPr>
+              <a:t>kr_06_10.c</a:t>
+            </a:r>
+          </a:p>
+        </p:txBody>
+      </p:sp>
+      <p:sp>
+        <p:nvSpPr>
+          <p:cNvPr id="2" name="TextBox 1">
+            <a:extLst>
+              <a:ext uri="{FF2B5EF4-FFF2-40B4-BE49-F238E27FC236}">
+                <a16:creationId xmlns:a16="http://schemas.microsoft.com/office/drawing/2014/main" id="{08B45539-F7CE-4BC6-B08F-6F46C2BF3445}"/>
+              </a:ext>
+            </a:extLst>
+          </p:cNvPr>
+          <p:cNvSpPr txBox="1"/>
+          <p:nvPr/>
+        </p:nvSpPr>
+        <p:spPr>
+          <a:xfrm>
+            <a:off x="5218405" y="297560"/>
+            <a:ext cx="6471643" cy="3139321"/>
+          </a:xfrm>
+          <a:prstGeom prst="rect">
+            <a:avLst/>
+          </a:prstGeom>
+          <a:noFill/>
+        </p:spPr>
+        <p:txBody>
+          <a:bodyPr wrap="none" rtlCol="0">
+            <a:spAutoFit/>
+          </a:bodyPr>
+          <a:lstStyle/>
           <a:p>
             <a:endParaRPr lang="en-US" sz="1100" b="1" dirty="0">
               <a:latin typeface="Courier New" panose="02070309020205020404" pitchFamily="49" charset="0"/>
@@ -41833,115 +42083,73 @@
                 <a:latin typeface="Courier New" panose="02070309020205020404" pitchFamily="49" charset="0"/>
                 <a:cs typeface="Courier New" panose="02070309020205020404" pitchFamily="49" charset="0"/>
               </a:rPr>
-              <a:t>      if ( </a:t>
+              <a:t>int main()</a:t>
+            </a:r>
+          </a:p>
+          <a:p>
+            <a:r>
+              <a:rPr lang="en-US" sz="1100" b="1" dirty="0">
+                <a:latin typeface="Courier New" panose="02070309020205020404" pitchFamily="49" charset="0"/>
+                <a:cs typeface="Courier New" panose="02070309020205020404" pitchFamily="49" charset="0"/>
+              </a:rPr>
+              <a:t>{</a:t>
+            </a:r>
+          </a:p>
+          <a:p>
+            <a:r>
+              <a:rPr lang="en-US" sz="1100" b="1" dirty="0">
+                <a:latin typeface="Courier New" panose="02070309020205020404" pitchFamily="49" charset="0"/>
+                <a:cs typeface="Courier New" panose="02070309020205020404" pitchFamily="49" charset="0"/>
+              </a:rPr>
+              <a:t>  char line[MAXLINE];</a:t>
+            </a:r>
+          </a:p>
+          <a:p>
+            <a:r>
+              <a:rPr lang="en-US" sz="1100" b="1" dirty="0">
+                <a:latin typeface="Courier New" panose="02070309020205020404" pitchFamily="49" charset="0"/>
+                <a:cs typeface="Courier New" panose="02070309020205020404" pitchFamily="49" charset="0"/>
+              </a:rPr>
+              <a:t>  struct list </a:t>
             </a:r>
             <a:r>
               <a:rPr lang="en-US" sz="1100" b="1" dirty="0" err="1">
                 <a:latin typeface="Courier New" panose="02070309020205020404" pitchFamily="49" charset="0"/>
                 <a:cs typeface="Courier New" panose="02070309020205020404" pitchFamily="49" charset="0"/>
               </a:rPr>
-              <a:t>lst</a:t>
+              <a:t>mylist</a:t>
             </a:r>
             <a:r>
               <a:rPr lang="en-US" sz="1100" b="1" dirty="0">
                 <a:latin typeface="Courier New" panose="02070309020205020404" pitchFamily="49" charset="0"/>
                 <a:cs typeface="Courier New" panose="02070309020205020404" pitchFamily="49" charset="0"/>
               </a:rPr>
-              <a:t>-&gt;head == NULL ) </a:t>
+              <a:t>;</a:t>
+            </a:r>
+          </a:p>
+          <a:p>
+            <a:r>
+              <a:rPr lang="en-US" sz="1100" b="1" dirty="0">
+                <a:latin typeface="Courier New" panose="02070309020205020404" pitchFamily="49" charset="0"/>
+                <a:cs typeface="Courier New" panose="02070309020205020404" pitchFamily="49" charset="0"/>
+              </a:rPr>
+              <a:t>  struct </a:t>
             </a:r>
             <a:r>
               <a:rPr lang="en-US" sz="1100" b="1" dirty="0" err="1">
                 <a:latin typeface="Courier New" panose="02070309020205020404" pitchFamily="49" charset="0"/>
                 <a:cs typeface="Courier New" panose="02070309020205020404" pitchFamily="49" charset="0"/>
               </a:rPr>
-              <a:t>lst</a:t>
+              <a:t>lnode</a:t>
             </a:r>
             <a:r>
               <a:rPr lang="en-US" sz="1100" b="1" dirty="0">
                 <a:latin typeface="Courier New" panose="02070309020205020404" pitchFamily="49" charset="0"/>
                 <a:cs typeface="Courier New" panose="02070309020205020404" pitchFamily="49" charset="0"/>
               </a:rPr>
-              <a:t>-&gt;head = new;</a:t>
-            </a:r>
-          </a:p>
-          <a:p>
-            <a:r>
-              <a:rPr lang="en-US" sz="1100" b="1" dirty="0">
-                <a:latin typeface="Courier New" panose="02070309020205020404" pitchFamily="49" charset="0"/>
-                <a:cs typeface="Courier New" panose="02070309020205020404" pitchFamily="49" charset="0"/>
-              </a:rPr>
-              <a:t>}</a:t>
-            </a:r>
-          </a:p>
-        </p:txBody>
-      </p:sp>
-      <p:sp>
-        <p:nvSpPr>
-          <p:cNvPr id="12" name="TextBox 11">
-            <a:extLst>
-              <a:ext uri="{FF2B5EF4-FFF2-40B4-BE49-F238E27FC236}">
-                <a16:creationId xmlns:a16="http://schemas.microsoft.com/office/drawing/2014/main" id="{B9EAD357-5BE9-4485-B750-2498DF904973}"/>
-              </a:ext>
-            </a:extLst>
-          </p:cNvPr>
-          <p:cNvSpPr txBox="1"/>
-          <p:nvPr/>
-        </p:nvSpPr>
-        <p:spPr>
-          <a:xfrm>
-            <a:off x="10746560" y="6338986"/>
-            <a:ext cx="1382485" cy="307777"/>
-          </a:xfrm>
-          <a:prstGeom prst="rect">
-            <a:avLst/>
-          </a:prstGeom>
-          <a:noFill/>
-        </p:spPr>
-        <p:txBody>
-          <a:bodyPr wrap="square">
-            <a:spAutoFit/>
-          </a:bodyPr>
-          <a:lstStyle/>
-          <a:p>
-            <a:r>
-              <a:rPr lang="en-US" sz="1400" b="1" dirty="0">
-                <a:solidFill>
-                  <a:srgbClr val="000000"/>
-                </a:solidFill>
-                <a:latin typeface="Menlo" panose="020B0609030804020204" pitchFamily="49" charset="0"/>
-              </a:rPr>
-              <a:t>kr_06_10.c</a:t>
-            </a:r>
-          </a:p>
-        </p:txBody>
-      </p:sp>
-      <p:sp>
-        <p:nvSpPr>
-          <p:cNvPr id="2" name="TextBox 1">
-            <a:extLst>
-              <a:ext uri="{FF2B5EF4-FFF2-40B4-BE49-F238E27FC236}">
-                <a16:creationId xmlns:a16="http://schemas.microsoft.com/office/drawing/2014/main" id="{08B45539-F7CE-4BC6-B08F-6F46C2BF3445}"/>
-              </a:ext>
-            </a:extLst>
-          </p:cNvPr>
-          <p:cNvSpPr txBox="1"/>
-          <p:nvPr/>
-        </p:nvSpPr>
-        <p:spPr>
-          <a:xfrm>
-            <a:off x="5218405" y="297560"/>
-            <a:ext cx="6471643" cy="3139321"/>
-          </a:xfrm>
-          <a:prstGeom prst="rect">
-            <a:avLst/>
-          </a:prstGeom>
-          <a:noFill/>
-        </p:spPr>
-        <p:txBody>
-          <a:bodyPr wrap="none" rtlCol="0">
-            <a:spAutoFit/>
-          </a:bodyPr>
-          <a:lstStyle/>
+              <a:t> *current;</a:t>
+            </a:r>
+          </a:p>
           <a:p>
             <a:endParaRPr lang="en-US" sz="1100" b="1" dirty="0">
               <a:latin typeface="Courier New" panose="02070309020205020404" pitchFamily="49" charset="0"/>
@@ -41954,16 +42162,21 @@
                 <a:latin typeface="Courier New" panose="02070309020205020404" pitchFamily="49" charset="0"/>
                 <a:cs typeface="Courier New" panose="02070309020205020404" pitchFamily="49" charset="0"/>
               </a:rPr>
-              <a:t>int main()</a:t>
-            </a:r>
-          </a:p>
-          <a:p>
+              <a:t>  </a:t>
+            </a:r>
+            <a:r>
+              <a:rPr lang="en-US" sz="1100" b="1" dirty="0" err="1">
+                <a:latin typeface="Courier New" panose="02070309020205020404" pitchFamily="49" charset="0"/>
+                <a:cs typeface="Courier New" panose="02070309020205020404" pitchFamily="49" charset="0"/>
+              </a:rPr>
+              <a:t>mylist.head</a:t>
+            </a:r>
             <a:r>
               <a:rPr lang="en-US" sz="1100" b="1" dirty="0">
                 <a:latin typeface="Courier New" panose="02070309020205020404" pitchFamily="49" charset="0"/>
                 <a:cs typeface="Courier New" panose="02070309020205020404" pitchFamily="49" charset="0"/>
               </a:rPr>
-              <a:t>{</a:t>
+              <a:t> = NULL;</a:t>
             </a:r>
           </a:p>
           <a:p>
@@ -41972,53 +42185,21 @@
                 <a:latin typeface="Courier New" panose="02070309020205020404" pitchFamily="49" charset="0"/>
                 <a:cs typeface="Courier New" panose="02070309020205020404" pitchFamily="49" charset="0"/>
               </a:rPr>
-              <a:t>  char line[MAXLINE];</a:t>
-            </a:r>
-          </a:p>
-          <a:p>
+              <a:t>  </a:t>
+            </a:r>
+            <a:r>
+              <a:rPr lang="en-US" sz="1100" b="1" dirty="0" err="1">
+                <a:latin typeface="Courier New" panose="02070309020205020404" pitchFamily="49" charset="0"/>
+                <a:cs typeface="Courier New" panose="02070309020205020404" pitchFamily="49" charset="0"/>
+              </a:rPr>
+              <a:t>mylist.tail</a:t>
+            </a:r>
             <a:r>
               <a:rPr lang="en-US" sz="1100" b="1" dirty="0">
                 <a:latin typeface="Courier New" panose="02070309020205020404" pitchFamily="49" charset="0"/>
                 <a:cs typeface="Courier New" panose="02070309020205020404" pitchFamily="49" charset="0"/>
               </a:rPr>
-              <a:t>  struct list </a:t>
-            </a:r>
-            <a:r>
-              <a:rPr lang="en-US" sz="1100" b="1" dirty="0" err="1">
-                <a:latin typeface="Courier New" panose="02070309020205020404" pitchFamily="49" charset="0"/>
-                <a:cs typeface="Courier New" panose="02070309020205020404" pitchFamily="49" charset="0"/>
-              </a:rPr>
-              <a:t>mylist</a:t>
-            </a:r>
-            <a:r>
-              <a:rPr lang="en-US" sz="1100" b="1" dirty="0">
-                <a:latin typeface="Courier New" panose="02070309020205020404" pitchFamily="49" charset="0"/>
-                <a:cs typeface="Courier New" panose="02070309020205020404" pitchFamily="49" charset="0"/>
-              </a:rPr>
-              <a:t>;</a:t>
-            </a:r>
-          </a:p>
-          <a:p>
-            <a:r>
-              <a:rPr lang="en-US" sz="1100" b="1" dirty="0">
-                <a:latin typeface="Courier New" panose="02070309020205020404" pitchFamily="49" charset="0"/>
-                <a:cs typeface="Courier New" panose="02070309020205020404" pitchFamily="49" charset="0"/>
-              </a:rPr>
-              <a:t>  struct </a:t>
-            </a:r>
-            <a:r>
-              <a:rPr lang="en-US" sz="1100" b="1" dirty="0" err="1">
-                <a:latin typeface="Courier New" panose="02070309020205020404" pitchFamily="49" charset="0"/>
-                <a:cs typeface="Courier New" panose="02070309020205020404" pitchFamily="49" charset="0"/>
-              </a:rPr>
-              <a:t>lnode</a:t>
-            </a:r>
-            <a:r>
-              <a:rPr lang="en-US" sz="1100" b="1" dirty="0">
-                <a:latin typeface="Courier New" panose="02070309020205020404" pitchFamily="49" charset="0"/>
-                <a:cs typeface="Courier New" panose="02070309020205020404" pitchFamily="49" charset="0"/>
-              </a:rPr>
-              <a:t> *current;</a:t>
+              <a:t> = NULL;</a:t>
             </a:r>
           </a:p>
           <a:p>
@@ -42033,106 +42214,69 @@
                 <a:latin typeface="Courier New" panose="02070309020205020404" pitchFamily="49" charset="0"/>
                 <a:cs typeface="Courier New" panose="02070309020205020404" pitchFamily="49" charset="0"/>
               </a:rPr>
-              <a:t>  </a:t>
+              <a:t>  while(</a:t>
             </a:r>
             <a:r>
               <a:rPr lang="en-US" sz="1100" b="1" dirty="0" err="1">
                 <a:latin typeface="Courier New" panose="02070309020205020404" pitchFamily="49" charset="0"/>
                 <a:cs typeface="Courier New" panose="02070309020205020404" pitchFamily="49" charset="0"/>
               </a:rPr>
-              <a:t>mylist.head</a:t>
+              <a:t>fgets</a:t>
             </a:r>
             <a:r>
               <a:rPr lang="en-US" sz="1100" b="1" dirty="0">
                 <a:latin typeface="Courier New" panose="02070309020205020404" pitchFamily="49" charset="0"/>
                 <a:cs typeface="Courier New" panose="02070309020205020404" pitchFamily="49" charset="0"/>
               </a:rPr>
-              <a:t> = NULL;</a:t>
+              <a:t>(line, MAXLINE, stdin) != NULL) {</a:t>
             </a:r>
           </a:p>
           <a:p>
             <a:r>
               <a:rPr lang="en-US" sz="1100" b="1" dirty="0">
-                <a:latin typeface="Courier New" panose="02070309020205020404" pitchFamily="49" charset="0"/>
-                <a:cs typeface="Courier New" panose="02070309020205020404" pitchFamily="49" charset="0"/>
-              </a:rPr>
-              <a:t>  </a:t>
+                <a:solidFill>
+                  <a:schemeClr val="accent1"/>
+                </a:solidFill>
+                <a:latin typeface="Courier New" panose="02070309020205020404" pitchFamily="49" charset="0"/>
+                <a:cs typeface="Courier New" panose="02070309020205020404" pitchFamily="49" charset="0"/>
+              </a:rPr>
+              <a:t>      </a:t>
             </a:r>
             <a:r>
               <a:rPr lang="en-US" sz="1100" b="1" dirty="0" err="1">
-                <a:latin typeface="Courier New" panose="02070309020205020404" pitchFamily="49" charset="0"/>
-                <a:cs typeface="Courier New" panose="02070309020205020404" pitchFamily="49" charset="0"/>
-              </a:rPr>
-              <a:t>mylist.tail</a:t>
+                <a:solidFill>
+                  <a:schemeClr val="accent1"/>
+                </a:solidFill>
+                <a:latin typeface="Courier New" panose="02070309020205020404" pitchFamily="49" charset="0"/>
+                <a:cs typeface="Courier New" panose="02070309020205020404" pitchFamily="49" charset="0"/>
+              </a:rPr>
+              <a:t>list_add</a:t>
             </a:r>
             <a:r>
               <a:rPr lang="en-US" sz="1100" b="1" dirty="0">
-                <a:latin typeface="Courier New" panose="02070309020205020404" pitchFamily="49" charset="0"/>
-                <a:cs typeface="Courier New" panose="02070309020205020404" pitchFamily="49" charset="0"/>
-              </a:rPr>
-              <a:t> = NULL;</a:t>
-            </a:r>
-          </a:p>
-          <a:p>
-            <a:endParaRPr lang="en-US" sz="1100" b="1" dirty="0">
-              <a:latin typeface="Courier New" panose="02070309020205020404" pitchFamily="49" charset="0"/>
-              <a:cs typeface="Courier New" panose="02070309020205020404" pitchFamily="49" charset="0"/>
-            </a:endParaRPr>
-          </a:p>
-          <a:p>
+                <a:solidFill>
+                  <a:schemeClr val="accent1"/>
+                </a:solidFill>
+                <a:latin typeface="Courier New" panose="02070309020205020404" pitchFamily="49" charset="0"/>
+                <a:cs typeface="Courier New" panose="02070309020205020404" pitchFamily="49" charset="0"/>
+              </a:rPr>
+              <a:t>(&amp;</a:t>
+            </a:r>
+            <a:r>
+              <a:rPr lang="en-US" sz="1100" b="1" dirty="0" err="1">
+                <a:solidFill>
+                  <a:schemeClr val="accent1"/>
+                </a:solidFill>
+                <a:latin typeface="Courier New" panose="02070309020205020404" pitchFamily="49" charset="0"/>
+                <a:cs typeface="Courier New" panose="02070309020205020404" pitchFamily="49" charset="0"/>
+              </a:rPr>
+              <a:t>mylist</a:t>
+            </a:r>
             <a:r>
               <a:rPr lang="en-US" sz="1100" b="1" dirty="0">
-                <a:latin typeface="Courier New" panose="02070309020205020404" pitchFamily="49" charset="0"/>
-                <a:cs typeface="Courier New" panose="02070309020205020404" pitchFamily="49" charset="0"/>
-              </a:rPr>
-              <a:t>  while(</a:t>
-            </a:r>
-            <a:r>
-              <a:rPr lang="en-US" sz="1100" b="1" dirty="0" err="1">
-                <a:latin typeface="Courier New" panose="02070309020205020404" pitchFamily="49" charset="0"/>
-                <a:cs typeface="Courier New" panose="02070309020205020404" pitchFamily="49" charset="0"/>
-              </a:rPr>
-              <a:t>fgets</a:t>
-            </a:r>
-            <a:r>
-              <a:rPr lang="en-US" sz="1100" b="1" dirty="0">
-                <a:latin typeface="Courier New" panose="02070309020205020404" pitchFamily="49" charset="0"/>
-                <a:cs typeface="Courier New" panose="02070309020205020404" pitchFamily="49" charset="0"/>
-              </a:rPr>
-              <a:t>(line, MAXLINE, stdin) != NULL) {</a:t>
-            </a:r>
-          </a:p>
-          <a:p>
-            <a:r>
-              <a:rPr lang="en-US" sz="1100" b="1" dirty="0">
-                <a:latin typeface="Courier New" panose="02070309020205020404" pitchFamily="49" charset="0"/>
-                <a:cs typeface="Courier New" panose="02070309020205020404" pitchFamily="49" charset="0"/>
-              </a:rPr>
-              <a:t>      </a:t>
-            </a:r>
-            <a:r>
-              <a:rPr lang="en-US" sz="1100" b="1" dirty="0" err="1">
-                <a:latin typeface="Courier New" panose="02070309020205020404" pitchFamily="49" charset="0"/>
-                <a:cs typeface="Courier New" panose="02070309020205020404" pitchFamily="49" charset="0"/>
-              </a:rPr>
-              <a:t>list_add</a:t>
-            </a:r>
-            <a:r>
-              <a:rPr lang="en-US" sz="1100" b="1" dirty="0">
-                <a:latin typeface="Courier New" panose="02070309020205020404" pitchFamily="49" charset="0"/>
-                <a:cs typeface="Courier New" panose="02070309020205020404" pitchFamily="49" charset="0"/>
-              </a:rPr>
-              <a:t>(&amp;</a:t>
-            </a:r>
-            <a:r>
-              <a:rPr lang="en-US" sz="1100" b="1" dirty="0" err="1">
-                <a:latin typeface="Courier New" panose="02070309020205020404" pitchFamily="49" charset="0"/>
-                <a:cs typeface="Courier New" panose="02070309020205020404" pitchFamily="49" charset="0"/>
-              </a:rPr>
-              <a:t>mylist</a:t>
-            </a:r>
-            <a:r>
-              <a:rPr lang="en-US" sz="1100" b="1" dirty="0">
+                <a:solidFill>
+                  <a:schemeClr val="accent1"/>
+                </a:solidFill>
                 <a:latin typeface="Courier New" panose="02070309020205020404" pitchFamily="49" charset="0"/>
                 <a:cs typeface="Courier New" panose="02070309020205020404" pitchFamily="49" charset="0"/>
               </a:rPr>

--- a/lectures/KR-6.pptx
+++ b/lectures/KR-6.pptx
@@ -298,7 +298,7 @@
           <a:p>
             <a:fld id="{C13A938A-C9BA-0346-A74F-83EB1631032C}" type="datetimeFigureOut">
               <a:rPr lang="en-US" smtClean="0"/>
-              <a:t>1/30/23</a:t>
+              <a:t>2/19/23</a:t>
             </a:fld>
             <a:endParaRPr lang="en-US"/>
           </a:p>
@@ -496,7 +496,7 @@
           <a:p>
             <a:fld id="{C13A938A-C9BA-0346-A74F-83EB1631032C}" type="datetimeFigureOut">
               <a:rPr lang="en-US" smtClean="0"/>
-              <a:t>1/30/23</a:t>
+              <a:t>2/19/23</a:t>
             </a:fld>
             <a:endParaRPr lang="en-US"/>
           </a:p>
@@ -704,7 +704,7 @@
           <a:p>
             <a:fld id="{C13A938A-C9BA-0346-A74F-83EB1631032C}" type="datetimeFigureOut">
               <a:rPr lang="en-US" smtClean="0"/>
-              <a:t>1/30/23</a:t>
+              <a:t>2/19/23</a:t>
             </a:fld>
             <a:endParaRPr lang="en-US"/>
           </a:p>
@@ -902,7 +902,7 @@
           <a:p>
             <a:fld id="{C13A938A-C9BA-0346-A74F-83EB1631032C}" type="datetimeFigureOut">
               <a:rPr lang="en-US" smtClean="0"/>
-              <a:t>1/30/23</a:t>
+              <a:t>2/19/23</a:t>
             </a:fld>
             <a:endParaRPr lang="en-US"/>
           </a:p>
@@ -1177,7 +1177,7 @@
           <a:p>
             <a:fld id="{C13A938A-C9BA-0346-A74F-83EB1631032C}" type="datetimeFigureOut">
               <a:rPr lang="en-US" smtClean="0"/>
-              <a:t>1/30/23</a:t>
+              <a:t>2/19/23</a:t>
             </a:fld>
             <a:endParaRPr lang="en-US"/>
           </a:p>
@@ -1442,7 +1442,7 @@
           <a:p>
             <a:fld id="{C13A938A-C9BA-0346-A74F-83EB1631032C}" type="datetimeFigureOut">
               <a:rPr lang="en-US" smtClean="0"/>
-              <a:t>1/30/23</a:t>
+              <a:t>2/19/23</a:t>
             </a:fld>
             <a:endParaRPr lang="en-US"/>
           </a:p>
@@ -1854,7 +1854,7 @@
           <a:p>
             <a:fld id="{C13A938A-C9BA-0346-A74F-83EB1631032C}" type="datetimeFigureOut">
               <a:rPr lang="en-US" smtClean="0"/>
-              <a:t>1/30/23</a:t>
+              <a:t>2/19/23</a:t>
             </a:fld>
             <a:endParaRPr lang="en-US"/>
           </a:p>
@@ -1995,7 +1995,7 @@
           <a:p>
             <a:fld id="{C13A938A-C9BA-0346-A74F-83EB1631032C}" type="datetimeFigureOut">
               <a:rPr lang="en-US" smtClean="0"/>
-              <a:t>1/30/23</a:t>
+              <a:t>2/19/23</a:t>
             </a:fld>
             <a:endParaRPr lang="en-US"/>
           </a:p>
@@ -2108,7 +2108,7 @@
           <a:p>
             <a:fld id="{C13A938A-C9BA-0346-A74F-83EB1631032C}" type="datetimeFigureOut">
               <a:rPr lang="en-US" smtClean="0"/>
-              <a:t>1/30/23</a:t>
+              <a:t>2/19/23</a:t>
             </a:fld>
             <a:endParaRPr lang="en-US"/>
           </a:p>
@@ -2419,7 +2419,7 @@
           <a:p>
             <a:fld id="{C13A938A-C9BA-0346-A74F-83EB1631032C}" type="datetimeFigureOut">
               <a:rPr lang="en-US" smtClean="0"/>
-              <a:t>1/30/23</a:t>
+              <a:t>2/19/23</a:t>
             </a:fld>
             <a:endParaRPr lang="en-US"/>
           </a:p>
@@ -2707,7 +2707,7 @@
           <a:p>
             <a:fld id="{C13A938A-C9BA-0346-A74F-83EB1631032C}" type="datetimeFigureOut">
               <a:rPr lang="en-US" smtClean="0"/>
-              <a:t>1/30/23</a:t>
+              <a:t>2/19/23</a:t>
             </a:fld>
             <a:endParaRPr lang="en-US"/>
           </a:p>
@@ -2948,7 +2948,7 @@
           <a:p>
             <a:fld id="{C13A938A-C9BA-0346-A74F-83EB1631032C}" type="datetimeFigureOut">
               <a:rPr lang="en-US" smtClean="0"/>
-              <a:t>1/30/23</a:t>
+              <a:t>2/19/23</a:t>
             </a:fld>
             <a:endParaRPr lang="en-US"/>
           </a:p>
@@ -42555,19 +42555,19 @@
         </p:spPr>
         <p:txBody>
           <a:bodyPr>
-            <a:normAutofit/>
+            <a:normAutofit lnSpcReduction="10000"/>
           </a:bodyPr>
           <a:lstStyle/>
           <a:p>
             <a:r>
               <a:rPr lang="en-US" sz="2000" dirty="0"/>
-              <a:t>I reduced Chapter 6.5 to the essential bits I feel we need to go forward</a:t>
+              <a:t>I reduced Chapter 6 to the essential bits I feel we need to go forward</a:t>
             </a:r>
           </a:p>
           <a:p>
             <a:r>
               <a:rPr lang="en-US" sz="2000" dirty="0"/>
-              <a:t>Do not proceed beyond this material until you truly understand it – at least the singly-linked list</a:t>
+              <a:t>Do not proceed to Chapter 7 until you truly understand it – at least the singly-linked list</a:t>
             </a:r>
           </a:p>
           <a:p>
@@ -42579,7 +42579,7 @@
           <a:p>
             <a:r>
               <a:rPr lang="en-US" sz="2000" dirty="0"/>
-              <a:t>Others can guide you on that journey</a:t>
+              <a:t>Others can better guide you if you are on that journey…</a:t>
             </a:r>
           </a:p>
         </p:txBody>
@@ -43600,17 +43600,23 @@
             </a:r>
           </a:p>
           <a:p>
-            <a:pPr lvl="1"/>
+            <a:pPr marL="914400" lvl="1" indent="-457200">
+              <a:buFont typeface="+mj-lt"/>
+              <a:buAutoNum type="arabicPeriod"/>
+            </a:pPr>
             <a:r>
               <a:rPr lang="en-US" dirty="0"/>
               <a:t>Study for a future programming interview</a:t>
             </a:r>
           </a:p>
           <a:p>
-            <a:pPr lvl="1"/>
+            <a:pPr marL="914400" lvl="1" indent="-457200">
+              <a:buFont typeface="+mj-lt"/>
+              <a:buAutoNum type="arabicPeriod"/>
+            </a:pPr>
             <a:r>
               <a:rPr lang="en-US" dirty="0"/>
-              <a:t>Continue on a path toward understanding the nature of computers and computing</a:t>
+              <a:t>Continue toward understanding the nature of computers and computing</a:t>
             </a:r>
           </a:p>
           <a:p>
@@ -43628,7 +43634,7 @@
           <a:p>
             <a:r>
               <a:rPr lang="en-US" dirty="0"/>
-              <a:t>I will take the road less taken….</a:t>
+              <a:t>I will take the road (2) less taken….</a:t>
             </a:r>
           </a:p>
           <a:p>

--- a/lectures/KR-6.pptx
+++ b/lectures/KR-6.pptx
@@ -43,8 +43,10 @@
     <p:sldId id="320" r:id="rId37"/>
     <p:sldId id="321" r:id="rId38"/>
     <p:sldId id="325" r:id="rId39"/>
-    <p:sldId id="284" r:id="rId40"/>
-    <p:sldId id="285" r:id="rId41"/>
+    <p:sldId id="326" r:id="rId40"/>
+    <p:sldId id="327" r:id="rId41"/>
+    <p:sldId id="284" r:id="rId42"/>
+    <p:sldId id="285" r:id="rId43"/>
   </p:sldIdLst>
   <p:sldSz cx="12192000" cy="6858000"/>
   <p:notesSz cx="6858000" cy="9144000"/>
@@ -298,7 +300,7 @@
           <a:p>
             <a:fld id="{C13A938A-C9BA-0346-A74F-83EB1631032C}" type="datetimeFigureOut">
               <a:rPr lang="en-US" smtClean="0"/>
-              <a:t>2/19/23</a:t>
+              <a:t>2/22/23</a:t>
             </a:fld>
             <a:endParaRPr lang="en-US"/>
           </a:p>
@@ -496,7 +498,7 @@
           <a:p>
             <a:fld id="{C13A938A-C9BA-0346-A74F-83EB1631032C}" type="datetimeFigureOut">
               <a:rPr lang="en-US" smtClean="0"/>
-              <a:t>2/19/23</a:t>
+              <a:t>2/22/23</a:t>
             </a:fld>
             <a:endParaRPr lang="en-US"/>
           </a:p>
@@ -704,7 +706,7 @@
           <a:p>
             <a:fld id="{C13A938A-C9BA-0346-A74F-83EB1631032C}" type="datetimeFigureOut">
               <a:rPr lang="en-US" smtClean="0"/>
-              <a:t>2/19/23</a:t>
+              <a:t>2/22/23</a:t>
             </a:fld>
             <a:endParaRPr lang="en-US"/>
           </a:p>
@@ -902,7 +904,7 @@
           <a:p>
             <a:fld id="{C13A938A-C9BA-0346-A74F-83EB1631032C}" type="datetimeFigureOut">
               <a:rPr lang="en-US" smtClean="0"/>
-              <a:t>2/19/23</a:t>
+              <a:t>2/22/23</a:t>
             </a:fld>
             <a:endParaRPr lang="en-US"/>
           </a:p>
@@ -1177,7 +1179,7 @@
           <a:p>
             <a:fld id="{C13A938A-C9BA-0346-A74F-83EB1631032C}" type="datetimeFigureOut">
               <a:rPr lang="en-US" smtClean="0"/>
-              <a:t>2/19/23</a:t>
+              <a:t>2/22/23</a:t>
             </a:fld>
             <a:endParaRPr lang="en-US"/>
           </a:p>
@@ -1442,7 +1444,7 @@
           <a:p>
             <a:fld id="{C13A938A-C9BA-0346-A74F-83EB1631032C}" type="datetimeFigureOut">
               <a:rPr lang="en-US" smtClean="0"/>
-              <a:t>2/19/23</a:t>
+              <a:t>2/22/23</a:t>
             </a:fld>
             <a:endParaRPr lang="en-US"/>
           </a:p>
@@ -1854,7 +1856,7 @@
           <a:p>
             <a:fld id="{C13A938A-C9BA-0346-A74F-83EB1631032C}" type="datetimeFigureOut">
               <a:rPr lang="en-US" smtClean="0"/>
-              <a:t>2/19/23</a:t>
+              <a:t>2/22/23</a:t>
             </a:fld>
             <a:endParaRPr lang="en-US"/>
           </a:p>
@@ -1995,7 +1997,7 @@
           <a:p>
             <a:fld id="{C13A938A-C9BA-0346-A74F-83EB1631032C}" type="datetimeFigureOut">
               <a:rPr lang="en-US" smtClean="0"/>
-              <a:t>2/19/23</a:t>
+              <a:t>2/22/23</a:t>
             </a:fld>
             <a:endParaRPr lang="en-US"/>
           </a:p>
@@ -2108,7 +2110,7 @@
           <a:p>
             <a:fld id="{C13A938A-C9BA-0346-A74F-83EB1631032C}" type="datetimeFigureOut">
               <a:rPr lang="en-US" smtClean="0"/>
-              <a:t>2/19/23</a:t>
+              <a:t>2/22/23</a:t>
             </a:fld>
             <a:endParaRPr lang="en-US"/>
           </a:p>
@@ -2419,7 +2421,7 @@
           <a:p>
             <a:fld id="{C13A938A-C9BA-0346-A74F-83EB1631032C}" type="datetimeFigureOut">
               <a:rPr lang="en-US" smtClean="0"/>
-              <a:t>2/19/23</a:t>
+              <a:t>2/22/23</a:t>
             </a:fld>
             <a:endParaRPr lang="en-US"/>
           </a:p>
@@ -2707,7 +2709,7 @@
           <a:p>
             <a:fld id="{C13A938A-C9BA-0346-A74F-83EB1631032C}" type="datetimeFigureOut">
               <a:rPr lang="en-US" smtClean="0"/>
-              <a:t>2/19/23</a:t>
+              <a:t>2/22/23</a:t>
             </a:fld>
             <a:endParaRPr lang="en-US"/>
           </a:p>
@@ -2948,7 +2950,7 @@
           <a:p>
             <a:fld id="{C13A938A-C9BA-0346-A74F-83EB1631032C}" type="datetimeFigureOut">
               <a:rPr lang="en-US" smtClean="0"/>
-              <a:t>2/19/23</a:t>
+              <a:t>2/22/23</a:t>
             </a:fld>
             <a:endParaRPr lang="en-US"/>
           </a:p>
@@ -42039,7 +42041,7 @@
                 </a:solidFill>
                 <a:latin typeface="Menlo" panose="020B0609030804020204" pitchFamily="49" charset="0"/>
               </a:rPr>
-              <a:t>kr_06_10.c</a:t>
+              <a:t>kr_06_09.c</a:t>
             </a:r>
           </a:p>
         </p:txBody>
@@ -42412,6 +42414,1560 @@
 </file>
 
 <file path=ppt/slides/slide39.xml><?xml version="1.0" encoding="utf-8"?>
+<p:sld xmlns:a="http://schemas.openxmlformats.org/drawingml/2006/main" xmlns:r="http://schemas.openxmlformats.org/officeDocument/2006/relationships" xmlns:p="http://schemas.openxmlformats.org/presentationml/2006/main">
+  <p:cSld>
+    <p:spTree>
+      <p:nvGrpSpPr>
+        <p:cNvPr id="1" name=""/>
+        <p:cNvGrpSpPr/>
+        <p:nvPr/>
+      </p:nvGrpSpPr>
+      <p:grpSpPr>
+        <a:xfrm>
+          <a:off x="0" y="0"/>
+          <a:ext cx="0" cy="0"/>
+          <a:chOff x="0" y="0"/>
+          <a:chExt cx="0" cy="0"/>
+        </a:xfrm>
+      </p:grpSpPr>
+      <p:sp>
+        <p:nvSpPr>
+          <p:cNvPr id="3" name="Title 2">
+            <a:extLst>
+              <a:ext uri="{FF2B5EF4-FFF2-40B4-BE49-F238E27FC236}">
+                <a16:creationId xmlns:a16="http://schemas.microsoft.com/office/drawing/2014/main" id="{1457AF02-490A-DB9B-0C7A-584D39114F06}"/>
+              </a:ext>
+            </a:extLst>
+          </p:cNvPr>
+          <p:cNvSpPr>
+            <a:spLocks noGrp="1"/>
+          </p:cNvSpPr>
+          <p:nvPr>
+            <p:ph type="title"/>
+          </p:nvPr>
+        </p:nvSpPr>
+        <p:spPr/>
+        <p:txBody>
+          <a:bodyPr/>
+          <a:lstStyle/>
+          <a:p>
+            <a:r>
+              <a:rPr lang="en-US" dirty="0"/>
+              <a:t>6.8 Unions</a:t>
+            </a:r>
+          </a:p>
+        </p:txBody>
+      </p:sp>
+      <p:sp>
+        <p:nvSpPr>
+          <p:cNvPr id="4" name="Content Placeholder 3">
+            <a:extLst>
+              <a:ext uri="{FF2B5EF4-FFF2-40B4-BE49-F238E27FC236}">
+                <a16:creationId xmlns:a16="http://schemas.microsoft.com/office/drawing/2014/main" id="{93098C4E-5D05-192A-63C6-AC652A817829}"/>
+              </a:ext>
+            </a:extLst>
+          </p:cNvPr>
+          <p:cNvSpPr>
+            <a:spLocks noGrp="1"/>
+          </p:cNvSpPr>
+          <p:nvPr>
+            <p:ph idx="1"/>
+          </p:nvPr>
+        </p:nvSpPr>
+        <p:spPr>
+          <a:xfrm>
+            <a:off x="838200" y="1825625"/>
+            <a:ext cx="5448300" cy="1831975"/>
+          </a:xfrm>
+        </p:spPr>
+        <p:txBody>
+          <a:bodyPr/>
+          <a:lstStyle/>
+          <a:p>
+            <a:r>
+              <a:rPr lang="en-US" dirty="0"/>
+              <a:t>A union is like a structure but all of the elements of the union </a:t>
+            </a:r>
+            <a:r>
+              <a:rPr lang="en-US" i="1" dirty="0"/>
+              <a:t>overlap</a:t>
+            </a:r>
+            <a:r>
+              <a:rPr lang="en-US" dirty="0"/>
+              <a:t> and allow you to view the same are of memory as multiple types</a:t>
+            </a:r>
+          </a:p>
+        </p:txBody>
+      </p:sp>
+      <p:sp>
+        <p:nvSpPr>
+          <p:cNvPr id="5" name="TextBox 4">
+            <a:extLst>
+              <a:ext uri="{FF2B5EF4-FFF2-40B4-BE49-F238E27FC236}">
+                <a16:creationId xmlns:a16="http://schemas.microsoft.com/office/drawing/2014/main" id="{854C74D4-4DB7-1CC0-37A6-DD092451340C}"/>
+              </a:ext>
+            </a:extLst>
+          </p:cNvPr>
+          <p:cNvSpPr txBox="1"/>
+          <p:nvPr/>
+        </p:nvSpPr>
+        <p:spPr>
+          <a:xfrm>
+            <a:off x="6622548" y="797510"/>
+            <a:ext cx="5492209" cy="5262979"/>
+          </a:xfrm>
+          <a:prstGeom prst="rect">
+            <a:avLst/>
+          </a:prstGeom>
+          <a:noFill/>
+        </p:spPr>
+        <p:txBody>
+          <a:bodyPr wrap="none" rtlCol="0">
+            <a:spAutoFit/>
+          </a:bodyPr>
+          <a:lstStyle/>
+          <a:p>
+            <a:r>
+              <a:rPr lang="en-US" sz="1600" b="1" dirty="0">
+                <a:latin typeface="Courier New" panose="02070309020205020404" pitchFamily="49" charset="0"/>
+                <a:cs typeface="Courier New" panose="02070309020205020404" pitchFamily="49" charset="0"/>
+              </a:rPr>
+              <a:t>#include &lt;</a:t>
+            </a:r>
+            <a:r>
+              <a:rPr lang="en-US" sz="1600" b="1" dirty="0" err="1">
+                <a:latin typeface="Courier New" panose="02070309020205020404" pitchFamily="49" charset="0"/>
+                <a:cs typeface="Courier New" panose="02070309020205020404" pitchFamily="49" charset="0"/>
+              </a:rPr>
+              <a:t>stdio.h</a:t>
+            </a:r>
+            <a:r>
+              <a:rPr lang="en-US" sz="1600" b="1" dirty="0">
+                <a:latin typeface="Courier New" panose="02070309020205020404" pitchFamily="49" charset="0"/>
+                <a:cs typeface="Courier New" panose="02070309020205020404" pitchFamily="49" charset="0"/>
+              </a:rPr>
+              <a:t>&gt;</a:t>
+            </a:r>
+          </a:p>
+          <a:p>
+            <a:r>
+              <a:rPr lang="en-US" sz="1600" b="1" dirty="0">
+                <a:latin typeface="Courier New" panose="02070309020205020404" pitchFamily="49" charset="0"/>
+                <a:cs typeface="Courier New" panose="02070309020205020404" pitchFamily="49" charset="0"/>
+              </a:rPr>
+              <a:t>#include &lt;</a:t>
+            </a:r>
+            <a:r>
+              <a:rPr lang="en-US" sz="1600" b="1" dirty="0" err="1">
+                <a:latin typeface="Courier New" panose="02070309020205020404" pitchFamily="49" charset="0"/>
+                <a:cs typeface="Courier New" panose="02070309020205020404" pitchFamily="49" charset="0"/>
+              </a:rPr>
+              <a:t>string.h</a:t>
+            </a:r>
+            <a:r>
+              <a:rPr lang="en-US" sz="1600" b="1" dirty="0">
+                <a:latin typeface="Courier New" panose="02070309020205020404" pitchFamily="49" charset="0"/>
+                <a:cs typeface="Courier New" panose="02070309020205020404" pitchFamily="49" charset="0"/>
+              </a:rPr>
+              <a:t>&gt;</a:t>
+            </a:r>
+          </a:p>
+          <a:p>
+            <a:endParaRPr lang="en-US" sz="1600" b="1" dirty="0">
+              <a:latin typeface="Courier New" panose="02070309020205020404" pitchFamily="49" charset="0"/>
+              <a:cs typeface="Courier New" panose="02070309020205020404" pitchFamily="49" charset="0"/>
+            </a:endParaRPr>
+          </a:p>
+          <a:p>
+            <a:r>
+              <a:rPr lang="en-US" sz="1600" b="1" dirty="0">
+                <a:latin typeface="Courier New" panose="02070309020205020404" pitchFamily="49" charset="0"/>
+                <a:cs typeface="Courier New" panose="02070309020205020404" pitchFamily="49" charset="0"/>
+              </a:rPr>
+              <a:t>int main() {</a:t>
+            </a:r>
+          </a:p>
+          <a:p>
+            <a:r>
+              <a:rPr lang="en-US" sz="1600" b="1" dirty="0">
+                <a:latin typeface="Courier New" panose="02070309020205020404" pitchFamily="49" charset="0"/>
+                <a:cs typeface="Courier New" panose="02070309020205020404" pitchFamily="49" charset="0"/>
+              </a:rPr>
+              <a:t>    union sample {</a:t>
+            </a:r>
+          </a:p>
+          <a:p>
+            <a:r>
+              <a:rPr lang="en-US" sz="1600" b="1" dirty="0">
+                <a:latin typeface="Courier New" panose="02070309020205020404" pitchFamily="49" charset="0"/>
+                <a:cs typeface="Courier New" panose="02070309020205020404" pitchFamily="49" charset="0"/>
+              </a:rPr>
+              <a:t>        int </a:t>
+            </a:r>
+            <a:r>
+              <a:rPr lang="en-US" sz="1600" b="1" dirty="0" err="1">
+                <a:latin typeface="Courier New" panose="02070309020205020404" pitchFamily="49" charset="0"/>
+                <a:cs typeface="Courier New" panose="02070309020205020404" pitchFamily="49" charset="0"/>
+              </a:rPr>
+              <a:t>i</a:t>
+            </a:r>
+            <a:r>
+              <a:rPr lang="en-US" sz="1600" b="1" dirty="0">
+                <a:latin typeface="Courier New" panose="02070309020205020404" pitchFamily="49" charset="0"/>
+                <a:cs typeface="Courier New" panose="02070309020205020404" pitchFamily="49" charset="0"/>
+              </a:rPr>
+              <a:t>;</a:t>
+            </a:r>
+          </a:p>
+          <a:p>
+            <a:r>
+              <a:rPr lang="en-US" sz="1600" b="1" dirty="0">
+                <a:latin typeface="Courier New" panose="02070309020205020404" pitchFamily="49" charset="0"/>
+                <a:cs typeface="Courier New" panose="02070309020205020404" pitchFamily="49" charset="0"/>
+              </a:rPr>
+              <a:t>        char ca[4];</a:t>
+            </a:r>
+          </a:p>
+          <a:p>
+            <a:r>
+              <a:rPr lang="en-US" sz="1600" b="1" dirty="0">
+                <a:latin typeface="Courier New" panose="02070309020205020404" pitchFamily="49" charset="0"/>
+                <a:cs typeface="Courier New" panose="02070309020205020404" pitchFamily="49" charset="0"/>
+              </a:rPr>
+              <a:t>        float f;</a:t>
+            </a:r>
+          </a:p>
+          <a:p>
+            <a:r>
+              <a:rPr lang="en-US" sz="1600" b="1" dirty="0">
+                <a:latin typeface="Courier New" panose="02070309020205020404" pitchFamily="49" charset="0"/>
+                <a:cs typeface="Courier New" panose="02070309020205020404" pitchFamily="49" charset="0"/>
+              </a:rPr>
+              <a:t>    } ;</a:t>
+            </a:r>
+          </a:p>
+          <a:p>
+            <a:r>
+              <a:rPr lang="en-US" sz="1600" b="1" dirty="0">
+                <a:latin typeface="Courier New" panose="02070309020205020404" pitchFamily="49" charset="0"/>
+                <a:cs typeface="Courier New" panose="02070309020205020404" pitchFamily="49" charset="0"/>
+              </a:rPr>
+              <a:t>    </a:t>
+            </a:r>
+          </a:p>
+          <a:p>
+            <a:r>
+              <a:rPr lang="en-US" sz="1600" b="1" dirty="0">
+                <a:latin typeface="Courier New" panose="02070309020205020404" pitchFamily="49" charset="0"/>
+                <a:cs typeface="Courier New" panose="02070309020205020404" pitchFamily="49" charset="0"/>
+              </a:rPr>
+              <a:t>    union sample u;</a:t>
+            </a:r>
+          </a:p>
+          <a:p>
+            <a:r>
+              <a:rPr lang="en-US" sz="1600" b="1" dirty="0">
+                <a:latin typeface="Courier New" panose="02070309020205020404" pitchFamily="49" charset="0"/>
+                <a:cs typeface="Courier New" panose="02070309020205020404" pitchFamily="49" charset="0"/>
+              </a:rPr>
+              <a:t>    </a:t>
+            </a:r>
+          </a:p>
+          <a:p>
+            <a:r>
+              <a:rPr lang="en-US" sz="1600" b="1" dirty="0">
+                <a:latin typeface="Courier New" panose="02070309020205020404" pitchFamily="49" charset="0"/>
+                <a:cs typeface="Courier New" panose="02070309020205020404" pitchFamily="49" charset="0"/>
+              </a:rPr>
+              <a:t>    </a:t>
+            </a:r>
+            <a:r>
+              <a:rPr lang="en-US" sz="1600" b="1" dirty="0" err="1">
+                <a:latin typeface="Courier New" panose="02070309020205020404" pitchFamily="49" charset="0"/>
+                <a:cs typeface="Courier New" panose="02070309020205020404" pitchFamily="49" charset="0"/>
+              </a:rPr>
+              <a:t>u.i</a:t>
+            </a:r>
+            <a:r>
+              <a:rPr lang="en-US" sz="1600" b="1" dirty="0">
+                <a:latin typeface="Courier New" panose="02070309020205020404" pitchFamily="49" charset="0"/>
+                <a:cs typeface="Courier New" panose="02070309020205020404" pitchFamily="49" charset="0"/>
+              </a:rPr>
+              <a:t> = 42;</a:t>
+            </a:r>
+          </a:p>
+          <a:p>
+            <a:r>
+              <a:rPr lang="en-US" sz="1600" b="1" dirty="0">
+                <a:latin typeface="Courier New" panose="02070309020205020404" pitchFamily="49" charset="0"/>
+                <a:cs typeface="Courier New" panose="02070309020205020404" pitchFamily="49" charset="0"/>
+              </a:rPr>
+              <a:t>    </a:t>
+            </a:r>
+            <a:r>
+              <a:rPr lang="en-US" sz="1600" b="1" dirty="0" err="1">
+                <a:latin typeface="Courier New" panose="02070309020205020404" pitchFamily="49" charset="0"/>
+                <a:cs typeface="Courier New" panose="02070309020205020404" pitchFamily="49" charset="0"/>
+              </a:rPr>
+              <a:t>printf</a:t>
+            </a:r>
+            <a:r>
+              <a:rPr lang="en-US" sz="1600" b="1" dirty="0">
+                <a:latin typeface="Courier New" panose="02070309020205020404" pitchFamily="49" charset="0"/>
+                <a:cs typeface="Courier New" panose="02070309020205020404" pitchFamily="49" charset="0"/>
+              </a:rPr>
+              <a:t>("%08x %f %s\n", </a:t>
+            </a:r>
+            <a:r>
+              <a:rPr lang="en-US" sz="1600" b="1" dirty="0" err="1">
+                <a:latin typeface="Courier New" panose="02070309020205020404" pitchFamily="49" charset="0"/>
+                <a:cs typeface="Courier New" panose="02070309020205020404" pitchFamily="49" charset="0"/>
+              </a:rPr>
+              <a:t>u.i</a:t>
+            </a:r>
+            <a:r>
+              <a:rPr lang="en-US" sz="1600" b="1" dirty="0">
+                <a:latin typeface="Courier New" panose="02070309020205020404" pitchFamily="49" charset="0"/>
+                <a:cs typeface="Courier New" panose="02070309020205020404" pitchFamily="49" charset="0"/>
+              </a:rPr>
+              <a:t>, </a:t>
+            </a:r>
+            <a:r>
+              <a:rPr lang="en-US" sz="1600" b="1" dirty="0" err="1">
+                <a:latin typeface="Courier New" panose="02070309020205020404" pitchFamily="49" charset="0"/>
+                <a:cs typeface="Courier New" panose="02070309020205020404" pitchFamily="49" charset="0"/>
+              </a:rPr>
+              <a:t>u.f</a:t>
+            </a:r>
+            <a:r>
+              <a:rPr lang="en-US" sz="1600" b="1" dirty="0">
+                <a:latin typeface="Courier New" panose="02070309020205020404" pitchFamily="49" charset="0"/>
+                <a:cs typeface="Courier New" panose="02070309020205020404" pitchFamily="49" charset="0"/>
+              </a:rPr>
+              <a:t>, </a:t>
+            </a:r>
+            <a:r>
+              <a:rPr lang="en-US" sz="1600" b="1" dirty="0" err="1">
+                <a:latin typeface="Courier New" panose="02070309020205020404" pitchFamily="49" charset="0"/>
+                <a:cs typeface="Courier New" panose="02070309020205020404" pitchFamily="49" charset="0"/>
+              </a:rPr>
+              <a:t>u.ca</a:t>
+            </a:r>
+            <a:r>
+              <a:rPr lang="en-US" sz="1600" b="1" dirty="0">
+                <a:latin typeface="Courier New" panose="02070309020205020404" pitchFamily="49" charset="0"/>
+                <a:cs typeface="Courier New" panose="02070309020205020404" pitchFamily="49" charset="0"/>
+              </a:rPr>
+              <a:t>);</a:t>
+            </a:r>
+          </a:p>
+          <a:p>
+            <a:endParaRPr lang="en-US" sz="1600" b="1" dirty="0">
+              <a:latin typeface="Courier New" panose="02070309020205020404" pitchFamily="49" charset="0"/>
+              <a:cs typeface="Courier New" panose="02070309020205020404" pitchFamily="49" charset="0"/>
+            </a:endParaRPr>
+          </a:p>
+          <a:p>
+            <a:r>
+              <a:rPr lang="en-US" sz="1600" b="1" dirty="0">
+                <a:latin typeface="Courier New" panose="02070309020205020404" pitchFamily="49" charset="0"/>
+                <a:cs typeface="Courier New" panose="02070309020205020404" pitchFamily="49" charset="0"/>
+              </a:rPr>
+              <a:t>    </a:t>
+            </a:r>
+            <a:r>
+              <a:rPr lang="en-US" sz="1600" b="1" dirty="0" err="1">
+                <a:latin typeface="Courier New" panose="02070309020205020404" pitchFamily="49" charset="0"/>
+                <a:cs typeface="Courier New" panose="02070309020205020404" pitchFamily="49" charset="0"/>
+              </a:rPr>
+              <a:t>strcpy</a:t>
+            </a:r>
+            <a:r>
+              <a:rPr lang="en-US" sz="1600" b="1" dirty="0">
+                <a:latin typeface="Courier New" panose="02070309020205020404" pitchFamily="49" charset="0"/>
+                <a:cs typeface="Courier New" panose="02070309020205020404" pitchFamily="49" charset="0"/>
+              </a:rPr>
+              <a:t>(</a:t>
+            </a:r>
+            <a:r>
+              <a:rPr lang="en-US" sz="1600" b="1" dirty="0" err="1">
+                <a:latin typeface="Courier New" panose="02070309020205020404" pitchFamily="49" charset="0"/>
+                <a:cs typeface="Courier New" panose="02070309020205020404" pitchFamily="49" charset="0"/>
+              </a:rPr>
+              <a:t>u.ca</a:t>
+            </a:r>
+            <a:r>
+              <a:rPr lang="en-US" sz="1600" b="1" dirty="0">
+                <a:latin typeface="Courier New" panose="02070309020205020404" pitchFamily="49" charset="0"/>
+                <a:cs typeface="Courier New" panose="02070309020205020404" pitchFamily="49" charset="0"/>
+              </a:rPr>
+              <a:t>, "</a:t>
+            </a:r>
+            <a:r>
+              <a:rPr lang="en-US" sz="1600" b="1" dirty="0" err="1">
+                <a:latin typeface="Courier New" panose="02070309020205020404" pitchFamily="49" charset="0"/>
+                <a:cs typeface="Courier New" panose="02070309020205020404" pitchFamily="49" charset="0"/>
+              </a:rPr>
+              <a:t>Abc</a:t>
+            </a:r>
+            <a:r>
+              <a:rPr lang="en-US" sz="1600" b="1" dirty="0">
+                <a:latin typeface="Courier New" panose="02070309020205020404" pitchFamily="49" charset="0"/>
+                <a:cs typeface="Courier New" panose="02070309020205020404" pitchFamily="49" charset="0"/>
+              </a:rPr>
+              <a:t>");</a:t>
+            </a:r>
+          </a:p>
+          <a:p>
+            <a:r>
+              <a:rPr lang="en-US" sz="1600" b="1" dirty="0">
+                <a:latin typeface="Courier New" panose="02070309020205020404" pitchFamily="49" charset="0"/>
+                <a:cs typeface="Courier New" panose="02070309020205020404" pitchFamily="49" charset="0"/>
+              </a:rPr>
+              <a:t>    </a:t>
+            </a:r>
+            <a:r>
+              <a:rPr lang="en-US" sz="1600" b="1" dirty="0" err="1">
+                <a:latin typeface="Courier New" panose="02070309020205020404" pitchFamily="49" charset="0"/>
+                <a:cs typeface="Courier New" panose="02070309020205020404" pitchFamily="49" charset="0"/>
+              </a:rPr>
+              <a:t>printf</a:t>
+            </a:r>
+            <a:r>
+              <a:rPr lang="en-US" sz="1600" b="1" dirty="0">
+                <a:latin typeface="Courier New" panose="02070309020205020404" pitchFamily="49" charset="0"/>
+                <a:cs typeface="Courier New" panose="02070309020205020404" pitchFamily="49" charset="0"/>
+              </a:rPr>
+              <a:t>("%08x %f %s\n", </a:t>
+            </a:r>
+            <a:r>
+              <a:rPr lang="en-US" sz="1600" b="1" dirty="0" err="1">
+                <a:latin typeface="Courier New" panose="02070309020205020404" pitchFamily="49" charset="0"/>
+                <a:cs typeface="Courier New" panose="02070309020205020404" pitchFamily="49" charset="0"/>
+              </a:rPr>
+              <a:t>u.i</a:t>
+            </a:r>
+            <a:r>
+              <a:rPr lang="en-US" sz="1600" b="1" dirty="0">
+                <a:latin typeface="Courier New" panose="02070309020205020404" pitchFamily="49" charset="0"/>
+                <a:cs typeface="Courier New" panose="02070309020205020404" pitchFamily="49" charset="0"/>
+              </a:rPr>
+              <a:t>, </a:t>
+            </a:r>
+            <a:r>
+              <a:rPr lang="en-US" sz="1600" b="1" dirty="0" err="1">
+                <a:latin typeface="Courier New" panose="02070309020205020404" pitchFamily="49" charset="0"/>
+                <a:cs typeface="Courier New" panose="02070309020205020404" pitchFamily="49" charset="0"/>
+              </a:rPr>
+              <a:t>u.f</a:t>
+            </a:r>
+            <a:r>
+              <a:rPr lang="en-US" sz="1600" b="1" dirty="0">
+                <a:latin typeface="Courier New" panose="02070309020205020404" pitchFamily="49" charset="0"/>
+                <a:cs typeface="Courier New" panose="02070309020205020404" pitchFamily="49" charset="0"/>
+              </a:rPr>
+              <a:t>, </a:t>
+            </a:r>
+            <a:r>
+              <a:rPr lang="en-US" sz="1600" b="1" dirty="0" err="1">
+                <a:latin typeface="Courier New" panose="02070309020205020404" pitchFamily="49" charset="0"/>
+                <a:cs typeface="Courier New" panose="02070309020205020404" pitchFamily="49" charset="0"/>
+              </a:rPr>
+              <a:t>u.ca</a:t>
+            </a:r>
+            <a:r>
+              <a:rPr lang="en-US" sz="1600" b="1" dirty="0">
+                <a:latin typeface="Courier New" panose="02070309020205020404" pitchFamily="49" charset="0"/>
+                <a:cs typeface="Courier New" panose="02070309020205020404" pitchFamily="49" charset="0"/>
+              </a:rPr>
+              <a:t>);</a:t>
+            </a:r>
+          </a:p>
+          <a:p>
+            <a:endParaRPr lang="en-US" sz="1600" b="1" dirty="0">
+              <a:latin typeface="Courier New" panose="02070309020205020404" pitchFamily="49" charset="0"/>
+              <a:cs typeface="Courier New" panose="02070309020205020404" pitchFamily="49" charset="0"/>
+            </a:endParaRPr>
+          </a:p>
+          <a:p>
+            <a:r>
+              <a:rPr lang="en-US" sz="1600" b="1" dirty="0">
+                <a:latin typeface="Courier New" panose="02070309020205020404" pitchFamily="49" charset="0"/>
+                <a:cs typeface="Courier New" panose="02070309020205020404" pitchFamily="49" charset="0"/>
+              </a:rPr>
+              <a:t>    </a:t>
+            </a:r>
+            <a:r>
+              <a:rPr lang="en-US" sz="1600" b="1" dirty="0" err="1">
+                <a:latin typeface="Courier New" panose="02070309020205020404" pitchFamily="49" charset="0"/>
+                <a:cs typeface="Courier New" panose="02070309020205020404" pitchFamily="49" charset="0"/>
+              </a:rPr>
+              <a:t>u.f</a:t>
+            </a:r>
+            <a:r>
+              <a:rPr lang="en-US" sz="1600" b="1" dirty="0">
+                <a:latin typeface="Courier New" panose="02070309020205020404" pitchFamily="49" charset="0"/>
+                <a:cs typeface="Courier New" panose="02070309020205020404" pitchFamily="49" charset="0"/>
+              </a:rPr>
+              <a:t> = 1.0/3.0;</a:t>
+            </a:r>
+          </a:p>
+          <a:p>
+            <a:r>
+              <a:rPr lang="en-US" sz="1600" b="1" dirty="0">
+                <a:latin typeface="Courier New" panose="02070309020205020404" pitchFamily="49" charset="0"/>
+                <a:cs typeface="Courier New" panose="02070309020205020404" pitchFamily="49" charset="0"/>
+              </a:rPr>
+              <a:t>    </a:t>
+            </a:r>
+            <a:r>
+              <a:rPr lang="en-US" sz="1600" b="1" dirty="0" err="1">
+                <a:latin typeface="Courier New" panose="02070309020205020404" pitchFamily="49" charset="0"/>
+                <a:cs typeface="Courier New" panose="02070309020205020404" pitchFamily="49" charset="0"/>
+              </a:rPr>
+              <a:t>printf</a:t>
+            </a:r>
+            <a:r>
+              <a:rPr lang="en-US" sz="1600" b="1" dirty="0">
+                <a:latin typeface="Courier New" panose="02070309020205020404" pitchFamily="49" charset="0"/>
+                <a:cs typeface="Courier New" panose="02070309020205020404" pitchFamily="49" charset="0"/>
+              </a:rPr>
+              <a:t>("%08x %f %s\n", </a:t>
+            </a:r>
+            <a:r>
+              <a:rPr lang="en-US" sz="1600" b="1" dirty="0" err="1">
+                <a:latin typeface="Courier New" panose="02070309020205020404" pitchFamily="49" charset="0"/>
+                <a:cs typeface="Courier New" panose="02070309020205020404" pitchFamily="49" charset="0"/>
+              </a:rPr>
+              <a:t>u.i</a:t>
+            </a:r>
+            <a:r>
+              <a:rPr lang="en-US" sz="1600" b="1" dirty="0">
+                <a:latin typeface="Courier New" panose="02070309020205020404" pitchFamily="49" charset="0"/>
+                <a:cs typeface="Courier New" panose="02070309020205020404" pitchFamily="49" charset="0"/>
+              </a:rPr>
+              <a:t>, </a:t>
+            </a:r>
+            <a:r>
+              <a:rPr lang="en-US" sz="1600" b="1" dirty="0" err="1">
+                <a:latin typeface="Courier New" panose="02070309020205020404" pitchFamily="49" charset="0"/>
+                <a:cs typeface="Courier New" panose="02070309020205020404" pitchFamily="49" charset="0"/>
+              </a:rPr>
+              <a:t>u.f</a:t>
+            </a:r>
+            <a:r>
+              <a:rPr lang="en-US" sz="1600" b="1" dirty="0">
+                <a:latin typeface="Courier New" panose="02070309020205020404" pitchFamily="49" charset="0"/>
+                <a:cs typeface="Courier New" panose="02070309020205020404" pitchFamily="49" charset="0"/>
+              </a:rPr>
+              <a:t>, </a:t>
+            </a:r>
+            <a:r>
+              <a:rPr lang="en-US" sz="1600" b="1" dirty="0" err="1">
+                <a:latin typeface="Courier New" panose="02070309020205020404" pitchFamily="49" charset="0"/>
+                <a:cs typeface="Courier New" panose="02070309020205020404" pitchFamily="49" charset="0"/>
+              </a:rPr>
+              <a:t>u.ca</a:t>
+            </a:r>
+            <a:r>
+              <a:rPr lang="en-US" sz="1600" b="1" dirty="0">
+                <a:latin typeface="Courier New" panose="02070309020205020404" pitchFamily="49" charset="0"/>
+                <a:cs typeface="Courier New" panose="02070309020205020404" pitchFamily="49" charset="0"/>
+              </a:rPr>
+              <a:t>);</a:t>
+            </a:r>
+          </a:p>
+          <a:p>
+            <a:r>
+              <a:rPr lang="en-US" sz="1600" b="1" dirty="0">
+                <a:latin typeface="Courier New" panose="02070309020205020404" pitchFamily="49" charset="0"/>
+                <a:cs typeface="Courier New" panose="02070309020205020404" pitchFamily="49" charset="0"/>
+              </a:rPr>
+              <a:t>}</a:t>
+            </a:r>
+          </a:p>
+        </p:txBody>
+      </p:sp>
+      <p:sp>
+        <p:nvSpPr>
+          <p:cNvPr id="6" name="TextBox 5">
+            <a:extLst>
+              <a:ext uri="{FF2B5EF4-FFF2-40B4-BE49-F238E27FC236}">
+                <a16:creationId xmlns:a16="http://schemas.microsoft.com/office/drawing/2014/main" id="{161614A9-F8FA-A605-2AFC-E1D63A7E6239}"/>
+              </a:ext>
+            </a:extLst>
+          </p:cNvPr>
+          <p:cNvSpPr txBox="1"/>
+          <p:nvPr/>
+        </p:nvSpPr>
+        <p:spPr>
+          <a:xfrm>
+            <a:off x="10746560" y="6338986"/>
+            <a:ext cx="1382485" cy="307777"/>
+          </a:xfrm>
+          <a:prstGeom prst="rect">
+            <a:avLst/>
+          </a:prstGeom>
+          <a:noFill/>
+        </p:spPr>
+        <p:txBody>
+          <a:bodyPr wrap="square">
+            <a:spAutoFit/>
+          </a:bodyPr>
+          <a:lstStyle/>
+          <a:p>
+            <a:r>
+              <a:rPr lang="en-US" sz="1400" b="1" dirty="0">
+                <a:solidFill>
+                  <a:srgbClr val="000000"/>
+                </a:solidFill>
+                <a:latin typeface="Menlo" panose="020B0609030804020204" pitchFamily="49" charset="0"/>
+              </a:rPr>
+              <a:t>kr_06_10.c</a:t>
+            </a:r>
+          </a:p>
+        </p:txBody>
+      </p:sp>
+      <p:sp>
+        <p:nvSpPr>
+          <p:cNvPr id="8" name="TextBox 7">
+            <a:extLst>
+              <a:ext uri="{FF2B5EF4-FFF2-40B4-BE49-F238E27FC236}">
+                <a16:creationId xmlns:a16="http://schemas.microsoft.com/office/drawing/2014/main" id="{8D31FF38-F875-2916-FEFB-BBFE0F28A448}"/>
+              </a:ext>
+            </a:extLst>
+          </p:cNvPr>
+          <p:cNvSpPr txBox="1"/>
+          <p:nvPr/>
+        </p:nvSpPr>
+        <p:spPr>
+          <a:xfrm>
+            <a:off x="1678781" y="4041675"/>
+            <a:ext cx="4417219" cy="923330"/>
+          </a:xfrm>
+          <a:prstGeom prst="rect">
+            <a:avLst/>
+          </a:prstGeom>
+          <a:noFill/>
+        </p:spPr>
+        <p:txBody>
+          <a:bodyPr wrap="square">
+            <a:spAutoFit/>
+          </a:bodyPr>
+          <a:lstStyle/>
+          <a:p>
+            <a:r>
+              <a:rPr lang="en-US" b="1" dirty="0">
+                <a:latin typeface="Courier New" panose="02070309020205020404" pitchFamily="49" charset="0"/>
+                <a:cs typeface="Courier New" panose="02070309020205020404" pitchFamily="49" charset="0"/>
+              </a:rPr>
+              <a:t>0000002a 0.000000 *</a:t>
+            </a:r>
+          </a:p>
+          <a:p>
+            <a:r>
+              <a:rPr lang="en-US" b="1" dirty="0">
+                <a:latin typeface="Courier New" panose="02070309020205020404" pitchFamily="49" charset="0"/>
+                <a:cs typeface="Courier New" panose="02070309020205020404" pitchFamily="49" charset="0"/>
+              </a:rPr>
+              <a:t>00636241 0.000000 </a:t>
+            </a:r>
+            <a:r>
+              <a:rPr lang="en-US" b="1" dirty="0" err="1">
+                <a:latin typeface="Courier New" panose="02070309020205020404" pitchFamily="49" charset="0"/>
+                <a:cs typeface="Courier New" panose="02070309020205020404" pitchFamily="49" charset="0"/>
+              </a:rPr>
+              <a:t>Abc</a:t>
+            </a:r>
+            <a:endParaRPr lang="en-US" b="1" dirty="0">
+              <a:latin typeface="Courier New" panose="02070309020205020404" pitchFamily="49" charset="0"/>
+              <a:cs typeface="Courier New" panose="02070309020205020404" pitchFamily="49" charset="0"/>
+            </a:endParaRPr>
+          </a:p>
+          <a:p>
+            <a:r>
+              <a:rPr lang="en-US" b="1" dirty="0">
+                <a:latin typeface="Courier New" panose="02070309020205020404" pitchFamily="49" charset="0"/>
+                <a:cs typeface="Courier New" panose="02070309020205020404" pitchFamily="49" charset="0"/>
+              </a:rPr>
+              <a:t>3eaaaaab 0.333333 ???</a:t>
+            </a:r>
+            <a:r>
+              <a:rPr lang="en-US" b="1" dirty="0">
+                <a:solidFill>
+                  <a:srgbClr val="FF0000"/>
+                </a:solidFill>
+                <a:latin typeface="Courier New" panose="02070309020205020404" pitchFamily="49" charset="0"/>
+                <a:cs typeface="Courier New" panose="02070309020205020404" pitchFamily="49" charset="0"/>
+              </a:rPr>
+              <a:t>&gt;@?</a:t>
+            </a:r>
+            <a:r>
+              <a:rPr lang="en-US" b="1" dirty="0" err="1">
+                <a:solidFill>
+                  <a:srgbClr val="FF0000"/>
+                </a:solidFill>
+                <a:latin typeface="Courier New" panose="02070309020205020404" pitchFamily="49" charset="0"/>
+                <a:cs typeface="Courier New" panose="02070309020205020404" pitchFamily="49" charset="0"/>
+              </a:rPr>
+              <a:t>Hk</a:t>
+            </a:r>
+            <a:endParaRPr lang="en-US" b="1" dirty="0">
+              <a:solidFill>
+                <a:srgbClr val="FF0000"/>
+              </a:solidFill>
+              <a:latin typeface="Courier New" panose="02070309020205020404" pitchFamily="49" charset="0"/>
+              <a:cs typeface="Courier New" panose="02070309020205020404" pitchFamily="49" charset="0"/>
+            </a:endParaRPr>
+          </a:p>
+        </p:txBody>
+      </p:sp>
+    </p:spTree>
+    <p:extLst>
+      <p:ext uri="{BB962C8B-B14F-4D97-AF65-F5344CB8AC3E}">
+        <p14:creationId xmlns:p14="http://schemas.microsoft.com/office/powerpoint/2010/main" val="343470896"/>
+      </p:ext>
+    </p:extLst>
+  </p:cSld>
+  <p:clrMapOvr>
+    <a:masterClrMapping/>
+  </p:clrMapOvr>
+</p:sld>
+</file>
+
+<file path=ppt/slides/slide4.xml><?xml version="1.0" encoding="utf-8"?>
+<p:sld xmlns:a="http://schemas.openxmlformats.org/drawingml/2006/main" xmlns:r="http://schemas.openxmlformats.org/officeDocument/2006/relationships" xmlns:p="http://schemas.openxmlformats.org/presentationml/2006/main">
+  <p:cSld>
+    <p:spTree>
+      <p:nvGrpSpPr>
+        <p:cNvPr id="1" name=""/>
+        <p:cNvGrpSpPr/>
+        <p:nvPr/>
+      </p:nvGrpSpPr>
+      <p:grpSpPr>
+        <a:xfrm>
+          <a:off x="0" y="0"/>
+          <a:ext cx="0" cy="0"/>
+          <a:chOff x="0" y="0"/>
+          <a:chExt cx="0" cy="0"/>
+        </a:xfrm>
+      </p:grpSpPr>
+      <p:sp>
+        <p:nvSpPr>
+          <p:cNvPr id="2" name="Title 1">
+            <a:extLst>
+              <a:ext uri="{FF2B5EF4-FFF2-40B4-BE49-F238E27FC236}">
+                <a16:creationId xmlns:a16="http://schemas.microsoft.com/office/drawing/2014/main" id="{BF90D539-40B6-0353-D2DC-CF3A5D495E49}"/>
+              </a:ext>
+            </a:extLst>
+          </p:cNvPr>
+          <p:cNvSpPr>
+            <a:spLocks noGrp="1"/>
+          </p:cNvSpPr>
+          <p:nvPr>
+            <p:ph type="title"/>
+          </p:nvPr>
+        </p:nvSpPr>
+        <p:spPr>
+          <a:xfrm>
+            <a:off x="838200" y="365125"/>
+            <a:ext cx="5257800" cy="1325563"/>
+          </a:xfrm>
+        </p:spPr>
+        <p:txBody>
+          <a:bodyPr/>
+          <a:lstStyle/>
+          <a:p>
+            <a:r>
+              <a:rPr lang="en-US" dirty="0"/>
+              <a:t>“Stopping by Woods on a Snowy Evening”</a:t>
+            </a:r>
+          </a:p>
+        </p:txBody>
+      </p:sp>
+      <p:sp>
+        <p:nvSpPr>
+          <p:cNvPr id="5" name="TextBox 4">
+            <a:extLst>
+              <a:ext uri="{FF2B5EF4-FFF2-40B4-BE49-F238E27FC236}">
+                <a16:creationId xmlns:a16="http://schemas.microsoft.com/office/drawing/2014/main" id="{091570B3-BA99-897C-5C83-8D6AAB736867}"/>
+              </a:ext>
+            </a:extLst>
+          </p:cNvPr>
+          <p:cNvSpPr txBox="1"/>
+          <p:nvPr/>
+        </p:nvSpPr>
+        <p:spPr>
+          <a:xfrm>
+            <a:off x="962478" y="5809683"/>
+            <a:ext cx="5974441" cy="307777"/>
+          </a:xfrm>
+          <a:prstGeom prst="rect">
+            <a:avLst/>
+          </a:prstGeom>
+          <a:noFill/>
+        </p:spPr>
+        <p:txBody>
+          <a:bodyPr wrap="square">
+            <a:spAutoFit/>
+          </a:bodyPr>
+          <a:lstStyle/>
+          <a:p>
+            <a:r>
+              <a:rPr lang="en-US" sz="1400" dirty="0"/>
+              <a:t>https://</a:t>
+            </a:r>
+            <a:r>
+              <a:rPr lang="en-US" sz="1400" dirty="0" err="1"/>
+              <a:t>en.wikipedia.org</a:t>
+            </a:r>
+            <a:r>
+              <a:rPr lang="en-US" sz="1400" dirty="0"/>
+              <a:t>/wiki/</a:t>
+            </a:r>
+            <a:r>
+              <a:rPr lang="en-US" sz="1400" dirty="0" err="1"/>
+              <a:t>Wikipedia:Taking_the_road_less_traveled</a:t>
+            </a:r>
+            <a:endParaRPr lang="en-US" sz="1400" dirty="0"/>
+          </a:p>
+        </p:txBody>
+      </p:sp>
+      <p:pic>
+        <p:nvPicPr>
+          <p:cNvPr id="7" name="Picture 6" descr="A Picture of Robert Frost taken around 1910, from Wikipedia.">
+            <a:extLst>
+              <a:ext uri="{FF2B5EF4-FFF2-40B4-BE49-F238E27FC236}">
+                <a16:creationId xmlns:a16="http://schemas.microsoft.com/office/drawing/2014/main" id="{248AF269-AB34-F3C9-3BBD-3B9E9803F110}"/>
+              </a:ext>
+            </a:extLst>
+          </p:cNvPr>
+          <p:cNvPicPr>
+            <a:picLocks noChangeAspect="1"/>
+          </p:cNvPicPr>
+          <p:nvPr/>
+        </p:nvPicPr>
+        <p:blipFill>
+          <a:blip r:embed="rId2"/>
+          <a:stretch>
+            <a:fillRect/>
+          </a:stretch>
+        </p:blipFill>
+        <p:spPr>
+          <a:xfrm>
+            <a:off x="2234108" y="2023552"/>
+            <a:ext cx="1987012" cy="2810895"/>
+          </a:xfrm>
+          <a:prstGeom prst="rect">
+            <a:avLst/>
+          </a:prstGeom>
+        </p:spPr>
+      </p:pic>
+      <p:sp>
+        <p:nvSpPr>
+          <p:cNvPr id="10" name="TextBox 9">
+            <a:extLst>
+              <a:ext uri="{FF2B5EF4-FFF2-40B4-BE49-F238E27FC236}">
+                <a16:creationId xmlns:a16="http://schemas.microsoft.com/office/drawing/2014/main" id="{087F4740-D7B1-132B-BE51-8AE92023F4CD}"/>
+              </a:ext>
+            </a:extLst>
+          </p:cNvPr>
+          <p:cNvSpPr txBox="1"/>
+          <p:nvPr/>
+        </p:nvSpPr>
+        <p:spPr>
+          <a:xfrm>
+            <a:off x="7272926" y="608259"/>
+            <a:ext cx="3956596" cy="5355312"/>
+          </a:xfrm>
+          <a:prstGeom prst="rect">
+            <a:avLst/>
+          </a:prstGeom>
+          <a:noFill/>
+        </p:spPr>
+        <p:txBody>
+          <a:bodyPr wrap="none" rtlCol="0">
+            <a:spAutoFit/>
+          </a:bodyPr>
+          <a:lstStyle/>
+          <a:p>
+            <a:r>
+              <a:rPr lang="en-US" dirty="0"/>
+              <a:t>Whose woods these are I think I know.   </a:t>
+            </a:r>
+          </a:p>
+          <a:p>
+            <a:r>
+              <a:rPr lang="en-US" dirty="0"/>
+              <a:t>His house is in the village though;   </a:t>
+            </a:r>
+          </a:p>
+          <a:p>
+            <a:r>
+              <a:rPr lang="en-US" dirty="0"/>
+              <a:t>He will not see me stopping here   </a:t>
+            </a:r>
+          </a:p>
+          <a:p>
+            <a:r>
+              <a:rPr lang="en-US" dirty="0"/>
+              <a:t>To watch his woods fill up with snow.   </a:t>
+            </a:r>
+          </a:p>
+          <a:p>
+            <a:endParaRPr lang="en-US" dirty="0"/>
+          </a:p>
+          <a:p>
+            <a:r>
+              <a:rPr lang="en-US" dirty="0"/>
+              <a:t>My little horse must think it queer   </a:t>
+            </a:r>
+          </a:p>
+          <a:p>
+            <a:r>
+              <a:rPr lang="en-US" dirty="0"/>
+              <a:t>To stop without a farmhouse near   </a:t>
+            </a:r>
+          </a:p>
+          <a:p>
+            <a:r>
+              <a:rPr lang="en-US" dirty="0"/>
+              <a:t>Between the woods and frozen lake   </a:t>
+            </a:r>
+          </a:p>
+          <a:p>
+            <a:r>
+              <a:rPr lang="en-US" dirty="0"/>
+              <a:t>The darkest evening of the year.   </a:t>
+            </a:r>
+          </a:p>
+          <a:p>
+            <a:endParaRPr lang="en-US" dirty="0"/>
+          </a:p>
+          <a:p>
+            <a:r>
+              <a:rPr lang="en-US" dirty="0"/>
+              <a:t>He gives his harness bells a shake   </a:t>
+            </a:r>
+          </a:p>
+          <a:p>
+            <a:r>
+              <a:rPr lang="en-US" dirty="0"/>
+              <a:t>To ask if there is some mistake.   </a:t>
+            </a:r>
+          </a:p>
+          <a:p>
+            <a:r>
+              <a:rPr lang="en-US" dirty="0"/>
+              <a:t>The only other sound’s the sweep   </a:t>
+            </a:r>
+          </a:p>
+          <a:p>
+            <a:r>
+              <a:rPr lang="en-US" dirty="0"/>
+              <a:t>Of easy wind and downy flake.   </a:t>
+            </a:r>
+          </a:p>
+          <a:p>
+            <a:endParaRPr lang="en-US" dirty="0"/>
+          </a:p>
+          <a:p>
+            <a:r>
+              <a:rPr lang="en-US" dirty="0"/>
+              <a:t>The woods are lovely, dark and deep,   </a:t>
+            </a:r>
+          </a:p>
+          <a:p>
+            <a:r>
+              <a:rPr lang="en-US" dirty="0"/>
+              <a:t>But I have promises to keep,   </a:t>
+            </a:r>
+          </a:p>
+          <a:p>
+            <a:r>
+              <a:rPr lang="en-US" dirty="0"/>
+              <a:t>And miles to go before I sleep,   </a:t>
+            </a:r>
+          </a:p>
+          <a:p>
+            <a:r>
+              <a:rPr lang="en-US" dirty="0"/>
+              <a:t>And miles to go before I sleep.</a:t>
+            </a:r>
+          </a:p>
+        </p:txBody>
+      </p:sp>
+    </p:spTree>
+    <p:extLst>
+      <p:ext uri="{BB962C8B-B14F-4D97-AF65-F5344CB8AC3E}">
+        <p14:creationId xmlns:p14="http://schemas.microsoft.com/office/powerpoint/2010/main" val="2966333550"/>
+      </p:ext>
+    </p:extLst>
+  </p:cSld>
+  <p:clrMapOvr>
+    <a:masterClrMapping/>
+  </p:clrMapOvr>
+</p:sld>
+</file>
+
+<file path=ppt/slides/slide40.xml><?xml version="1.0" encoding="utf-8"?>
+<p:sld xmlns:a="http://schemas.openxmlformats.org/drawingml/2006/main" xmlns:r="http://schemas.openxmlformats.org/officeDocument/2006/relationships" xmlns:p="http://schemas.openxmlformats.org/presentationml/2006/main">
+  <p:cSld>
+    <p:spTree>
+      <p:nvGrpSpPr>
+        <p:cNvPr id="1" name=""/>
+        <p:cNvGrpSpPr/>
+        <p:nvPr/>
+      </p:nvGrpSpPr>
+      <p:grpSpPr>
+        <a:xfrm>
+          <a:off x="0" y="0"/>
+          <a:ext cx="0" cy="0"/>
+          <a:chOff x="0" y="0"/>
+          <a:chExt cx="0" cy="0"/>
+        </a:xfrm>
+      </p:grpSpPr>
+      <p:sp>
+        <p:nvSpPr>
+          <p:cNvPr id="2" name="Title 1">
+            <a:extLst>
+              <a:ext uri="{FF2B5EF4-FFF2-40B4-BE49-F238E27FC236}">
+                <a16:creationId xmlns:a16="http://schemas.microsoft.com/office/drawing/2014/main" id="{49818FBA-C247-EB80-D4B6-7507BCCF46DA}"/>
+              </a:ext>
+            </a:extLst>
+          </p:cNvPr>
+          <p:cNvSpPr>
+            <a:spLocks noGrp="1"/>
+          </p:cNvSpPr>
+          <p:nvPr>
+            <p:ph type="title"/>
+          </p:nvPr>
+        </p:nvSpPr>
+        <p:spPr/>
+        <p:txBody>
+          <a:bodyPr/>
+          <a:lstStyle/>
+          <a:p>
+            <a:r>
+              <a:rPr lang="en-US" dirty="0"/>
+              <a:t>6.7 Fields – Getting at the bits </a:t>
+            </a:r>
+            <a:r>
+              <a:rPr lang="en-US" dirty="0">
+                <a:sym typeface="Wingdings" pitchFamily="2" charset="2"/>
+              </a:rPr>
+              <a:t></a:t>
+            </a:r>
+            <a:endParaRPr lang="en-US" dirty="0"/>
+          </a:p>
+        </p:txBody>
+      </p:sp>
+      <p:sp>
+        <p:nvSpPr>
+          <p:cNvPr id="3" name="Content Placeholder 2">
+            <a:extLst>
+              <a:ext uri="{FF2B5EF4-FFF2-40B4-BE49-F238E27FC236}">
+                <a16:creationId xmlns:a16="http://schemas.microsoft.com/office/drawing/2014/main" id="{B0A127CF-2FB7-5A58-99EF-532D13FCA4EE}"/>
+              </a:ext>
+            </a:extLst>
+          </p:cNvPr>
+          <p:cNvSpPr>
+            <a:spLocks noGrp="1"/>
+          </p:cNvSpPr>
+          <p:nvPr>
+            <p:ph idx="1"/>
+          </p:nvPr>
+        </p:nvSpPr>
+        <p:spPr>
+          <a:xfrm>
+            <a:off x="838199" y="1825625"/>
+            <a:ext cx="5948363" cy="1603375"/>
+          </a:xfrm>
+        </p:spPr>
+        <p:txBody>
+          <a:bodyPr/>
+          <a:lstStyle/>
+          <a:p>
+            <a:r>
+              <a:rPr lang="en-US" dirty="0"/>
+              <a:t>Using a struct with small unsigned integers we can allocate, arrange, and pack values as small as a single bit</a:t>
+            </a:r>
+          </a:p>
+        </p:txBody>
+      </p:sp>
+      <p:sp>
+        <p:nvSpPr>
+          <p:cNvPr id="4" name="TextBox 3">
+            <a:extLst>
+              <a:ext uri="{FF2B5EF4-FFF2-40B4-BE49-F238E27FC236}">
+                <a16:creationId xmlns:a16="http://schemas.microsoft.com/office/drawing/2014/main" id="{E7925B85-BA0B-622F-33FD-072C4127C06C}"/>
+              </a:ext>
+            </a:extLst>
+          </p:cNvPr>
+          <p:cNvSpPr txBox="1"/>
+          <p:nvPr/>
+        </p:nvSpPr>
+        <p:spPr>
+          <a:xfrm>
+            <a:off x="7303337" y="1554162"/>
+            <a:ext cx="4134465" cy="4524315"/>
+          </a:xfrm>
+          <a:prstGeom prst="rect">
+            <a:avLst/>
+          </a:prstGeom>
+          <a:noFill/>
+        </p:spPr>
+        <p:txBody>
+          <a:bodyPr wrap="none" rtlCol="0">
+            <a:spAutoFit/>
+          </a:bodyPr>
+          <a:lstStyle/>
+          <a:p>
+            <a:r>
+              <a:rPr lang="en-US" sz="1600" b="1" dirty="0">
+                <a:latin typeface="Courier New" panose="02070309020205020404" pitchFamily="49" charset="0"/>
+                <a:cs typeface="Courier New" panose="02070309020205020404" pitchFamily="49" charset="0"/>
+              </a:rPr>
+              <a:t>int main() {</a:t>
+            </a:r>
+          </a:p>
+          <a:p>
+            <a:r>
+              <a:rPr lang="en-US" sz="1600" b="1" dirty="0">
+                <a:latin typeface="Courier New" panose="02070309020205020404" pitchFamily="49" charset="0"/>
+                <a:cs typeface="Courier New" panose="02070309020205020404" pitchFamily="49" charset="0"/>
+              </a:rPr>
+              <a:t>    union instruction {</a:t>
+            </a:r>
+          </a:p>
+          <a:p>
+            <a:r>
+              <a:rPr lang="en-US" sz="1600" b="1" dirty="0">
+                <a:latin typeface="Courier New" panose="02070309020205020404" pitchFamily="49" charset="0"/>
+                <a:cs typeface="Courier New" panose="02070309020205020404" pitchFamily="49" charset="0"/>
+              </a:rPr>
+              <a:t>        char </a:t>
+            </a:r>
+            <a:r>
+              <a:rPr lang="en-US" sz="1600" b="1" dirty="0" err="1">
+                <a:latin typeface="Courier New" panose="02070309020205020404" pitchFamily="49" charset="0"/>
+                <a:cs typeface="Courier New" panose="02070309020205020404" pitchFamily="49" charset="0"/>
+              </a:rPr>
+              <a:t>ch</a:t>
+            </a:r>
+            <a:r>
+              <a:rPr lang="en-US" sz="1600" b="1" dirty="0">
+                <a:latin typeface="Courier New" panose="02070309020205020404" pitchFamily="49" charset="0"/>
+                <a:cs typeface="Courier New" panose="02070309020205020404" pitchFamily="49" charset="0"/>
+              </a:rPr>
+              <a:t>;</a:t>
+            </a:r>
+          </a:p>
+          <a:p>
+            <a:r>
+              <a:rPr lang="en-US" sz="1600" b="1" dirty="0">
+                <a:latin typeface="Courier New" panose="02070309020205020404" pitchFamily="49" charset="0"/>
+                <a:cs typeface="Courier New" panose="02070309020205020404" pitchFamily="49" charset="0"/>
+              </a:rPr>
+              <a:t>        struct {</a:t>
+            </a:r>
+          </a:p>
+          <a:p>
+            <a:r>
+              <a:rPr lang="en-US" sz="1600" b="1" dirty="0">
+                <a:latin typeface="Courier New" panose="02070309020205020404" pitchFamily="49" charset="0"/>
+                <a:cs typeface="Courier New" panose="02070309020205020404" pitchFamily="49" charset="0"/>
+              </a:rPr>
+              <a:t>            unsigned top : 2;</a:t>
+            </a:r>
+          </a:p>
+          <a:p>
+            <a:r>
+              <a:rPr lang="en-US" sz="1600" b="1" dirty="0">
+                <a:latin typeface="Courier New" panose="02070309020205020404" pitchFamily="49" charset="0"/>
+                <a:cs typeface="Courier New" panose="02070309020205020404" pitchFamily="49" charset="0"/>
+              </a:rPr>
+              <a:t>            unsigned bottom : 6;</a:t>
+            </a:r>
+          </a:p>
+          <a:p>
+            <a:r>
+              <a:rPr lang="en-US" sz="1600" b="1" dirty="0">
+                <a:latin typeface="Courier New" panose="02070309020205020404" pitchFamily="49" charset="0"/>
+                <a:cs typeface="Courier New" panose="02070309020205020404" pitchFamily="49" charset="0"/>
+              </a:rPr>
+              <a:t>        } parts;</a:t>
+            </a:r>
+          </a:p>
+          <a:p>
+            <a:r>
+              <a:rPr lang="en-US" sz="1600" b="1" dirty="0">
+                <a:latin typeface="Courier New" panose="02070309020205020404" pitchFamily="49" charset="0"/>
+                <a:cs typeface="Courier New" panose="02070309020205020404" pitchFamily="49" charset="0"/>
+              </a:rPr>
+              <a:t>    } ;</a:t>
+            </a:r>
+          </a:p>
+          <a:p>
+            <a:endParaRPr lang="en-US" sz="1600" b="1" dirty="0">
+              <a:latin typeface="Courier New" panose="02070309020205020404" pitchFamily="49" charset="0"/>
+              <a:cs typeface="Courier New" panose="02070309020205020404" pitchFamily="49" charset="0"/>
+            </a:endParaRPr>
+          </a:p>
+          <a:p>
+            <a:r>
+              <a:rPr lang="en-US" sz="1600" b="1" dirty="0">
+                <a:latin typeface="Courier New" panose="02070309020205020404" pitchFamily="49" charset="0"/>
+                <a:cs typeface="Courier New" panose="02070309020205020404" pitchFamily="49" charset="0"/>
+              </a:rPr>
+              <a:t>    union instruction </a:t>
+            </a:r>
+            <a:r>
+              <a:rPr lang="en-US" sz="1600" b="1" dirty="0" err="1">
+                <a:latin typeface="Courier New" panose="02070309020205020404" pitchFamily="49" charset="0"/>
+                <a:cs typeface="Courier New" panose="02070309020205020404" pitchFamily="49" charset="0"/>
+              </a:rPr>
+              <a:t>inst</a:t>
+            </a:r>
+            <a:r>
+              <a:rPr lang="en-US" sz="1600" b="1" dirty="0">
+                <a:latin typeface="Courier New" panose="02070309020205020404" pitchFamily="49" charset="0"/>
+                <a:cs typeface="Courier New" panose="02070309020205020404" pitchFamily="49" charset="0"/>
+              </a:rPr>
+              <a:t>;</a:t>
+            </a:r>
+          </a:p>
+          <a:p>
+            <a:endParaRPr lang="en-US" sz="1600" b="1" dirty="0">
+              <a:latin typeface="Courier New" panose="02070309020205020404" pitchFamily="49" charset="0"/>
+              <a:cs typeface="Courier New" panose="02070309020205020404" pitchFamily="49" charset="0"/>
+            </a:endParaRPr>
+          </a:p>
+          <a:p>
+            <a:r>
+              <a:rPr lang="en-US" sz="1600" b="1" dirty="0">
+                <a:latin typeface="Courier New" panose="02070309020205020404" pitchFamily="49" charset="0"/>
+                <a:cs typeface="Courier New" panose="02070309020205020404" pitchFamily="49" charset="0"/>
+              </a:rPr>
+              <a:t>    </a:t>
+            </a:r>
+            <a:r>
+              <a:rPr lang="en-US" sz="1600" b="1" dirty="0" err="1">
+                <a:latin typeface="Courier New" panose="02070309020205020404" pitchFamily="49" charset="0"/>
+                <a:cs typeface="Courier New" panose="02070309020205020404" pitchFamily="49" charset="0"/>
+              </a:rPr>
+              <a:t>inst.ch</a:t>
+            </a:r>
+            <a:r>
+              <a:rPr lang="en-US" sz="1600" b="1" dirty="0">
+                <a:latin typeface="Courier New" panose="02070309020205020404" pitchFamily="49" charset="0"/>
+                <a:cs typeface="Courier New" panose="02070309020205020404" pitchFamily="49" charset="0"/>
+              </a:rPr>
+              <a:t> = 0xF3;</a:t>
+            </a:r>
+          </a:p>
+          <a:p>
+            <a:endParaRPr lang="en-US" sz="1600" b="1" dirty="0">
+              <a:latin typeface="Courier New" panose="02070309020205020404" pitchFamily="49" charset="0"/>
+              <a:cs typeface="Courier New" panose="02070309020205020404" pitchFamily="49" charset="0"/>
+            </a:endParaRPr>
+          </a:p>
+          <a:p>
+            <a:r>
+              <a:rPr lang="en-US" sz="1600" b="1" dirty="0">
+                <a:latin typeface="Courier New" panose="02070309020205020404" pitchFamily="49" charset="0"/>
+                <a:cs typeface="Courier New" panose="02070309020205020404" pitchFamily="49" charset="0"/>
+              </a:rPr>
+              <a:t>    </a:t>
+            </a:r>
+            <a:r>
+              <a:rPr lang="en-US" sz="1600" b="1" dirty="0" err="1">
+                <a:latin typeface="Courier New" panose="02070309020205020404" pitchFamily="49" charset="0"/>
+                <a:cs typeface="Courier New" panose="02070309020205020404" pitchFamily="49" charset="0"/>
+              </a:rPr>
+              <a:t>printf</a:t>
+            </a:r>
+            <a:r>
+              <a:rPr lang="en-US" sz="1600" b="1" dirty="0">
+                <a:latin typeface="Courier New" panose="02070309020205020404" pitchFamily="49" charset="0"/>
+                <a:cs typeface="Courier New" panose="02070309020205020404" pitchFamily="49" charset="0"/>
+              </a:rPr>
+              <a:t>("%s %x %x\n",</a:t>
+            </a:r>
+          </a:p>
+          <a:p>
+            <a:r>
+              <a:rPr lang="en-US" sz="1600" b="1" dirty="0">
+                <a:latin typeface="Courier New" panose="02070309020205020404" pitchFamily="49" charset="0"/>
+                <a:cs typeface="Courier New" panose="02070309020205020404" pitchFamily="49" charset="0"/>
+              </a:rPr>
+              <a:t>        ch2b2(</a:t>
+            </a:r>
+            <a:r>
+              <a:rPr lang="en-US" sz="1600" b="1" dirty="0" err="1">
+                <a:latin typeface="Courier New" panose="02070309020205020404" pitchFamily="49" charset="0"/>
+                <a:cs typeface="Courier New" panose="02070309020205020404" pitchFamily="49" charset="0"/>
+              </a:rPr>
+              <a:t>inst.ch</a:t>
+            </a:r>
+            <a:r>
+              <a:rPr lang="en-US" sz="1600" b="1" dirty="0">
+                <a:latin typeface="Courier New" panose="02070309020205020404" pitchFamily="49" charset="0"/>
+                <a:cs typeface="Courier New" panose="02070309020205020404" pitchFamily="49" charset="0"/>
+              </a:rPr>
+              <a:t>),</a:t>
+            </a:r>
+          </a:p>
+          <a:p>
+            <a:r>
+              <a:rPr lang="en-US" sz="1600" b="1" dirty="0">
+                <a:latin typeface="Courier New" panose="02070309020205020404" pitchFamily="49" charset="0"/>
+                <a:cs typeface="Courier New" panose="02070309020205020404" pitchFamily="49" charset="0"/>
+              </a:rPr>
+              <a:t>        </a:t>
+            </a:r>
+            <a:r>
+              <a:rPr lang="en-US" sz="1600" b="1" dirty="0" err="1">
+                <a:latin typeface="Courier New" panose="02070309020205020404" pitchFamily="49" charset="0"/>
+                <a:cs typeface="Courier New" panose="02070309020205020404" pitchFamily="49" charset="0"/>
+              </a:rPr>
+              <a:t>inst.parts.top</a:t>
+            </a:r>
+            <a:r>
+              <a:rPr lang="en-US" sz="1600" b="1" dirty="0">
+                <a:latin typeface="Courier New" panose="02070309020205020404" pitchFamily="49" charset="0"/>
+                <a:cs typeface="Courier New" panose="02070309020205020404" pitchFamily="49" charset="0"/>
+              </a:rPr>
+              <a:t>,</a:t>
+            </a:r>
+          </a:p>
+          <a:p>
+            <a:r>
+              <a:rPr lang="en-US" sz="1600" b="1" dirty="0">
+                <a:latin typeface="Courier New" panose="02070309020205020404" pitchFamily="49" charset="0"/>
+                <a:cs typeface="Courier New" panose="02070309020205020404" pitchFamily="49" charset="0"/>
+              </a:rPr>
+              <a:t>        </a:t>
+            </a:r>
+            <a:r>
+              <a:rPr lang="en-US" sz="1600" b="1" dirty="0" err="1">
+                <a:latin typeface="Courier New" panose="02070309020205020404" pitchFamily="49" charset="0"/>
+                <a:cs typeface="Courier New" panose="02070309020205020404" pitchFamily="49" charset="0"/>
+              </a:rPr>
+              <a:t>inst.parts.bottom</a:t>
+            </a:r>
+            <a:r>
+              <a:rPr lang="en-US" sz="1600" b="1" dirty="0">
+                <a:latin typeface="Courier New" panose="02070309020205020404" pitchFamily="49" charset="0"/>
+                <a:cs typeface="Courier New" panose="02070309020205020404" pitchFamily="49" charset="0"/>
+              </a:rPr>
+              <a:t>);</a:t>
+            </a:r>
+          </a:p>
+          <a:p>
+            <a:r>
+              <a:rPr lang="en-US" sz="1600" b="1" dirty="0">
+                <a:latin typeface="Courier New" panose="02070309020205020404" pitchFamily="49" charset="0"/>
+                <a:cs typeface="Courier New" panose="02070309020205020404" pitchFamily="49" charset="0"/>
+              </a:rPr>
+              <a:t>}</a:t>
+            </a:r>
+          </a:p>
+        </p:txBody>
+      </p:sp>
+      <p:sp>
+        <p:nvSpPr>
+          <p:cNvPr id="5" name="TextBox 4">
+            <a:extLst>
+              <a:ext uri="{FF2B5EF4-FFF2-40B4-BE49-F238E27FC236}">
+                <a16:creationId xmlns:a16="http://schemas.microsoft.com/office/drawing/2014/main" id="{F5943918-EEFC-E122-8F14-80E946B0A301}"/>
+              </a:ext>
+            </a:extLst>
+          </p:cNvPr>
+          <p:cNvSpPr txBox="1"/>
+          <p:nvPr/>
+        </p:nvSpPr>
+        <p:spPr>
+          <a:xfrm>
+            <a:off x="10746560" y="6338986"/>
+            <a:ext cx="1382485" cy="307777"/>
+          </a:xfrm>
+          <a:prstGeom prst="rect">
+            <a:avLst/>
+          </a:prstGeom>
+          <a:noFill/>
+        </p:spPr>
+        <p:txBody>
+          <a:bodyPr wrap="square">
+            <a:spAutoFit/>
+          </a:bodyPr>
+          <a:lstStyle/>
+          <a:p>
+            <a:r>
+              <a:rPr lang="en-US" sz="1400" b="1" dirty="0">
+                <a:solidFill>
+                  <a:srgbClr val="000000"/>
+                </a:solidFill>
+                <a:latin typeface="Menlo" panose="020B0609030804020204" pitchFamily="49" charset="0"/>
+              </a:rPr>
+              <a:t>kr_06_10.c</a:t>
+            </a:r>
+          </a:p>
+        </p:txBody>
+      </p:sp>
+      <p:sp>
+        <p:nvSpPr>
+          <p:cNvPr id="6" name="TextBox 5">
+            <a:extLst>
+              <a:ext uri="{FF2B5EF4-FFF2-40B4-BE49-F238E27FC236}">
+                <a16:creationId xmlns:a16="http://schemas.microsoft.com/office/drawing/2014/main" id="{7651DA0E-797C-8B0A-96A0-3EF00EA0A8AC}"/>
+              </a:ext>
+            </a:extLst>
+          </p:cNvPr>
+          <p:cNvSpPr txBox="1"/>
+          <p:nvPr/>
+        </p:nvSpPr>
+        <p:spPr>
+          <a:xfrm>
+            <a:off x="1968102" y="4001294"/>
+            <a:ext cx="4417219" cy="584775"/>
+          </a:xfrm>
+          <a:prstGeom prst="rect">
+            <a:avLst/>
+          </a:prstGeom>
+          <a:noFill/>
+        </p:spPr>
+        <p:txBody>
+          <a:bodyPr wrap="square">
+            <a:spAutoFit/>
+          </a:bodyPr>
+          <a:lstStyle/>
+          <a:p>
+            <a:r>
+              <a:rPr lang="en-US" sz="3200" b="1" dirty="0">
+                <a:latin typeface="Courier New" panose="02070309020205020404" pitchFamily="49" charset="0"/>
+                <a:cs typeface="Courier New" panose="02070309020205020404" pitchFamily="49" charset="0"/>
+              </a:rPr>
+              <a:t>11110011 3 3c</a:t>
+            </a:r>
+            <a:endParaRPr lang="en-US" sz="3200" b="1" dirty="0">
+              <a:solidFill>
+                <a:srgbClr val="FF0000"/>
+              </a:solidFill>
+              <a:latin typeface="Courier New" panose="02070309020205020404" pitchFamily="49" charset="0"/>
+              <a:cs typeface="Courier New" panose="02070309020205020404" pitchFamily="49" charset="0"/>
+            </a:endParaRPr>
+          </a:p>
+        </p:txBody>
+      </p:sp>
+      <p:sp>
+        <p:nvSpPr>
+          <p:cNvPr id="7" name="Rectangle 6">
+            <a:extLst>
+              <a:ext uri="{FF2B5EF4-FFF2-40B4-BE49-F238E27FC236}">
+                <a16:creationId xmlns:a16="http://schemas.microsoft.com/office/drawing/2014/main" id="{248A52CD-6F77-1026-48D3-EFDDBA752CDF}"/>
+              </a:ext>
+            </a:extLst>
+          </p:cNvPr>
+          <p:cNvSpPr/>
+          <p:nvPr/>
+        </p:nvSpPr>
+        <p:spPr>
+          <a:xfrm>
+            <a:off x="1939526" y="4001294"/>
+            <a:ext cx="603648" cy="584775"/>
+          </a:xfrm>
+          <a:prstGeom prst="rect">
+            <a:avLst/>
+          </a:prstGeom>
+          <a:noFill/>
+        </p:spPr>
+        <p:style>
+          <a:lnRef idx="2">
+            <a:schemeClr val="accent1">
+              <a:shade val="50000"/>
+            </a:schemeClr>
+          </a:lnRef>
+          <a:fillRef idx="1">
+            <a:schemeClr val="accent1"/>
+          </a:fillRef>
+          <a:effectRef idx="0">
+            <a:schemeClr val="accent1"/>
+          </a:effectRef>
+          <a:fontRef idx="minor">
+            <a:schemeClr val="lt1"/>
+          </a:fontRef>
+        </p:style>
+        <p:txBody>
+          <a:bodyPr rtlCol="0" anchor="ctr"/>
+          <a:lstStyle/>
+          <a:p>
+            <a:pPr algn="ctr"/>
+            <a:endParaRPr lang="en-US"/>
+          </a:p>
+        </p:txBody>
+      </p:sp>
+      <p:sp>
+        <p:nvSpPr>
+          <p:cNvPr id="8" name="Rectangle 7">
+            <a:extLst>
+              <a:ext uri="{FF2B5EF4-FFF2-40B4-BE49-F238E27FC236}">
+                <a16:creationId xmlns:a16="http://schemas.microsoft.com/office/drawing/2014/main" id="{80424ADB-0CE6-B25B-F172-93F619BB17E9}"/>
+              </a:ext>
+            </a:extLst>
+          </p:cNvPr>
+          <p:cNvSpPr/>
+          <p:nvPr/>
+        </p:nvSpPr>
+        <p:spPr>
+          <a:xfrm>
+            <a:off x="2557460" y="3997325"/>
+            <a:ext cx="1471615" cy="584775"/>
+          </a:xfrm>
+          <a:prstGeom prst="rect">
+            <a:avLst/>
+          </a:prstGeom>
+          <a:noFill/>
+        </p:spPr>
+        <p:style>
+          <a:lnRef idx="2">
+            <a:schemeClr val="accent1">
+              <a:shade val="50000"/>
+            </a:schemeClr>
+          </a:lnRef>
+          <a:fillRef idx="1">
+            <a:schemeClr val="accent1"/>
+          </a:fillRef>
+          <a:effectRef idx="0">
+            <a:schemeClr val="accent1"/>
+          </a:effectRef>
+          <a:fontRef idx="minor">
+            <a:schemeClr val="lt1"/>
+          </a:fontRef>
+        </p:style>
+        <p:txBody>
+          <a:bodyPr rtlCol="0" anchor="ctr"/>
+          <a:lstStyle/>
+          <a:p>
+            <a:pPr algn="ctr"/>
+            <a:endParaRPr lang="en-US"/>
+          </a:p>
+        </p:txBody>
+      </p:sp>
+    </p:spTree>
+    <p:extLst>
+      <p:ext uri="{BB962C8B-B14F-4D97-AF65-F5344CB8AC3E}">
+        <p14:creationId xmlns:p14="http://schemas.microsoft.com/office/powerpoint/2010/main" val="272425964"/>
+      </p:ext>
+    </p:extLst>
+  </p:cSld>
+  <p:clrMapOvr>
+    <a:masterClrMapping/>
+  </p:clrMapOvr>
+</p:sld>
+</file>
+
+<file path=ppt/slides/slide41.xml><?xml version="1.0" encoding="utf-8"?>
 <p:sld xmlns:a="http://schemas.openxmlformats.org/drawingml/2006/main" xmlns:r="http://schemas.openxmlformats.org/officeDocument/2006/relationships" xmlns:p="http://schemas.openxmlformats.org/presentationml/2006/main">
   <p:cSld>
     <p:bg>
@@ -43090,282 +44646,7 @@
 </p:sld>
 </file>
 
-<file path=ppt/slides/slide4.xml><?xml version="1.0" encoding="utf-8"?>
-<p:sld xmlns:a="http://schemas.openxmlformats.org/drawingml/2006/main" xmlns:r="http://schemas.openxmlformats.org/officeDocument/2006/relationships" xmlns:p="http://schemas.openxmlformats.org/presentationml/2006/main">
-  <p:cSld>
-    <p:spTree>
-      <p:nvGrpSpPr>
-        <p:cNvPr id="1" name=""/>
-        <p:cNvGrpSpPr/>
-        <p:nvPr/>
-      </p:nvGrpSpPr>
-      <p:grpSpPr>
-        <a:xfrm>
-          <a:off x="0" y="0"/>
-          <a:ext cx="0" cy="0"/>
-          <a:chOff x="0" y="0"/>
-          <a:chExt cx="0" cy="0"/>
-        </a:xfrm>
-      </p:grpSpPr>
-      <p:sp>
-        <p:nvSpPr>
-          <p:cNvPr id="2" name="Title 1">
-            <a:extLst>
-              <a:ext uri="{FF2B5EF4-FFF2-40B4-BE49-F238E27FC236}">
-                <a16:creationId xmlns:a16="http://schemas.microsoft.com/office/drawing/2014/main" id="{BF90D539-40B6-0353-D2DC-CF3A5D495E49}"/>
-              </a:ext>
-            </a:extLst>
-          </p:cNvPr>
-          <p:cNvSpPr>
-            <a:spLocks noGrp="1"/>
-          </p:cNvSpPr>
-          <p:nvPr>
-            <p:ph type="title"/>
-          </p:nvPr>
-        </p:nvSpPr>
-        <p:spPr>
-          <a:xfrm>
-            <a:off x="838200" y="365125"/>
-            <a:ext cx="5257800" cy="1325563"/>
-          </a:xfrm>
-        </p:spPr>
-        <p:txBody>
-          <a:bodyPr/>
-          <a:lstStyle/>
-          <a:p>
-            <a:r>
-              <a:rPr lang="en-US" dirty="0"/>
-              <a:t>“Stopping by Woods on a Snowy Evening”</a:t>
-            </a:r>
-          </a:p>
-        </p:txBody>
-      </p:sp>
-      <p:sp>
-        <p:nvSpPr>
-          <p:cNvPr id="5" name="TextBox 4">
-            <a:extLst>
-              <a:ext uri="{FF2B5EF4-FFF2-40B4-BE49-F238E27FC236}">
-                <a16:creationId xmlns:a16="http://schemas.microsoft.com/office/drawing/2014/main" id="{091570B3-BA99-897C-5C83-8D6AAB736867}"/>
-              </a:ext>
-            </a:extLst>
-          </p:cNvPr>
-          <p:cNvSpPr txBox="1"/>
-          <p:nvPr/>
-        </p:nvSpPr>
-        <p:spPr>
-          <a:xfrm>
-            <a:off x="962478" y="5809683"/>
-            <a:ext cx="5974441" cy="307777"/>
-          </a:xfrm>
-          <a:prstGeom prst="rect">
-            <a:avLst/>
-          </a:prstGeom>
-          <a:noFill/>
-        </p:spPr>
-        <p:txBody>
-          <a:bodyPr wrap="square">
-            <a:spAutoFit/>
-          </a:bodyPr>
-          <a:lstStyle/>
-          <a:p>
-            <a:r>
-              <a:rPr lang="en-US" sz="1400" dirty="0"/>
-              <a:t>https://</a:t>
-            </a:r>
-            <a:r>
-              <a:rPr lang="en-US" sz="1400" dirty="0" err="1"/>
-              <a:t>en.wikipedia.org</a:t>
-            </a:r>
-            <a:r>
-              <a:rPr lang="en-US" sz="1400" dirty="0"/>
-              <a:t>/wiki/</a:t>
-            </a:r>
-            <a:r>
-              <a:rPr lang="en-US" sz="1400" dirty="0" err="1"/>
-              <a:t>Wikipedia:Taking_the_road_less_traveled</a:t>
-            </a:r>
-            <a:endParaRPr lang="en-US" sz="1400" dirty="0"/>
-          </a:p>
-        </p:txBody>
-      </p:sp>
-      <p:pic>
-        <p:nvPicPr>
-          <p:cNvPr id="7" name="Picture 6" descr="A Picture of Robert Frost taken around 1910, from Wikipedia.">
-            <a:extLst>
-              <a:ext uri="{FF2B5EF4-FFF2-40B4-BE49-F238E27FC236}">
-                <a16:creationId xmlns:a16="http://schemas.microsoft.com/office/drawing/2014/main" id="{248AF269-AB34-F3C9-3BBD-3B9E9803F110}"/>
-              </a:ext>
-            </a:extLst>
-          </p:cNvPr>
-          <p:cNvPicPr>
-            <a:picLocks noChangeAspect="1"/>
-          </p:cNvPicPr>
-          <p:nvPr/>
-        </p:nvPicPr>
-        <p:blipFill>
-          <a:blip r:embed="rId2"/>
-          <a:stretch>
-            <a:fillRect/>
-          </a:stretch>
-        </p:blipFill>
-        <p:spPr>
-          <a:xfrm>
-            <a:off x="2234108" y="2023552"/>
-            <a:ext cx="1987012" cy="2810895"/>
-          </a:xfrm>
-          <a:prstGeom prst="rect">
-            <a:avLst/>
-          </a:prstGeom>
-        </p:spPr>
-      </p:pic>
-      <p:sp>
-        <p:nvSpPr>
-          <p:cNvPr id="10" name="TextBox 9">
-            <a:extLst>
-              <a:ext uri="{FF2B5EF4-FFF2-40B4-BE49-F238E27FC236}">
-                <a16:creationId xmlns:a16="http://schemas.microsoft.com/office/drawing/2014/main" id="{087F4740-D7B1-132B-BE51-8AE92023F4CD}"/>
-              </a:ext>
-            </a:extLst>
-          </p:cNvPr>
-          <p:cNvSpPr txBox="1"/>
-          <p:nvPr/>
-        </p:nvSpPr>
-        <p:spPr>
-          <a:xfrm>
-            <a:off x="7272926" y="608259"/>
-            <a:ext cx="3956596" cy="5355312"/>
-          </a:xfrm>
-          <a:prstGeom prst="rect">
-            <a:avLst/>
-          </a:prstGeom>
-          <a:noFill/>
-        </p:spPr>
-        <p:txBody>
-          <a:bodyPr wrap="none" rtlCol="0">
-            <a:spAutoFit/>
-          </a:bodyPr>
-          <a:lstStyle/>
-          <a:p>
-            <a:r>
-              <a:rPr lang="en-US" dirty="0"/>
-              <a:t>Whose woods these are I think I know.   </a:t>
-            </a:r>
-          </a:p>
-          <a:p>
-            <a:r>
-              <a:rPr lang="en-US" dirty="0"/>
-              <a:t>His house is in the village though;   </a:t>
-            </a:r>
-          </a:p>
-          <a:p>
-            <a:r>
-              <a:rPr lang="en-US" dirty="0"/>
-              <a:t>He will not see me stopping here   </a:t>
-            </a:r>
-          </a:p>
-          <a:p>
-            <a:r>
-              <a:rPr lang="en-US" dirty="0"/>
-              <a:t>To watch his woods fill up with snow.   </a:t>
-            </a:r>
-          </a:p>
-          <a:p>
-            <a:endParaRPr lang="en-US" dirty="0"/>
-          </a:p>
-          <a:p>
-            <a:r>
-              <a:rPr lang="en-US" dirty="0"/>
-              <a:t>My little horse must think it queer   </a:t>
-            </a:r>
-          </a:p>
-          <a:p>
-            <a:r>
-              <a:rPr lang="en-US" dirty="0"/>
-              <a:t>To stop without a farmhouse near   </a:t>
-            </a:r>
-          </a:p>
-          <a:p>
-            <a:r>
-              <a:rPr lang="en-US" dirty="0"/>
-              <a:t>Between the woods and frozen lake   </a:t>
-            </a:r>
-          </a:p>
-          <a:p>
-            <a:r>
-              <a:rPr lang="en-US" dirty="0"/>
-              <a:t>The darkest evening of the year.   </a:t>
-            </a:r>
-          </a:p>
-          <a:p>
-            <a:endParaRPr lang="en-US" dirty="0"/>
-          </a:p>
-          <a:p>
-            <a:r>
-              <a:rPr lang="en-US" dirty="0"/>
-              <a:t>He gives his harness bells a shake   </a:t>
-            </a:r>
-          </a:p>
-          <a:p>
-            <a:r>
-              <a:rPr lang="en-US" dirty="0"/>
-              <a:t>To ask if there is some mistake.   </a:t>
-            </a:r>
-          </a:p>
-          <a:p>
-            <a:r>
-              <a:rPr lang="en-US" dirty="0"/>
-              <a:t>The only other sound’s the sweep   </a:t>
-            </a:r>
-          </a:p>
-          <a:p>
-            <a:r>
-              <a:rPr lang="en-US" dirty="0"/>
-              <a:t>Of easy wind and downy flake.   </a:t>
-            </a:r>
-          </a:p>
-          <a:p>
-            <a:endParaRPr lang="en-US" dirty="0"/>
-          </a:p>
-          <a:p>
-            <a:r>
-              <a:rPr lang="en-US" dirty="0"/>
-              <a:t>The woods are lovely, dark and deep,   </a:t>
-            </a:r>
-          </a:p>
-          <a:p>
-            <a:r>
-              <a:rPr lang="en-US" dirty="0"/>
-              <a:t>But I have promises to keep,   </a:t>
-            </a:r>
-          </a:p>
-          <a:p>
-            <a:r>
-              <a:rPr lang="en-US" dirty="0"/>
-              <a:t>And miles to go before I sleep,   </a:t>
-            </a:r>
-          </a:p>
-          <a:p>
-            <a:r>
-              <a:rPr lang="en-US" dirty="0"/>
-              <a:t>And miles to go before I sleep.</a:t>
-            </a:r>
-          </a:p>
-        </p:txBody>
-      </p:sp>
-    </p:spTree>
-    <p:extLst>
-      <p:ext uri="{BB962C8B-B14F-4D97-AF65-F5344CB8AC3E}">
-        <p14:creationId xmlns:p14="http://schemas.microsoft.com/office/powerpoint/2010/main" val="2966333550"/>
-      </p:ext>
-    </p:extLst>
-  </p:cSld>
-  <p:clrMapOvr>
-    <a:masterClrMapping/>
-  </p:clrMapOvr>
-</p:sld>
-</file>
-
-<file path=ppt/slides/slide40.xml><?xml version="1.0" encoding="utf-8"?>
+<file path=ppt/slides/slide42.xml><?xml version="1.0" encoding="utf-8"?>
 <p:sld xmlns:a="http://schemas.openxmlformats.org/drawingml/2006/main" xmlns:r="http://schemas.openxmlformats.org/officeDocument/2006/relationships" xmlns:p="http://schemas.openxmlformats.org/presentationml/2006/main">
   <p:cSld>
     <p:spTree>

--- a/lectures/KR-6.pptx
+++ b/lectures/KR-6.pptx
@@ -44,9 +44,8 @@
     <p:sldId id="321" r:id="rId38"/>
     <p:sldId id="325" r:id="rId39"/>
     <p:sldId id="326" r:id="rId40"/>
-    <p:sldId id="327" r:id="rId41"/>
-    <p:sldId id="284" r:id="rId42"/>
-    <p:sldId id="285" r:id="rId43"/>
+    <p:sldId id="284" r:id="rId41"/>
+    <p:sldId id="285" r:id="rId42"/>
   </p:sldIdLst>
   <p:sldSz cx="12192000" cy="6858000"/>
   <p:notesSz cx="6858000" cy="9144000"/>
@@ -43411,563 +43410,6 @@
 </file>
 
 <file path=ppt/slides/slide40.xml><?xml version="1.0" encoding="utf-8"?>
-<p:sld xmlns:a="http://schemas.openxmlformats.org/drawingml/2006/main" xmlns:r="http://schemas.openxmlformats.org/officeDocument/2006/relationships" xmlns:p="http://schemas.openxmlformats.org/presentationml/2006/main">
-  <p:cSld>
-    <p:spTree>
-      <p:nvGrpSpPr>
-        <p:cNvPr id="1" name=""/>
-        <p:cNvGrpSpPr/>
-        <p:nvPr/>
-      </p:nvGrpSpPr>
-      <p:grpSpPr>
-        <a:xfrm>
-          <a:off x="0" y="0"/>
-          <a:ext cx="0" cy="0"/>
-          <a:chOff x="0" y="0"/>
-          <a:chExt cx="0" cy="0"/>
-        </a:xfrm>
-      </p:grpSpPr>
-      <p:sp>
-        <p:nvSpPr>
-          <p:cNvPr id="2" name="Title 1">
-            <a:extLst>
-              <a:ext uri="{FF2B5EF4-FFF2-40B4-BE49-F238E27FC236}">
-                <a16:creationId xmlns:a16="http://schemas.microsoft.com/office/drawing/2014/main" id="{49818FBA-C247-EB80-D4B6-7507BCCF46DA}"/>
-              </a:ext>
-            </a:extLst>
-          </p:cNvPr>
-          <p:cNvSpPr>
-            <a:spLocks noGrp="1"/>
-          </p:cNvSpPr>
-          <p:nvPr>
-            <p:ph type="title"/>
-          </p:nvPr>
-        </p:nvSpPr>
-        <p:spPr/>
-        <p:txBody>
-          <a:bodyPr/>
-          <a:lstStyle/>
-          <a:p>
-            <a:r>
-              <a:rPr lang="en-US" dirty="0"/>
-              <a:t>6.7 Fields – Getting at the bits </a:t>
-            </a:r>
-            <a:r>
-              <a:rPr lang="en-US" dirty="0">
-                <a:sym typeface="Wingdings" pitchFamily="2" charset="2"/>
-              </a:rPr>
-              <a:t></a:t>
-            </a:r>
-            <a:endParaRPr lang="en-US" dirty="0"/>
-          </a:p>
-        </p:txBody>
-      </p:sp>
-      <p:sp>
-        <p:nvSpPr>
-          <p:cNvPr id="3" name="Content Placeholder 2">
-            <a:extLst>
-              <a:ext uri="{FF2B5EF4-FFF2-40B4-BE49-F238E27FC236}">
-                <a16:creationId xmlns:a16="http://schemas.microsoft.com/office/drawing/2014/main" id="{B0A127CF-2FB7-5A58-99EF-532D13FCA4EE}"/>
-              </a:ext>
-            </a:extLst>
-          </p:cNvPr>
-          <p:cNvSpPr>
-            <a:spLocks noGrp="1"/>
-          </p:cNvSpPr>
-          <p:nvPr>
-            <p:ph idx="1"/>
-          </p:nvPr>
-        </p:nvSpPr>
-        <p:spPr>
-          <a:xfrm>
-            <a:off x="838199" y="1825625"/>
-            <a:ext cx="5948363" cy="1603375"/>
-          </a:xfrm>
-        </p:spPr>
-        <p:txBody>
-          <a:bodyPr/>
-          <a:lstStyle/>
-          <a:p>
-            <a:r>
-              <a:rPr lang="en-US" dirty="0"/>
-              <a:t>Using a struct with small unsigned integers we can allocate, arrange, and pack values as small as a single bit</a:t>
-            </a:r>
-          </a:p>
-        </p:txBody>
-      </p:sp>
-      <p:sp>
-        <p:nvSpPr>
-          <p:cNvPr id="4" name="TextBox 3">
-            <a:extLst>
-              <a:ext uri="{FF2B5EF4-FFF2-40B4-BE49-F238E27FC236}">
-                <a16:creationId xmlns:a16="http://schemas.microsoft.com/office/drawing/2014/main" id="{E7925B85-BA0B-622F-33FD-072C4127C06C}"/>
-              </a:ext>
-            </a:extLst>
-          </p:cNvPr>
-          <p:cNvSpPr txBox="1"/>
-          <p:nvPr/>
-        </p:nvSpPr>
-        <p:spPr>
-          <a:xfrm>
-            <a:off x="7303337" y="1554162"/>
-            <a:ext cx="4134465" cy="4524315"/>
-          </a:xfrm>
-          <a:prstGeom prst="rect">
-            <a:avLst/>
-          </a:prstGeom>
-          <a:noFill/>
-        </p:spPr>
-        <p:txBody>
-          <a:bodyPr wrap="none" rtlCol="0">
-            <a:spAutoFit/>
-          </a:bodyPr>
-          <a:lstStyle/>
-          <a:p>
-            <a:r>
-              <a:rPr lang="en-US" sz="1600" b="1" dirty="0">
-                <a:latin typeface="Courier New" panose="02070309020205020404" pitchFamily="49" charset="0"/>
-                <a:cs typeface="Courier New" panose="02070309020205020404" pitchFamily="49" charset="0"/>
-              </a:rPr>
-              <a:t>int main() {</a:t>
-            </a:r>
-          </a:p>
-          <a:p>
-            <a:r>
-              <a:rPr lang="en-US" sz="1600" b="1" dirty="0">
-                <a:latin typeface="Courier New" panose="02070309020205020404" pitchFamily="49" charset="0"/>
-                <a:cs typeface="Courier New" panose="02070309020205020404" pitchFamily="49" charset="0"/>
-              </a:rPr>
-              <a:t>    union instruction {</a:t>
-            </a:r>
-          </a:p>
-          <a:p>
-            <a:r>
-              <a:rPr lang="en-US" sz="1600" b="1" dirty="0">
-                <a:latin typeface="Courier New" panose="02070309020205020404" pitchFamily="49" charset="0"/>
-                <a:cs typeface="Courier New" panose="02070309020205020404" pitchFamily="49" charset="0"/>
-              </a:rPr>
-              <a:t>        char </a:t>
-            </a:r>
-            <a:r>
-              <a:rPr lang="en-US" sz="1600" b="1" dirty="0" err="1">
-                <a:latin typeface="Courier New" panose="02070309020205020404" pitchFamily="49" charset="0"/>
-                <a:cs typeface="Courier New" panose="02070309020205020404" pitchFamily="49" charset="0"/>
-              </a:rPr>
-              <a:t>ch</a:t>
-            </a:r>
-            <a:r>
-              <a:rPr lang="en-US" sz="1600" b="1" dirty="0">
-                <a:latin typeface="Courier New" panose="02070309020205020404" pitchFamily="49" charset="0"/>
-                <a:cs typeface="Courier New" panose="02070309020205020404" pitchFamily="49" charset="0"/>
-              </a:rPr>
-              <a:t>;</a:t>
-            </a:r>
-          </a:p>
-          <a:p>
-            <a:r>
-              <a:rPr lang="en-US" sz="1600" b="1" dirty="0">
-                <a:latin typeface="Courier New" panose="02070309020205020404" pitchFamily="49" charset="0"/>
-                <a:cs typeface="Courier New" panose="02070309020205020404" pitchFamily="49" charset="0"/>
-              </a:rPr>
-              <a:t>        struct {</a:t>
-            </a:r>
-          </a:p>
-          <a:p>
-            <a:r>
-              <a:rPr lang="en-US" sz="1600" b="1" dirty="0">
-                <a:latin typeface="Courier New" panose="02070309020205020404" pitchFamily="49" charset="0"/>
-                <a:cs typeface="Courier New" panose="02070309020205020404" pitchFamily="49" charset="0"/>
-              </a:rPr>
-              <a:t>            unsigned top : 2;</a:t>
-            </a:r>
-          </a:p>
-          <a:p>
-            <a:r>
-              <a:rPr lang="en-US" sz="1600" b="1" dirty="0">
-                <a:latin typeface="Courier New" panose="02070309020205020404" pitchFamily="49" charset="0"/>
-                <a:cs typeface="Courier New" panose="02070309020205020404" pitchFamily="49" charset="0"/>
-              </a:rPr>
-              <a:t>            unsigned bottom : 6;</a:t>
-            </a:r>
-          </a:p>
-          <a:p>
-            <a:r>
-              <a:rPr lang="en-US" sz="1600" b="1" dirty="0">
-                <a:latin typeface="Courier New" panose="02070309020205020404" pitchFamily="49" charset="0"/>
-                <a:cs typeface="Courier New" panose="02070309020205020404" pitchFamily="49" charset="0"/>
-              </a:rPr>
-              <a:t>        } parts;</a:t>
-            </a:r>
-          </a:p>
-          <a:p>
-            <a:r>
-              <a:rPr lang="en-US" sz="1600" b="1" dirty="0">
-                <a:latin typeface="Courier New" panose="02070309020205020404" pitchFamily="49" charset="0"/>
-                <a:cs typeface="Courier New" panose="02070309020205020404" pitchFamily="49" charset="0"/>
-              </a:rPr>
-              <a:t>    } ;</a:t>
-            </a:r>
-          </a:p>
-          <a:p>
-            <a:endParaRPr lang="en-US" sz="1600" b="1" dirty="0">
-              <a:latin typeface="Courier New" panose="02070309020205020404" pitchFamily="49" charset="0"/>
-              <a:cs typeface="Courier New" panose="02070309020205020404" pitchFamily="49" charset="0"/>
-            </a:endParaRPr>
-          </a:p>
-          <a:p>
-            <a:r>
-              <a:rPr lang="en-US" sz="1600" b="1" dirty="0">
-                <a:latin typeface="Courier New" panose="02070309020205020404" pitchFamily="49" charset="0"/>
-                <a:cs typeface="Courier New" panose="02070309020205020404" pitchFamily="49" charset="0"/>
-              </a:rPr>
-              <a:t>    union instruction </a:t>
-            </a:r>
-            <a:r>
-              <a:rPr lang="en-US" sz="1600" b="1" dirty="0" err="1">
-                <a:latin typeface="Courier New" panose="02070309020205020404" pitchFamily="49" charset="0"/>
-                <a:cs typeface="Courier New" panose="02070309020205020404" pitchFamily="49" charset="0"/>
-              </a:rPr>
-              <a:t>inst</a:t>
-            </a:r>
-            <a:r>
-              <a:rPr lang="en-US" sz="1600" b="1" dirty="0">
-                <a:latin typeface="Courier New" panose="02070309020205020404" pitchFamily="49" charset="0"/>
-                <a:cs typeface="Courier New" panose="02070309020205020404" pitchFamily="49" charset="0"/>
-              </a:rPr>
-              <a:t>;</a:t>
-            </a:r>
-          </a:p>
-          <a:p>
-            <a:endParaRPr lang="en-US" sz="1600" b="1" dirty="0">
-              <a:latin typeface="Courier New" panose="02070309020205020404" pitchFamily="49" charset="0"/>
-              <a:cs typeface="Courier New" panose="02070309020205020404" pitchFamily="49" charset="0"/>
-            </a:endParaRPr>
-          </a:p>
-          <a:p>
-            <a:r>
-              <a:rPr lang="en-US" sz="1600" b="1" dirty="0">
-                <a:latin typeface="Courier New" panose="02070309020205020404" pitchFamily="49" charset="0"/>
-                <a:cs typeface="Courier New" panose="02070309020205020404" pitchFamily="49" charset="0"/>
-              </a:rPr>
-              <a:t>    </a:t>
-            </a:r>
-            <a:r>
-              <a:rPr lang="en-US" sz="1600" b="1" dirty="0" err="1">
-                <a:latin typeface="Courier New" panose="02070309020205020404" pitchFamily="49" charset="0"/>
-                <a:cs typeface="Courier New" panose="02070309020205020404" pitchFamily="49" charset="0"/>
-              </a:rPr>
-              <a:t>inst.ch</a:t>
-            </a:r>
-            <a:r>
-              <a:rPr lang="en-US" sz="1600" b="1" dirty="0">
-                <a:latin typeface="Courier New" panose="02070309020205020404" pitchFamily="49" charset="0"/>
-                <a:cs typeface="Courier New" panose="02070309020205020404" pitchFamily="49" charset="0"/>
-              </a:rPr>
-              <a:t> = 0xF3;</a:t>
-            </a:r>
-          </a:p>
-          <a:p>
-            <a:endParaRPr lang="en-US" sz="1600" b="1" dirty="0">
-              <a:latin typeface="Courier New" panose="02070309020205020404" pitchFamily="49" charset="0"/>
-              <a:cs typeface="Courier New" panose="02070309020205020404" pitchFamily="49" charset="0"/>
-            </a:endParaRPr>
-          </a:p>
-          <a:p>
-            <a:r>
-              <a:rPr lang="en-US" sz="1600" b="1" dirty="0">
-                <a:latin typeface="Courier New" panose="02070309020205020404" pitchFamily="49" charset="0"/>
-                <a:cs typeface="Courier New" panose="02070309020205020404" pitchFamily="49" charset="0"/>
-              </a:rPr>
-              <a:t>    </a:t>
-            </a:r>
-            <a:r>
-              <a:rPr lang="en-US" sz="1600" b="1" dirty="0" err="1">
-                <a:latin typeface="Courier New" panose="02070309020205020404" pitchFamily="49" charset="0"/>
-                <a:cs typeface="Courier New" panose="02070309020205020404" pitchFamily="49" charset="0"/>
-              </a:rPr>
-              <a:t>printf</a:t>
-            </a:r>
-            <a:r>
-              <a:rPr lang="en-US" sz="1600" b="1" dirty="0">
-                <a:latin typeface="Courier New" panose="02070309020205020404" pitchFamily="49" charset="0"/>
-                <a:cs typeface="Courier New" panose="02070309020205020404" pitchFamily="49" charset="0"/>
-              </a:rPr>
-              <a:t>("%s %x %x\n",</a:t>
-            </a:r>
-          </a:p>
-          <a:p>
-            <a:r>
-              <a:rPr lang="en-US" sz="1600" b="1" dirty="0">
-                <a:latin typeface="Courier New" panose="02070309020205020404" pitchFamily="49" charset="0"/>
-                <a:cs typeface="Courier New" panose="02070309020205020404" pitchFamily="49" charset="0"/>
-              </a:rPr>
-              <a:t>        ch2b2(</a:t>
-            </a:r>
-            <a:r>
-              <a:rPr lang="en-US" sz="1600" b="1" dirty="0" err="1">
-                <a:latin typeface="Courier New" panose="02070309020205020404" pitchFamily="49" charset="0"/>
-                <a:cs typeface="Courier New" panose="02070309020205020404" pitchFamily="49" charset="0"/>
-              </a:rPr>
-              <a:t>inst.ch</a:t>
-            </a:r>
-            <a:r>
-              <a:rPr lang="en-US" sz="1600" b="1" dirty="0">
-                <a:latin typeface="Courier New" panose="02070309020205020404" pitchFamily="49" charset="0"/>
-                <a:cs typeface="Courier New" panose="02070309020205020404" pitchFamily="49" charset="0"/>
-              </a:rPr>
-              <a:t>),</a:t>
-            </a:r>
-          </a:p>
-          <a:p>
-            <a:r>
-              <a:rPr lang="en-US" sz="1600" b="1" dirty="0">
-                <a:latin typeface="Courier New" panose="02070309020205020404" pitchFamily="49" charset="0"/>
-                <a:cs typeface="Courier New" panose="02070309020205020404" pitchFamily="49" charset="0"/>
-              </a:rPr>
-              <a:t>        </a:t>
-            </a:r>
-            <a:r>
-              <a:rPr lang="en-US" sz="1600" b="1" dirty="0" err="1">
-                <a:latin typeface="Courier New" panose="02070309020205020404" pitchFamily="49" charset="0"/>
-                <a:cs typeface="Courier New" panose="02070309020205020404" pitchFamily="49" charset="0"/>
-              </a:rPr>
-              <a:t>inst.parts.top</a:t>
-            </a:r>
-            <a:r>
-              <a:rPr lang="en-US" sz="1600" b="1" dirty="0">
-                <a:latin typeface="Courier New" panose="02070309020205020404" pitchFamily="49" charset="0"/>
-                <a:cs typeface="Courier New" panose="02070309020205020404" pitchFamily="49" charset="0"/>
-              </a:rPr>
-              <a:t>,</a:t>
-            </a:r>
-          </a:p>
-          <a:p>
-            <a:r>
-              <a:rPr lang="en-US" sz="1600" b="1" dirty="0">
-                <a:latin typeface="Courier New" panose="02070309020205020404" pitchFamily="49" charset="0"/>
-                <a:cs typeface="Courier New" panose="02070309020205020404" pitchFamily="49" charset="0"/>
-              </a:rPr>
-              <a:t>        </a:t>
-            </a:r>
-            <a:r>
-              <a:rPr lang="en-US" sz="1600" b="1" dirty="0" err="1">
-                <a:latin typeface="Courier New" panose="02070309020205020404" pitchFamily="49" charset="0"/>
-                <a:cs typeface="Courier New" panose="02070309020205020404" pitchFamily="49" charset="0"/>
-              </a:rPr>
-              <a:t>inst.parts.bottom</a:t>
-            </a:r>
-            <a:r>
-              <a:rPr lang="en-US" sz="1600" b="1" dirty="0">
-                <a:latin typeface="Courier New" panose="02070309020205020404" pitchFamily="49" charset="0"/>
-                <a:cs typeface="Courier New" panose="02070309020205020404" pitchFamily="49" charset="0"/>
-              </a:rPr>
-              <a:t>);</a:t>
-            </a:r>
-          </a:p>
-          <a:p>
-            <a:r>
-              <a:rPr lang="en-US" sz="1600" b="1" dirty="0">
-                <a:latin typeface="Courier New" panose="02070309020205020404" pitchFamily="49" charset="0"/>
-                <a:cs typeface="Courier New" panose="02070309020205020404" pitchFamily="49" charset="0"/>
-              </a:rPr>
-              <a:t>}</a:t>
-            </a:r>
-          </a:p>
-        </p:txBody>
-      </p:sp>
-      <p:sp>
-        <p:nvSpPr>
-          <p:cNvPr id="5" name="TextBox 4">
-            <a:extLst>
-              <a:ext uri="{FF2B5EF4-FFF2-40B4-BE49-F238E27FC236}">
-                <a16:creationId xmlns:a16="http://schemas.microsoft.com/office/drawing/2014/main" id="{F5943918-EEFC-E122-8F14-80E946B0A301}"/>
-              </a:ext>
-            </a:extLst>
-          </p:cNvPr>
-          <p:cNvSpPr txBox="1"/>
-          <p:nvPr/>
-        </p:nvSpPr>
-        <p:spPr>
-          <a:xfrm>
-            <a:off x="10746560" y="6338986"/>
-            <a:ext cx="1382485" cy="307777"/>
-          </a:xfrm>
-          <a:prstGeom prst="rect">
-            <a:avLst/>
-          </a:prstGeom>
-          <a:noFill/>
-        </p:spPr>
-        <p:txBody>
-          <a:bodyPr wrap="square">
-            <a:spAutoFit/>
-          </a:bodyPr>
-          <a:lstStyle/>
-          <a:p>
-            <a:r>
-              <a:rPr lang="en-US" sz="1400" b="1" dirty="0">
-                <a:solidFill>
-                  <a:srgbClr val="000000"/>
-                </a:solidFill>
-                <a:latin typeface="Menlo" panose="020B0609030804020204" pitchFamily="49" charset="0"/>
-              </a:rPr>
-              <a:t>kr_06_10.c</a:t>
-            </a:r>
-          </a:p>
-        </p:txBody>
-      </p:sp>
-      <p:sp>
-        <p:nvSpPr>
-          <p:cNvPr id="6" name="TextBox 5">
-            <a:extLst>
-              <a:ext uri="{FF2B5EF4-FFF2-40B4-BE49-F238E27FC236}">
-                <a16:creationId xmlns:a16="http://schemas.microsoft.com/office/drawing/2014/main" id="{7651DA0E-797C-8B0A-96A0-3EF00EA0A8AC}"/>
-              </a:ext>
-            </a:extLst>
-          </p:cNvPr>
-          <p:cNvSpPr txBox="1"/>
-          <p:nvPr/>
-        </p:nvSpPr>
-        <p:spPr>
-          <a:xfrm>
-            <a:off x="1968102" y="4001294"/>
-            <a:ext cx="4417219" cy="584775"/>
-          </a:xfrm>
-          <a:prstGeom prst="rect">
-            <a:avLst/>
-          </a:prstGeom>
-          <a:noFill/>
-        </p:spPr>
-        <p:txBody>
-          <a:bodyPr wrap="square">
-            <a:spAutoFit/>
-          </a:bodyPr>
-          <a:lstStyle/>
-          <a:p>
-            <a:r>
-              <a:rPr lang="en-US" sz="3200" b="1" dirty="0">
-                <a:latin typeface="Courier New" panose="02070309020205020404" pitchFamily="49" charset="0"/>
-                <a:cs typeface="Courier New" panose="02070309020205020404" pitchFamily="49" charset="0"/>
-              </a:rPr>
-              <a:t>11110011 3 3c</a:t>
-            </a:r>
-            <a:endParaRPr lang="en-US" sz="3200" b="1" dirty="0">
-              <a:solidFill>
-                <a:srgbClr val="FF0000"/>
-              </a:solidFill>
-              <a:latin typeface="Courier New" panose="02070309020205020404" pitchFamily="49" charset="0"/>
-              <a:cs typeface="Courier New" panose="02070309020205020404" pitchFamily="49" charset="0"/>
-            </a:endParaRPr>
-          </a:p>
-        </p:txBody>
-      </p:sp>
-      <p:sp>
-        <p:nvSpPr>
-          <p:cNvPr id="7" name="Rectangle 6">
-            <a:extLst>
-              <a:ext uri="{FF2B5EF4-FFF2-40B4-BE49-F238E27FC236}">
-                <a16:creationId xmlns:a16="http://schemas.microsoft.com/office/drawing/2014/main" id="{248A52CD-6F77-1026-48D3-EFDDBA752CDF}"/>
-              </a:ext>
-            </a:extLst>
-          </p:cNvPr>
-          <p:cNvSpPr/>
-          <p:nvPr/>
-        </p:nvSpPr>
-        <p:spPr>
-          <a:xfrm>
-            <a:off x="1939526" y="4001294"/>
-            <a:ext cx="603648" cy="584775"/>
-          </a:xfrm>
-          <a:prstGeom prst="rect">
-            <a:avLst/>
-          </a:prstGeom>
-          <a:noFill/>
-        </p:spPr>
-        <p:style>
-          <a:lnRef idx="2">
-            <a:schemeClr val="accent1">
-              <a:shade val="50000"/>
-            </a:schemeClr>
-          </a:lnRef>
-          <a:fillRef idx="1">
-            <a:schemeClr val="accent1"/>
-          </a:fillRef>
-          <a:effectRef idx="0">
-            <a:schemeClr val="accent1"/>
-          </a:effectRef>
-          <a:fontRef idx="minor">
-            <a:schemeClr val="lt1"/>
-          </a:fontRef>
-        </p:style>
-        <p:txBody>
-          <a:bodyPr rtlCol="0" anchor="ctr"/>
-          <a:lstStyle/>
-          <a:p>
-            <a:pPr algn="ctr"/>
-            <a:endParaRPr lang="en-US"/>
-          </a:p>
-        </p:txBody>
-      </p:sp>
-      <p:sp>
-        <p:nvSpPr>
-          <p:cNvPr id="8" name="Rectangle 7">
-            <a:extLst>
-              <a:ext uri="{FF2B5EF4-FFF2-40B4-BE49-F238E27FC236}">
-                <a16:creationId xmlns:a16="http://schemas.microsoft.com/office/drawing/2014/main" id="{80424ADB-0CE6-B25B-F172-93F619BB17E9}"/>
-              </a:ext>
-            </a:extLst>
-          </p:cNvPr>
-          <p:cNvSpPr/>
-          <p:nvPr/>
-        </p:nvSpPr>
-        <p:spPr>
-          <a:xfrm>
-            <a:off x="2557460" y="3997325"/>
-            <a:ext cx="1471615" cy="584775"/>
-          </a:xfrm>
-          <a:prstGeom prst="rect">
-            <a:avLst/>
-          </a:prstGeom>
-          <a:noFill/>
-        </p:spPr>
-        <p:style>
-          <a:lnRef idx="2">
-            <a:schemeClr val="accent1">
-              <a:shade val="50000"/>
-            </a:schemeClr>
-          </a:lnRef>
-          <a:fillRef idx="1">
-            <a:schemeClr val="accent1"/>
-          </a:fillRef>
-          <a:effectRef idx="0">
-            <a:schemeClr val="accent1"/>
-          </a:effectRef>
-          <a:fontRef idx="minor">
-            <a:schemeClr val="lt1"/>
-          </a:fontRef>
-        </p:style>
-        <p:txBody>
-          <a:bodyPr rtlCol="0" anchor="ctr"/>
-          <a:lstStyle/>
-          <a:p>
-            <a:pPr algn="ctr"/>
-            <a:endParaRPr lang="en-US"/>
-          </a:p>
-        </p:txBody>
-      </p:sp>
-    </p:spTree>
-    <p:extLst>
-      <p:ext uri="{BB962C8B-B14F-4D97-AF65-F5344CB8AC3E}">
-        <p14:creationId xmlns:p14="http://schemas.microsoft.com/office/powerpoint/2010/main" val="272425964"/>
-      </p:ext>
-    </p:extLst>
-  </p:cSld>
-  <p:clrMapOvr>
-    <a:masterClrMapping/>
-  </p:clrMapOvr>
-</p:sld>
-</file>
-
-<file path=ppt/slides/slide41.xml><?xml version="1.0" encoding="utf-8"?>
 <p:sld xmlns:a="http://schemas.openxmlformats.org/drawingml/2006/main" xmlns:r="http://schemas.openxmlformats.org/officeDocument/2006/relationships" xmlns:p="http://schemas.openxmlformats.org/presentationml/2006/main">
   <p:cSld>
     <p:bg>
@@ -44646,7 +44088,7 @@
 </p:sld>
 </file>
 
-<file path=ppt/slides/slide42.xml><?xml version="1.0" encoding="utf-8"?>
+<file path=ppt/slides/slide41.xml><?xml version="1.0" encoding="utf-8"?>
 <p:sld xmlns:a="http://schemas.openxmlformats.org/drawingml/2006/main" xmlns:r="http://schemas.openxmlformats.org/officeDocument/2006/relationships" xmlns:p="http://schemas.openxmlformats.org/presentationml/2006/main">
   <p:cSld>
     <p:spTree>

--- a/lectures/KR-6.pptx
+++ b/lectures/KR-6.pptx
@@ -299,7 +299,7 @@
           <a:p>
             <a:fld id="{C13A938A-C9BA-0346-A74F-83EB1631032C}" type="datetimeFigureOut">
               <a:rPr lang="en-US" smtClean="0"/>
-              <a:t>2/22/23</a:t>
+              <a:t>2/23/23</a:t>
             </a:fld>
             <a:endParaRPr lang="en-US"/>
           </a:p>
@@ -497,7 +497,7 @@
           <a:p>
             <a:fld id="{C13A938A-C9BA-0346-A74F-83EB1631032C}" type="datetimeFigureOut">
               <a:rPr lang="en-US" smtClean="0"/>
-              <a:t>2/22/23</a:t>
+              <a:t>2/23/23</a:t>
             </a:fld>
             <a:endParaRPr lang="en-US"/>
           </a:p>
@@ -705,7 +705,7 @@
           <a:p>
             <a:fld id="{C13A938A-C9BA-0346-A74F-83EB1631032C}" type="datetimeFigureOut">
               <a:rPr lang="en-US" smtClean="0"/>
-              <a:t>2/22/23</a:t>
+              <a:t>2/23/23</a:t>
             </a:fld>
             <a:endParaRPr lang="en-US"/>
           </a:p>
@@ -903,7 +903,7 @@
           <a:p>
             <a:fld id="{C13A938A-C9BA-0346-A74F-83EB1631032C}" type="datetimeFigureOut">
               <a:rPr lang="en-US" smtClean="0"/>
-              <a:t>2/22/23</a:t>
+              <a:t>2/23/23</a:t>
             </a:fld>
             <a:endParaRPr lang="en-US"/>
           </a:p>
@@ -1178,7 +1178,7 @@
           <a:p>
             <a:fld id="{C13A938A-C9BA-0346-A74F-83EB1631032C}" type="datetimeFigureOut">
               <a:rPr lang="en-US" smtClean="0"/>
-              <a:t>2/22/23</a:t>
+              <a:t>2/23/23</a:t>
             </a:fld>
             <a:endParaRPr lang="en-US"/>
           </a:p>
@@ -1443,7 +1443,7 @@
           <a:p>
             <a:fld id="{C13A938A-C9BA-0346-A74F-83EB1631032C}" type="datetimeFigureOut">
               <a:rPr lang="en-US" smtClean="0"/>
-              <a:t>2/22/23</a:t>
+              <a:t>2/23/23</a:t>
             </a:fld>
             <a:endParaRPr lang="en-US"/>
           </a:p>
@@ -1855,7 +1855,7 @@
           <a:p>
             <a:fld id="{C13A938A-C9BA-0346-A74F-83EB1631032C}" type="datetimeFigureOut">
               <a:rPr lang="en-US" smtClean="0"/>
-              <a:t>2/22/23</a:t>
+              <a:t>2/23/23</a:t>
             </a:fld>
             <a:endParaRPr lang="en-US"/>
           </a:p>
@@ -1996,7 +1996,7 @@
           <a:p>
             <a:fld id="{C13A938A-C9BA-0346-A74F-83EB1631032C}" type="datetimeFigureOut">
               <a:rPr lang="en-US" smtClean="0"/>
-              <a:t>2/22/23</a:t>
+              <a:t>2/23/23</a:t>
             </a:fld>
             <a:endParaRPr lang="en-US"/>
           </a:p>
@@ -2109,7 +2109,7 @@
           <a:p>
             <a:fld id="{C13A938A-C9BA-0346-A74F-83EB1631032C}" type="datetimeFigureOut">
               <a:rPr lang="en-US" smtClean="0"/>
-              <a:t>2/22/23</a:t>
+              <a:t>2/23/23</a:t>
             </a:fld>
             <a:endParaRPr lang="en-US"/>
           </a:p>
@@ -2420,7 +2420,7 @@
           <a:p>
             <a:fld id="{C13A938A-C9BA-0346-A74F-83EB1631032C}" type="datetimeFigureOut">
               <a:rPr lang="en-US" smtClean="0"/>
-              <a:t>2/22/23</a:t>
+              <a:t>2/23/23</a:t>
             </a:fld>
             <a:endParaRPr lang="en-US"/>
           </a:p>
@@ -2708,7 +2708,7 @@
           <a:p>
             <a:fld id="{C13A938A-C9BA-0346-A74F-83EB1631032C}" type="datetimeFigureOut">
               <a:rPr lang="en-US" smtClean="0"/>
-              <a:t>2/22/23</a:t>
+              <a:t>2/23/23</a:t>
             </a:fld>
             <a:endParaRPr lang="en-US"/>
           </a:p>
@@ -2949,7 +2949,7 @@
           <a:p>
             <a:fld id="{C13A938A-C9BA-0346-A74F-83EB1631032C}" type="datetimeFigureOut">
               <a:rPr lang="en-US" smtClean="0"/>
-              <a:t>2/22/23</a:t>
+              <a:t>2/23/23</a:t>
             </a:fld>
             <a:endParaRPr lang="en-US"/>
           </a:p>
@@ -43553,31 +43553,39 @@
         </p:spPr>
         <p:txBody>
           <a:bodyPr>
-            <a:normAutofit lnSpcReduction="10000"/>
+            <a:normAutofit/>
           </a:bodyPr>
           <a:lstStyle/>
           <a:p>
             <a:r>
               <a:rPr lang="en-US" sz="2000" dirty="0"/>
-              <a:t>I reduced Chapter 6 to the essential bits I feel we need to go forward</a:t>
+              <a:t>I reduced Chapter 6 to the essentials</a:t>
             </a:r>
           </a:p>
           <a:p>
             <a:r>
               <a:rPr lang="en-US" sz="2000" dirty="0"/>
-              <a:t>Do not proceed to Chapter 7 until you truly understand it – at least the singly-linked list</a:t>
+              <a:t>The path to a programming interview test is “the road more travelled” and is through a ”forest dark and deep” with many “miles to go before we sleep”</a:t>
             </a:r>
           </a:p>
           <a:p>
             <a:r>
               <a:rPr lang="en-US" sz="2000" dirty="0"/>
-              <a:t>I did not teach you how to pass a programming interview test because that is “the road more travelled” and is a long journey through a ”forest dark and deep” and there are many “miles to go before we sleep”</a:t>
+              <a:t>I won't talk about Chapter 7 or 8 they are useful but dense</a:t>
             </a:r>
           </a:p>
           <a:p>
             <a:r>
               <a:rPr lang="en-US" sz="2000" dirty="0"/>
-              <a:t>Others can better guide you if you are on that journey…</a:t>
+              <a:t>With all you have learned, it is time to look at the technical details of Object Oriented Programming implemented in C (i.e. </a:t>
+            </a:r>
+            <a:r>
+              <a:rPr lang="en-US" sz="2000"/>
+              <a:t>how C</a:t>
+            </a:r>
+            <a:r>
+              <a:rPr lang="en-US" sz="2000" dirty="0"/>
+              <a:t>++, Python and Java do OO)</a:t>
             </a:r>
           </a:p>
         </p:txBody>
@@ -44528,7 +44536,7 @@
           <a:p>
             <a:r>
               <a:rPr lang="en-US" sz="2000" dirty="0"/>
-              <a:t>I will only cover 6.1, part of 6.2, and 6.5.1</a:t>
+              <a:t>I will only cover 6.1, part of 6.2, 6.5.1, and 6.8</a:t>
             </a:r>
           </a:p>
           <a:p>

--- a/lectures/KR-6.pptx
+++ b/lectures/KR-6.pptx
@@ -304,7 +304,7 @@
           <a:p>
             <a:fld id="{C13A938A-C9BA-0346-A74F-83EB1631032C}" type="datetimeFigureOut">
               <a:rPr lang="en-US" smtClean="0"/>
-              <a:t>2/27/23</a:t>
+              <a:t>3/3/23</a:t>
             </a:fld>
             <a:endParaRPr lang="en-US"/>
           </a:p>
@@ -502,7 +502,7 @@
           <a:p>
             <a:fld id="{C13A938A-C9BA-0346-A74F-83EB1631032C}" type="datetimeFigureOut">
               <a:rPr lang="en-US" smtClean="0"/>
-              <a:t>2/27/23</a:t>
+              <a:t>3/3/23</a:t>
             </a:fld>
             <a:endParaRPr lang="en-US"/>
           </a:p>
@@ -710,7 +710,7 @@
           <a:p>
             <a:fld id="{C13A938A-C9BA-0346-A74F-83EB1631032C}" type="datetimeFigureOut">
               <a:rPr lang="en-US" smtClean="0"/>
-              <a:t>2/27/23</a:t>
+              <a:t>3/3/23</a:t>
             </a:fld>
             <a:endParaRPr lang="en-US"/>
           </a:p>
@@ -908,7 +908,7 @@
           <a:p>
             <a:fld id="{C13A938A-C9BA-0346-A74F-83EB1631032C}" type="datetimeFigureOut">
               <a:rPr lang="en-US" smtClean="0"/>
-              <a:t>2/27/23</a:t>
+              <a:t>3/3/23</a:t>
             </a:fld>
             <a:endParaRPr lang="en-US"/>
           </a:p>
@@ -1183,7 +1183,7 @@
           <a:p>
             <a:fld id="{C13A938A-C9BA-0346-A74F-83EB1631032C}" type="datetimeFigureOut">
               <a:rPr lang="en-US" smtClean="0"/>
-              <a:t>2/27/23</a:t>
+              <a:t>3/3/23</a:t>
             </a:fld>
             <a:endParaRPr lang="en-US"/>
           </a:p>
@@ -1448,7 +1448,7 @@
           <a:p>
             <a:fld id="{C13A938A-C9BA-0346-A74F-83EB1631032C}" type="datetimeFigureOut">
               <a:rPr lang="en-US" smtClean="0"/>
-              <a:t>2/27/23</a:t>
+              <a:t>3/3/23</a:t>
             </a:fld>
             <a:endParaRPr lang="en-US"/>
           </a:p>
@@ -1860,7 +1860,7 @@
           <a:p>
             <a:fld id="{C13A938A-C9BA-0346-A74F-83EB1631032C}" type="datetimeFigureOut">
               <a:rPr lang="en-US" smtClean="0"/>
-              <a:t>2/27/23</a:t>
+              <a:t>3/3/23</a:t>
             </a:fld>
             <a:endParaRPr lang="en-US"/>
           </a:p>
@@ -2001,7 +2001,7 @@
           <a:p>
             <a:fld id="{C13A938A-C9BA-0346-A74F-83EB1631032C}" type="datetimeFigureOut">
               <a:rPr lang="en-US" smtClean="0"/>
-              <a:t>2/27/23</a:t>
+              <a:t>3/3/23</a:t>
             </a:fld>
             <a:endParaRPr lang="en-US"/>
           </a:p>
@@ -2114,7 +2114,7 @@
           <a:p>
             <a:fld id="{C13A938A-C9BA-0346-A74F-83EB1631032C}" type="datetimeFigureOut">
               <a:rPr lang="en-US" smtClean="0"/>
-              <a:t>2/27/23</a:t>
+              <a:t>3/3/23</a:t>
             </a:fld>
             <a:endParaRPr lang="en-US"/>
           </a:p>
@@ -2425,7 +2425,7 @@
           <a:p>
             <a:fld id="{C13A938A-C9BA-0346-A74F-83EB1631032C}" type="datetimeFigureOut">
               <a:rPr lang="en-US" smtClean="0"/>
-              <a:t>2/27/23</a:t>
+              <a:t>3/3/23</a:t>
             </a:fld>
             <a:endParaRPr lang="en-US"/>
           </a:p>
@@ -2713,7 +2713,7 @@
           <a:p>
             <a:fld id="{C13A938A-C9BA-0346-A74F-83EB1631032C}" type="datetimeFigureOut">
               <a:rPr lang="en-US" smtClean="0"/>
-              <a:t>2/27/23</a:t>
+              <a:t>3/3/23</a:t>
             </a:fld>
             <a:endParaRPr lang="en-US"/>
           </a:p>
@@ -2954,7 +2954,7 @@
           <a:p>
             <a:fld id="{C13A938A-C9BA-0346-A74F-83EB1631032C}" type="datetimeFigureOut">
               <a:rPr lang="en-US" smtClean="0"/>
-              <a:t>2/27/23</a:t>
+              <a:t>3/3/23</a:t>
             </a:fld>
             <a:endParaRPr lang="en-US"/>
           </a:p>
@@ -3427,7 +3427,9 @@
         </p:nvSpPr>
         <p:spPr/>
         <p:txBody>
-          <a:bodyPr/>
+          <a:bodyPr>
+            <a:normAutofit lnSpcReduction="10000"/>
+          </a:bodyPr>
           <a:lstStyle/>
           <a:p>
             <a:r>
@@ -3440,6 +3442,19 @@
               <a:rPr lang="en-US" dirty="0"/>
               <a:t>www.cc4e.com</a:t>
             </a:r>
+          </a:p>
+          <a:p>
+            <a:r>
+              <a:rPr lang="en-US" dirty="0"/>
+              <a:t>code.cc4e.com (sample code)</a:t>
+            </a:r>
+          </a:p>
+          <a:p>
+            <a:r>
+              <a:rPr lang="en-US"/>
+              <a:t>online.dr-chuck.com</a:t>
+            </a:r>
+            <a:endParaRPr lang="en-US" dirty="0"/>
           </a:p>
         </p:txBody>
       </p:sp>

--- a/lectures/KR-6.pptx
+++ b/lectures/KR-6.pptx
@@ -301,7 +301,7 @@
           <a:p>
             <a:fld id="{C13A938A-C9BA-0346-A74F-83EB1631032C}" type="datetimeFigureOut">
               <a:rPr lang="en-US" smtClean="0"/>
-              <a:t>4/13/23</a:t>
+              <a:t>4/17/23</a:t>
             </a:fld>
             <a:endParaRPr lang="en-US"/>
           </a:p>
@@ -499,7 +499,7 @@
           <a:p>
             <a:fld id="{C13A938A-C9BA-0346-A74F-83EB1631032C}" type="datetimeFigureOut">
               <a:rPr lang="en-US" smtClean="0"/>
-              <a:t>4/13/23</a:t>
+              <a:t>4/17/23</a:t>
             </a:fld>
             <a:endParaRPr lang="en-US"/>
           </a:p>
@@ -707,7 +707,7 @@
           <a:p>
             <a:fld id="{C13A938A-C9BA-0346-A74F-83EB1631032C}" type="datetimeFigureOut">
               <a:rPr lang="en-US" smtClean="0"/>
-              <a:t>4/13/23</a:t>
+              <a:t>4/17/23</a:t>
             </a:fld>
             <a:endParaRPr lang="en-US"/>
           </a:p>
@@ -905,7 +905,7 @@
           <a:p>
             <a:fld id="{C13A938A-C9BA-0346-A74F-83EB1631032C}" type="datetimeFigureOut">
               <a:rPr lang="en-US" smtClean="0"/>
-              <a:t>4/13/23</a:t>
+              <a:t>4/17/23</a:t>
             </a:fld>
             <a:endParaRPr lang="en-US"/>
           </a:p>
@@ -1180,7 +1180,7 @@
           <a:p>
             <a:fld id="{C13A938A-C9BA-0346-A74F-83EB1631032C}" type="datetimeFigureOut">
               <a:rPr lang="en-US" smtClean="0"/>
-              <a:t>4/13/23</a:t>
+              <a:t>4/17/23</a:t>
             </a:fld>
             <a:endParaRPr lang="en-US"/>
           </a:p>
@@ -1445,7 +1445,7 @@
           <a:p>
             <a:fld id="{C13A938A-C9BA-0346-A74F-83EB1631032C}" type="datetimeFigureOut">
               <a:rPr lang="en-US" smtClean="0"/>
-              <a:t>4/13/23</a:t>
+              <a:t>4/17/23</a:t>
             </a:fld>
             <a:endParaRPr lang="en-US"/>
           </a:p>
@@ -1857,7 +1857,7 @@
           <a:p>
             <a:fld id="{C13A938A-C9BA-0346-A74F-83EB1631032C}" type="datetimeFigureOut">
               <a:rPr lang="en-US" smtClean="0"/>
-              <a:t>4/13/23</a:t>
+              <a:t>4/17/23</a:t>
             </a:fld>
             <a:endParaRPr lang="en-US"/>
           </a:p>
@@ -1998,7 +1998,7 @@
           <a:p>
             <a:fld id="{C13A938A-C9BA-0346-A74F-83EB1631032C}" type="datetimeFigureOut">
               <a:rPr lang="en-US" smtClean="0"/>
-              <a:t>4/13/23</a:t>
+              <a:t>4/17/23</a:t>
             </a:fld>
             <a:endParaRPr lang="en-US"/>
           </a:p>
@@ -2111,7 +2111,7 @@
           <a:p>
             <a:fld id="{C13A938A-C9BA-0346-A74F-83EB1631032C}" type="datetimeFigureOut">
               <a:rPr lang="en-US" smtClean="0"/>
-              <a:t>4/13/23</a:t>
+              <a:t>4/17/23</a:t>
             </a:fld>
             <a:endParaRPr lang="en-US"/>
           </a:p>
@@ -2422,7 +2422,7 @@
           <a:p>
             <a:fld id="{C13A938A-C9BA-0346-A74F-83EB1631032C}" type="datetimeFigureOut">
               <a:rPr lang="en-US" smtClean="0"/>
-              <a:t>4/13/23</a:t>
+              <a:t>4/17/23</a:t>
             </a:fld>
             <a:endParaRPr lang="en-US"/>
           </a:p>
@@ -2710,7 +2710,7 @@
           <a:p>
             <a:fld id="{C13A938A-C9BA-0346-A74F-83EB1631032C}" type="datetimeFigureOut">
               <a:rPr lang="en-US" smtClean="0"/>
-              <a:t>4/13/23</a:t>
+              <a:t>4/17/23</a:t>
             </a:fld>
             <a:endParaRPr lang="en-US"/>
           </a:p>
@@ -2951,7 +2951,7 @@
           <a:p>
             <a:fld id="{C13A938A-C9BA-0346-A74F-83EB1631032C}" type="datetimeFigureOut">
               <a:rPr lang="en-US" smtClean="0"/>
-              <a:t>4/13/23</a:t>
+              <a:t>4/17/23</a:t>
             </a:fld>
             <a:endParaRPr lang="en-US"/>
           </a:p>
@@ -51076,13 +51076,7 @@
           <a:p>
             <a:r>
               <a:rPr lang="en-US" sz="2000" dirty="0"/>
-              <a:t>I reduced Chapter 6 to the essentials</a:t>
-            </a:r>
-          </a:p>
-          <a:p>
-            <a:r>
-              <a:rPr lang="en-US" sz="2000" dirty="0"/>
-              <a:t>The path to a programming interview test is “the road more travelled” and is through a ”forest dark and deep” with many “miles to go before we sleep”</a:t>
+              <a:t>We have covered language aspects of Chapter 6</a:t>
             </a:r>
           </a:p>
           <a:p>
@@ -51094,15 +51088,13 @@
           <a:p>
             <a:r>
               <a:rPr lang="en-US" sz="2000" dirty="0"/>
-              <a:t>With all you have learned, it is time to look at the technical details of Object Oriented Programming implemented in C (i.e. </a:t>
-            </a:r>
-            <a:r>
-              <a:rPr lang="en-US" sz="2000"/>
-              <a:t>how C</a:t>
-            </a:r>
+              <a:t>With all you have learned, it is time to look at the technical details of Object Oriented Programming implemented in C (i.e. how C++, Python and Java do OO)</a:t>
+            </a:r>
+          </a:p>
+          <a:p>
             <a:r>
               <a:rPr lang="en-US" sz="2000" dirty="0"/>
-              <a:t>++, Python and Java do OO)</a:t>
+              <a:t>After we have a grounding in Object Orientation, we will implement hash maps (6.6) and tree maps (6.5.2) as objects</a:t>
             </a:r>
           </a:p>
         </p:txBody>

--- a/lectures/KR-6.pptx
+++ b/lectures/KR-6.pptx
@@ -302,7 +302,7 @@
           <a:p>
             <a:fld id="{C13A938A-C9BA-0346-A74F-83EB1631032C}" type="datetimeFigureOut">
               <a:rPr lang="en-US" smtClean="0"/>
-              <a:t>5/27/23</a:t>
+              <a:t>5/28/23</a:t>
             </a:fld>
             <a:endParaRPr lang="en-US"/>
           </a:p>
@@ -500,7 +500,7 @@
           <a:p>
             <a:fld id="{C13A938A-C9BA-0346-A74F-83EB1631032C}" type="datetimeFigureOut">
               <a:rPr lang="en-US" smtClean="0"/>
-              <a:t>5/27/23</a:t>
+              <a:t>5/28/23</a:t>
             </a:fld>
             <a:endParaRPr lang="en-US"/>
           </a:p>
@@ -708,7 +708,7 @@
           <a:p>
             <a:fld id="{C13A938A-C9BA-0346-A74F-83EB1631032C}" type="datetimeFigureOut">
               <a:rPr lang="en-US" smtClean="0"/>
-              <a:t>5/27/23</a:t>
+              <a:t>5/28/23</a:t>
             </a:fld>
             <a:endParaRPr lang="en-US"/>
           </a:p>
@@ -906,7 +906,7 @@
           <a:p>
             <a:fld id="{C13A938A-C9BA-0346-A74F-83EB1631032C}" type="datetimeFigureOut">
               <a:rPr lang="en-US" smtClean="0"/>
-              <a:t>5/27/23</a:t>
+              <a:t>5/28/23</a:t>
             </a:fld>
             <a:endParaRPr lang="en-US"/>
           </a:p>
@@ -1181,7 +1181,7 @@
           <a:p>
             <a:fld id="{C13A938A-C9BA-0346-A74F-83EB1631032C}" type="datetimeFigureOut">
               <a:rPr lang="en-US" smtClean="0"/>
-              <a:t>5/27/23</a:t>
+              <a:t>5/28/23</a:t>
             </a:fld>
             <a:endParaRPr lang="en-US"/>
           </a:p>
@@ -1446,7 +1446,7 @@
           <a:p>
             <a:fld id="{C13A938A-C9BA-0346-A74F-83EB1631032C}" type="datetimeFigureOut">
               <a:rPr lang="en-US" smtClean="0"/>
-              <a:t>5/27/23</a:t>
+              <a:t>5/28/23</a:t>
             </a:fld>
             <a:endParaRPr lang="en-US"/>
           </a:p>
@@ -1858,7 +1858,7 @@
           <a:p>
             <a:fld id="{C13A938A-C9BA-0346-A74F-83EB1631032C}" type="datetimeFigureOut">
               <a:rPr lang="en-US" smtClean="0"/>
-              <a:t>5/27/23</a:t>
+              <a:t>5/28/23</a:t>
             </a:fld>
             <a:endParaRPr lang="en-US"/>
           </a:p>
@@ -1999,7 +1999,7 @@
           <a:p>
             <a:fld id="{C13A938A-C9BA-0346-A74F-83EB1631032C}" type="datetimeFigureOut">
               <a:rPr lang="en-US" smtClean="0"/>
-              <a:t>5/27/23</a:t>
+              <a:t>5/28/23</a:t>
             </a:fld>
             <a:endParaRPr lang="en-US"/>
           </a:p>
@@ -2112,7 +2112,7 @@
           <a:p>
             <a:fld id="{C13A938A-C9BA-0346-A74F-83EB1631032C}" type="datetimeFigureOut">
               <a:rPr lang="en-US" smtClean="0"/>
-              <a:t>5/27/23</a:t>
+              <a:t>5/28/23</a:t>
             </a:fld>
             <a:endParaRPr lang="en-US"/>
           </a:p>
@@ -2423,7 +2423,7 @@
           <a:p>
             <a:fld id="{C13A938A-C9BA-0346-A74F-83EB1631032C}" type="datetimeFigureOut">
               <a:rPr lang="en-US" smtClean="0"/>
-              <a:t>5/27/23</a:t>
+              <a:t>5/28/23</a:t>
             </a:fld>
             <a:endParaRPr lang="en-US"/>
           </a:p>
@@ -2711,7 +2711,7 @@
           <a:p>
             <a:fld id="{C13A938A-C9BA-0346-A74F-83EB1631032C}" type="datetimeFigureOut">
               <a:rPr lang="en-US" smtClean="0"/>
-              <a:t>5/27/23</a:t>
+              <a:t>5/28/23</a:t>
             </a:fld>
             <a:endParaRPr lang="en-US"/>
           </a:p>
@@ -2952,7 +2952,7 @@
           <a:p>
             <a:fld id="{C13A938A-C9BA-0346-A74F-83EB1631032C}" type="datetimeFigureOut">
               <a:rPr lang="en-US" smtClean="0"/>
-              <a:t>5/27/23</a:t>
+              <a:t>5/28/23</a:t>
             </a:fld>
             <a:endParaRPr lang="en-US"/>
           </a:p>
@@ -15055,8 +15055,13 @@
           <a:p>
             <a:r>
               <a:rPr lang="en-US" dirty="0"/>
-              <a:t>At an Inflection Point</a:t>
-            </a:r>
+              <a:t>A Mid Chapter </a:t>
+            </a:r>
+            <a:r>
+              <a:rPr lang="en-US" dirty="0" err="1"/>
+              <a:t>Suprise</a:t>
+            </a:r>
+            <a:endParaRPr lang="en-US" dirty="0"/>
           </a:p>
         </p:txBody>
       </p:sp>
@@ -51578,7 +51583,7 @@
           <a:p>
             <a:r>
               <a:rPr lang="en-US" sz="2000" dirty="0"/>
-              <a:t>We have covered language aspects of Chapter 6</a:t>
+              <a:t>We have covered language aspects of Chapter 6 (avoiding 6.5 and 6.6)</a:t>
             </a:r>
           </a:p>
           <a:p>

--- a/lectures/KR-6.pptx
+++ b/lectures/KR-6.pptx
@@ -302,7 +302,7 @@
           <a:p>
             <a:fld id="{C13A938A-C9BA-0346-A74F-83EB1631032C}" type="datetimeFigureOut">
               <a:rPr lang="en-US" smtClean="0"/>
-              <a:t>5/28/23</a:t>
+              <a:t>10/25/23</a:t>
             </a:fld>
             <a:endParaRPr lang="en-US"/>
           </a:p>
@@ -500,7 +500,7 @@
           <a:p>
             <a:fld id="{C13A938A-C9BA-0346-A74F-83EB1631032C}" type="datetimeFigureOut">
               <a:rPr lang="en-US" smtClean="0"/>
-              <a:t>5/28/23</a:t>
+              <a:t>10/25/23</a:t>
             </a:fld>
             <a:endParaRPr lang="en-US"/>
           </a:p>
@@ -708,7 +708,7 @@
           <a:p>
             <a:fld id="{C13A938A-C9BA-0346-A74F-83EB1631032C}" type="datetimeFigureOut">
               <a:rPr lang="en-US" smtClean="0"/>
-              <a:t>5/28/23</a:t>
+              <a:t>10/25/23</a:t>
             </a:fld>
             <a:endParaRPr lang="en-US"/>
           </a:p>
@@ -906,7 +906,7 @@
           <a:p>
             <a:fld id="{C13A938A-C9BA-0346-A74F-83EB1631032C}" type="datetimeFigureOut">
               <a:rPr lang="en-US" smtClean="0"/>
-              <a:t>5/28/23</a:t>
+              <a:t>10/25/23</a:t>
             </a:fld>
             <a:endParaRPr lang="en-US"/>
           </a:p>
@@ -1181,7 +1181,7 @@
           <a:p>
             <a:fld id="{C13A938A-C9BA-0346-A74F-83EB1631032C}" type="datetimeFigureOut">
               <a:rPr lang="en-US" smtClean="0"/>
-              <a:t>5/28/23</a:t>
+              <a:t>10/25/23</a:t>
             </a:fld>
             <a:endParaRPr lang="en-US"/>
           </a:p>
@@ -1446,7 +1446,7 @@
           <a:p>
             <a:fld id="{C13A938A-C9BA-0346-A74F-83EB1631032C}" type="datetimeFigureOut">
               <a:rPr lang="en-US" smtClean="0"/>
-              <a:t>5/28/23</a:t>
+              <a:t>10/25/23</a:t>
             </a:fld>
             <a:endParaRPr lang="en-US"/>
           </a:p>
@@ -1858,7 +1858,7 @@
           <a:p>
             <a:fld id="{C13A938A-C9BA-0346-A74F-83EB1631032C}" type="datetimeFigureOut">
               <a:rPr lang="en-US" smtClean="0"/>
-              <a:t>5/28/23</a:t>
+              <a:t>10/25/23</a:t>
             </a:fld>
             <a:endParaRPr lang="en-US"/>
           </a:p>
@@ -1999,7 +1999,7 @@
           <a:p>
             <a:fld id="{C13A938A-C9BA-0346-A74F-83EB1631032C}" type="datetimeFigureOut">
               <a:rPr lang="en-US" smtClean="0"/>
-              <a:t>5/28/23</a:t>
+              <a:t>10/25/23</a:t>
             </a:fld>
             <a:endParaRPr lang="en-US"/>
           </a:p>
@@ -2112,7 +2112,7 @@
           <a:p>
             <a:fld id="{C13A938A-C9BA-0346-A74F-83EB1631032C}" type="datetimeFigureOut">
               <a:rPr lang="en-US" smtClean="0"/>
-              <a:t>5/28/23</a:t>
+              <a:t>10/25/23</a:t>
             </a:fld>
             <a:endParaRPr lang="en-US"/>
           </a:p>
@@ -2423,7 +2423,7 @@
           <a:p>
             <a:fld id="{C13A938A-C9BA-0346-A74F-83EB1631032C}" type="datetimeFigureOut">
               <a:rPr lang="en-US" smtClean="0"/>
-              <a:t>5/28/23</a:t>
+              <a:t>10/25/23</a:t>
             </a:fld>
             <a:endParaRPr lang="en-US"/>
           </a:p>
@@ -2711,7 +2711,7 @@
           <a:p>
             <a:fld id="{C13A938A-C9BA-0346-A74F-83EB1631032C}" type="datetimeFigureOut">
               <a:rPr lang="en-US" smtClean="0"/>
-              <a:t>5/28/23</a:t>
+              <a:t>10/25/23</a:t>
             </a:fld>
             <a:endParaRPr lang="en-US"/>
           </a:p>
@@ -2952,7 +2952,7 @@
           <a:p>
             <a:fld id="{C13A938A-C9BA-0346-A74F-83EB1631032C}" type="datetimeFigureOut">
               <a:rPr lang="en-US" smtClean="0"/>
-              <a:t>5/28/23</a:t>
+              <a:t>10/25/23</a:t>
             </a:fld>
             <a:endParaRPr lang="en-US"/>
           </a:p>
@@ -15055,13 +15055,8 @@
           <a:p>
             <a:r>
               <a:rPr lang="en-US" dirty="0"/>
-              <a:t>A Mid Chapter </a:t>
-            </a:r>
-            <a:r>
-              <a:rPr lang="en-US" dirty="0" err="1"/>
-              <a:t>Suprise</a:t>
-            </a:r>
-            <a:endParaRPr lang="en-US" dirty="0"/>
+              <a:t>A Mid Chapter Surprise</a:t>
+            </a:r>
           </a:p>
         </p:txBody>
       </p:sp>
